--- a/trunk/Reporting Thesis/LV_FINAL/ReportThesis2/ReportingPPT.pptx
+++ b/trunk/Reporting Thesis/LV_FINAL/ReportThesis2/ReportingPPT.pptx
@@ -5,7 +5,7 @@
     <p:sldMasterId id="2147483648" r:id="rId1"/>
   </p:sldMasterIdLst>
   <p:notesMasterIdLst>
-    <p:notesMasterId r:id="rId25"/>
+    <p:notesMasterId r:id="rId24"/>
   </p:notesMasterIdLst>
   <p:sldIdLst>
     <p:sldId id="257" r:id="rId2"/>
@@ -15,9 +15,9 @@
     <p:sldId id="261" r:id="rId6"/>
     <p:sldId id="256" r:id="rId7"/>
     <p:sldId id="262" r:id="rId8"/>
-    <p:sldId id="274" r:id="rId9"/>
-    <p:sldId id="263" r:id="rId10"/>
-    <p:sldId id="275" r:id="rId11"/>
+    <p:sldId id="279" r:id="rId9"/>
+    <p:sldId id="274" r:id="rId10"/>
+    <p:sldId id="263" r:id="rId11"/>
     <p:sldId id="273" r:id="rId12"/>
     <p:sldId id="276" r:id="rId13"/>
     <p:sldId id="271" r:id="rId14"/>
@@ -28,9 +28,8 @@
     <p:sldId id="268" r:id="rId19"/>
     <p:sldId id="267" r:id="rId20"/>
     <p:sldId id="269" r:id="rId21"/>
-    <p:sldId id="266" r:id="rId22"/>
-    <p:sldId id="265" r:id="rId23"/>
-    <p:sldId id="277" r:id="rId24"/>
+    <p:sldId id="265" r:id="rId22"/>
+    <p:sldId id="277" r:id="rId23"/>
   </p:sldIdLst>
   <p:sldSz cx="9144000" cy="6858000" type="screen4x3"/>
   <p:notesSz cx="6858000" cy="9144000"/>
@@ -214,6 +213,7 @@
           <a:p>
             <a:fld id="{D9F5BE78-F04D-49FE-AAC3-BC185033EDEB}" type="datetimeFigureOut">
               <a:rPr lang="en-US" smtClean="0"/>
+              <a:pPr/>
               <a:t>12/20/2010</a:t>
             </a:fld>
             <a:endParaRPr lang="en-US"/>
@@ -375,6 +375,7 @@
           <a:p>
             <a:fld id="{9D0C342A-238D-4C9E-B8B8-6E37ECB0F0FB}" type="slidenum">
               <a:rPr lang="en-US" smtClean="0"/>
+              <a:pPr/>
               <a:t>‹#›</a:t>
             </a:fld>
             <a:endParaRPr lang="en-US"/>
@@ -384,7 +385,7 @@
     </p:spTree>
     <p:extLst>
       <p:ext uri="{BB962C8B-B14F-4D97-AF65-F5344CB8AC3E}">
-        <p14:creationId xmlns:p14="http://schemas.microsoft.com/office/powerpoint/2010/main" val="2487682755"/>
+        <p14:creationId xmlns="" xmlns:p14="http://schemas.microsoft.com/office/powerpoint/2010/main" val="2487682755"/>
       </p:ext>
     </p:extLst>
   </p:cSld>
@@ -549,6 +550,7 @@
           <a:p>
             <a:fld id="{9D0C342A-238D-4C9E-B8B8-6E37ECB0F0FB}" type="slidenum">
               <a:rPr lang="en-US" smtClean="0"/>
+              <a:pPr/>
               <a:t>1</a:t>
             </a:fld>
             <a:endParaRPr lang="en-US"/>
@@ -558,7 +560,7 @@
     </p:spTree>
     <p:extLst>
       <p:ext uri="{BB962C8B-B14F-4D97-AF65-F5344CB8AC3E}">
-        <p14:creationId xmlns:p14="http://schemas.microsoft.com/office/powerpoint/2010/main" val="1639322401"/>
+        <p14:creationId xmlns="" xmlns:p14="http://schemas.microsoft.com/office/powerpoint/2010/main" val="1639322401"/>
       </p:ext>
     </p:extLst>
   </p:cSld>
@@ -653,6 +655,7 @@
           <a:p>
             <a:fld id="{9D0C342A-238D-4C9E-B8B8-6E37ECB0F0FB}" type="slidenum">
               <a:rPr lang="en-US" smtClean="0"/>
+              <a:pPr/>
               <a:t>7</a:t>
             </a:fld>
             <a:endParaRPr lang="en-US"/>
@@ -662,7 +665,7 @@
     </p:spTree>
     <p:extLst>
       <p:ext uri="{BB962C8B-B14F-4D97-AF65-F5344CB8AC3E}">
-        <p14:creationId xmlns:p14="http://schemas.microsoft.com/office/powerpoint/2010/main" val="2691589317"/>
+        <p14:creationId xmlns="" xmlns:p14="http://schemas.microsoft.com/office/powerpoint/2010/main" val="2691589317"/>
       </p:ext>
     </p:extLst>
   </p:cSld>
@@ -713,50 +716,12 @@
         </p:nvSpPr>
         <p:spPr/>
         <p:txBody>
-          <a:bodyPr/>
+          <a:bodyPr>
+            <a:normAutofit/>
+          </a:bodyPr>
           <a:lstStyle/>
           <a:p>
-            <a:pPr marL="0" marR="0" indent="0" algn="l" defTabSz="914400" rtl="0" eaLnBrk="1" fontAlgn="auto" latinLnBrk="0" hangingPunct="1">
-              <a:lnSpc>
-                <a:spcPct val="100000"/>
-              </a:lnSpc>
-              <a:spcBef>
-                <a:spcPts val="0"/>
-              </a:spcBef>
-              <a:spcAft>
-                <a:spcPts val="0"/>
-              </a:spcAft>
-              <a:buClrTx/>
-              <a:buSzTx/>
-              <a:buFontTx/>
-              <a:buNone/>
-              <a:tabLst/>
-              <a:defRPr/>
-            </a:pPr>
-            <a:r>
-              <a:rPr lang="x-none" sz="1200" kern="1200" smtClean="0">
-                <a:solidFill>
-                  <a:schemeClr val="tx1"/>
-                </a:solidFill>
-                <a:effectLst/>
-                <a:latin typeface="+mn-lt"/>
-                <a:ea typeface="+mn-ea"/>
-                <a:cs typeface="+mn-cs"/>
-              </a:rPr>
-              <a:t>Mạng xã hội, hay gọi là mạng xã hội ảo, (tiếng Anh: social networking) là dịch vụ nối kết các thành viên trên Internet lại với nhau với nhiều mục đích khác nhau không phân biệt không gian và thời gian.</a:t>
-            </a:r>
-            <a:endParaRPr lang="en-US" sz="1200" kern="1200" dirty="0" smtClean="0">
-              <a:solidFill>
-                <a:schemeClr val="tx1"/>
-              </a:solidFill>
-              <a:effectLst/>
-              <a:latin typeface="+mn-lt"/>
-              <a:ea typeface="+mn-ea"/>
-              <a:cs typeface="+mn-cs"/>
-            </a:endParaRPr>
-          </a:p>
-          <a:p>
-            <a:endParaRPr lang="en-US" dirty="0"/>
+            <a:endParaRPr lang="en-US"/>
           </a:p>
         </p:txBody>
       </p:sp>
@@ -777,18 +742,14 @@
           <a:p>
             <a:fld id="{9D0C342A-238D-4C9E-B8B8-6E37ECB0F0FB}" type="slidenum">
               <a:rPr lang="en-US" smtClean="0"/>
-              <a:t>9</a:t>
+              <a:pPr/>
+              <a:t>8</a:t>
             </a:fld>
             <a:endParaRPr lang="en-US"/>
           </a:p>
         </p:txBody>
       </p:sp>
     </p:spTree>
-    <p:extLst>
-      <p:ext uri="{BB962C8B-B14F-4D97-AF65-F5344CB8AC3E}">
-        <p14:creationId xmlns:p14="http://schemas.microsoft.com/office/powerpoint/2010/main" val="3465482115"/>
-      </p:ext>
-    </p:extLst>
   </p:cSld>
   <p:clrMapOvr>
     <a:masterClrMapping/>
@@ -880,725 +841,6 @@
             </a:endParaRPr>
           </a:p>
           <a:p>
-            <a:pPr marL="0" marR="0" indent="0" algn="l" defTabSz="914400" rtl="0" eaLnBrk="1" fontAlgn="auto" latinLnBrk="0" hangingPunct="1">
-              <a:lnSpc>
-                <a:spcPct val="100000"/>
-              </a:lnSpc>
-              <a:spcBef>
-                <a:spcPts val="0"/>
-              </a:spcBef>
-              <a:spcAft>
-                <a:spcPts val="0"/>
-              </a:spcAft>
-              <a:buClrTx/>
-              <a:buSzTx/>
-              <a:buFontTx/>
-              <a:buNone/>
-              <a:tabLst/>
-              <a:defRPr/>
-            </a:pPr>
-            <a:endParaRPr lang="en-US" sz="1200" kern="1200" dirty="0" smtClean="0">
-              <a:solidFill>
-                <a:schemeClr val="tx1"/>
-              </a:solidFill>
-              <a:effectLst/>
-              <a:latin typeface="+mn-lt"/>
-              <a:ea typeface="+mn-ea"/>
-              <a:cs typeface="+mn-cs"/>
-            </a:endParaRPr>
-          </a:p>
-          <a:p>
-            <a:pPr marL="0" marR="0" indent="0" algn="l" defTabSz="914400" rtl="0" eaLnBrk="1" fontAlgn="auto" latinLnBrk="0" hangingPunct="1">
-              <a:lnSpc>
-                <a:spcPct val="100000"/>
-              </a:lnSpc>
-              <a:spcBef>
-                <a:spcPts val="0"/>
-              </a:spcBef>
-              <a:spcAft>
-                <a:spcPts val="0"/>
-              </a:spcAft>
-              <a:buClrTx/>
-              <a:buSzTx/>
-              <a:buFontTx/>
-              <a:buNone/>
-              <a:tabLst/>
-              <a:defRPr/>
-            </a:pPr>
-            <a:r>
-              <a:rPr lang="en-US" sz="1200" kern="1200" dirty="0" err="1" smtClean="0">
-                <a:solidFill>
-                  <a:schemeClr val="tx1"/>
-                </a:solidFill>
-                <a:effectLst/>
-                <a:latin typeface="+mn-lt"/>
-                <a:ea typeface="+mn-ea"/>
-                <a:cs typeface="+mn-cs"/>
-              </a:rPr>
-              <a:t>tính</a:t>
-            </a:r>
-            <a:r>
-              <a:rPr lang="en-US" sz="1200" kern="1200" dirty="0" smtClean="0">
-                <a:solidFill>
-                  <a:schemeClr val="tx1"/>
-                </a:solidFill>
-                <a:effectLst/>
-                <a:latin typeface="+mn-lt"/>
-                <a:ea typeface="+mn-ea"/>
-                <a:cs typeface="+mn-cs"/>
-              </a:rPr>
-              <a:t> </a:t>
-            </a:r>
-            <a:r>
-              <a:rPr lang="en-US" sz="1200" kern="1200" dirty="0" err="1" smtClean="0">
-                <a:solidFill>
-                  <a:schemeClr val="tx1"/>
-                </a:solidFill>
-                <a:effectLst/>
-                <a:latin typeface="+mn-lt"/>
-                <a:ea typeface="+mn-ea"/>
-                <a:cs typeface="+mn-cs"/>
-              </a:rPr>
-              <a:t>năng</a:t>
-            </a:r>
-            <a:r>
-              <a:rPr lang="en-US" sz="1200" kern="1200" dirty="0" smtClean="0">
-                <a:solidFill>
-                  <a:schemeClr val="tx1"/>
-                </a:solidFill>
-                <a:effectLst/>
-                <a:latin typeface="+mn-lt"/>
-                <a:ea typeface="+mn-ea"/>
-                <a:cs typeface="+mn-cs"/>
-              </a:rPr>
-              <a:t> </a:t>
-            </a:r>
-            <a:r>
-              <a:rPr lang="en-US" sz="1200" kern="1200" dirty="0" err="1" smtClean="0">
-                <a:solidFill>
-                  <a:schemeClr val="tx1"/>
-                </a:solidFill>
-                <a:effectLst/>
-                <a:latin typeface="+mn-lt"/>
-                <a:ea typeface="+mn-ea"/>
-                <a:cs typeface="+mn-cs"/>
-              </a:rPr>
-              <a:t>như</a:t>
-            </a:r>
-            <a:r>
-              <a:rPr lang="en-US" sz="1200" kern="1200" dirty="0" smtClean="0">
-                <a:solidFill>
-                  <a:schemeClr val="tx1"/>
-                </a:solidFill>
-                <a:effectLst/>
-                <a:latin typeface="+mn-lt"/>
-                <a:ea typeface="+mn-ea"/>
-                <a:cs typeface="+mn-cs"/>
-              </a:rPr>
-              <a:t> </a:t>
-            </a:r>
-            <a:r>
-              <a:rPr lang="en-US" sz="1200" b="1" kern="1200" dirty="0" smtClean="0">
-                <a:solidFill>
-                  <a:schemeClr val="tx1"/>
-                </a:solidFill>
-                <a:effectLst/>
-                <a:latin typeface="+mn-lt"/>
-                <a:ea typeface="+mn-ea"/>
-                <a:cs typeface="+mn-cs"/>
-              </a:rPr>
-              <a:t>chat, e-mail, </a:t>
-            </a:r>
-            <a:r>
-              <a:rPr lang="en-US" sz="1200" b="1" kern="1200" dirty="0" err="1" smtClean="0">
-                <a:solidFill>
-                  <a:schemeClr val="tx1"/>
-                </a:solidFill>
-                <a:effectLst/>
-                <a:latin typeface="+mn-lt"/>
-                <a:ea typeface="+mn-ea"/>
-                <a:cs typeface="+mn-cs"/>
-              </a:rPr>
-              <a:t>phim</a:t>
-            </a:r>
-            <a:r>
-              <a:rPr lang="en-US" sz="1200" b="1" kern="1200" dirty="0" smtClean="0">
-                <a:solidFill>
-                  <a:schemeClr val="tx1"/>
-                </a:solidFill>
-                <a:effectLst/>
-                <a:latin typeface="+mn-lt"/>
-                <a:ea typeface="+mn-ea"/>
-                <a:cs typeface="+mn-cs"/>
-              </a:rPr>
-              <a:t> </a:t>
-            </a:r>
-            <a:r>
-              <a:rPr lang="en-US" sz="1200" b="1" kern="1200" dirty="0" err="1" smtClean="0">
-                <a:solidFill>
-                  <a:schemeClr val="tx1"/>
-                </a:solidFill>
-                <a:effectLst/>
-                <a:latin typeface="+mn-lt"/>
-                <a:ea typeface="+mn-ea"/>
-                <a:cs typeface="+mn-cs"/>
-              </a:rPr>
-              <a:t>ảnh</a:t>
-            </a:r>
-            <a:r>
-              <a:rPr lang="en-US" sz="1200" b="1" kern="1200" dirty="0" smtClean="0">
-                <a:solidFill>
-                  <a:schemeClr val="tx1"/>
-                </a:solidFill>
-                <a:effectLst/>
-                <a:latin typeface="+mn-lt"/>
-                <a:ea typeface="+mn-ea"/>
-                <a:cs typeface="+mn-cs"/>
-              </a:rPr>
-              <a:t>, voice chat, chia </a:t>
-            </a:r>
-            <a:r>
-              <a:rPr lang="en-US" sz="1200" b="1" kern="1200" dirty="0" err="1" smtClean="0">
-                <a:solidFill>
-                  <a:schemeClr val="tx1"/>
-                </a:solidFill>
-                <a:effectLst/>
-                <a:latin typeface="+mn-lt"/>
-                <a:ea typeface="+mn-ea"/>
-                <a:cs typeface="+mn-cs"/>
-              </a:rPr>
-              <a:t>sẻ</a:t>
-            </a:r>
-            <a:r>
-              <a:rPr lang="en-US" sz="1200" b="1" kern="1200" dirty="0" smtClean="0">
-                <a:solidFill>
-                  <a:schemeClr val="tx1"/>
-                </a:solidFill>
-                <a:effectLst/>
-                <a:latin typeface="+mn-lt"/>
-                <a:ea typeface="+mn-ea"/>
-                <a:cs typeface="+mn-cs"/>
-              </a:rPr>
-              <a:t> file, blog </a:t>
-            </a:r>
-            <a:r>
-              <a:rPr lang="en-US" sz="1200" kern="1200" dirty="0" err="1" smtClean="0">
-                <a:solidFill>
-                  <a:schemeClr val="tx1"/>
-                </a:solidFill>
-                <a:effectLst/>
-                <a:latin typeface="+mn-lt"/>
-                <a:ea typeface="+mn-ea"/>
-                <a:cs typeface="+mn-cs"/>
-              </a:rPr>
-              <a:t>và</a:t>
-            </a:r>
-            <a:r>
-              <a:rPr lang="en-US" sz="1200" b="1" kern="1200" dirty="0" smtClean="0">
-                <a:solidFill>
-                  <a:schemeClr val="tx1"/>
-                </a:solidFill>
-                <a:effectLst/>
-                <a:latin typeface="+mn-lt"/>
-                <a:ea typeface="+mn-ea"/>
-                <a:cs typeface="+mn-cs"/>
-              </a:rPr>
-              <a:t> </a:t>
-            </a:r>
-            <a:r>
-              <a:rPr lang="en-US" sz="1200" b="1" kern="1200" dirty="0" err="1" smtClean="0">
-                <a:solidFill>
-                  <a:schemeClr val="tx1"/>
-                </a:solidFill>
-                <a:effectLst/>
-                <a:latin typeface="+mn-lt"/>
-                <a:ea typeface="+mn-ea"/>
-                <a:cs typeface="+mn-cs"/>
-              </a:rPr>
-              <a:t>xã</a:t>
-            </a:r>
-            <a:r>
-              <a:rPr lang="en-US" sz="1200" b="1" kern="1200" dirty="0" smtClean="0">
-                <a:solidFill>
-                  <a:schemeClr val="tx1"/>
-                </a:solidFill>
-                <a:effectLst/>
-                <a:latin typeface="+mn-lt"/>
-                <a:ea typeface="+mn-ea"/>
-                <a:cs typeface="+mn-cs"/>
-              </a:rPr>
-              <a:t> </a:t>
-            </a:r>
-            <a:r>
-              <a:rPr lang="en-US" sz="1200" b="1" kern="1200" dirty="0" err="1" smtClean="0">
-                <a:solidFill>
-                  <a:schemeClr val="tx1"/>
-                </a:solidFill>
-                <a:effectLst/>
-                <a:latin typeface="+mn-lt"/>
-                <a:ea typeface="+mn-ea"/>
-                <a:cs typeface="+mn-cs"/>
-              </a:rPr>
-              <a:t>luận</a:t>
-            </a:r>
-            <a:r>
-              <a:rPr lang="en-US" sz="1200" b="1" kern="1200" dirty="0" smtClean="0">
-                <a:solidFill>
-                  <a:schemeClr val="tx1"/>
-                </a:solidFill>
-                <a:effectLst/>
-                <a:latin typeface="+mn-lt"/>
-                <a:ea typeface="+mn-ea"/>
-                <a:cs typeface="+mn-cs"/>
-              </a:rPr>
-              <a:t>.</a:t>
-            </a:r>
-            <a:r>
-              <a:rPr lang="en-US" sz="1200" kern="1200" dirty="0" smtClean="0">
-                <a:solidFill>
-                  <a:schemeClr val="tx1"/>
-                </a:solidFill>
-                <a:effectLst/>
-                <a:latin typeface="+mn-lt"/>
-                <a:ea typeface="+mn-ea"/>
-                <a:cs typeface="+mn-cs"/>
-              </a:rPr>
-              <a:t> </a:t>
-            </a:r>
-          </a:p>
-          <a:p>
-            <a:pPr marL="0" marR="0" indent="0" algn="l" defTabSz="914400" rtl="0" eaLnBrk="1" fontAlgn="auto" latinLnBrk="0" hangingPunct="1">
-              <a:lnSpc>
-                <a:spcPct val="100000"/>
-              </a:lnSpc>
-              <a:spcBef>
-                <a:spcPts val="0"/>
-              </a:spcBef>
-              <a:spcAft>
-                <a:spcPts val="0"/>
-              </a:spcAft>
-              <a:buClrTx/>
-              <a:buSzTx/>
-              <a:buFontTx/>
-              <a:buNone/>
-              <a:tabLst/>
-              <a:defRPr/>
-            </a:pPr>
-            <a:endParaRPr lang="en-US" sz="1200" kern="1200" dirty="0" smtClean="0">
-              <a:solidFill>
-                <a:schemeClr val="tx1"/>
-              </a:solidFill>
-              <a:effectLst/>
-              <a:latin typeface="+mn-lt"/>
-              <a:ea typeface="+mn-ea"/>
-              <a:cs typeface="+mn-cs"/>
-            </a:endParaRPr>
-          </a:p>
-          <a:p>
-            <a:r>
-              <a:rPr lang="x-none" sz="1200" kern="1200" smtClean="0">
-                <a:solidFill>
-                  <a:schemeClr val="tx1"/>
-                </a:solidFill>
-                <a:effectLst/>
-                <a:latin typeface="+mn-lt"/>
-                <a:ea typeface="+mn-ea"/>
-                <a:cs typeface="+mn-cs"/>
-              </a:rPr>
-              <a:t>1995 với sự ra đời của trang </a:t>
-            </a:r>
-            <a:r>
-              <a:rPr lang="x-none" sz="1200" b="1" kern="1200" smtClean="0">
-                <a:solidFill>
-                  <a:schemeClr val="tx1"/>
-                </a:solidFill>
-                <a:effectLst/>
-                <a:latin typeface="+mn-lt"/>
-                <a:ea typeface="+mn-ea"/>
-                <a:cs typeface="+mn-cs"/>
-              </a:rPr>
-              <a:t>Classmate</a:t>
-            </a:r>
-            <a:r>
-              <a:rPr lang="x-none" sz="1200" kern="1200" smtClean="0">
-                <a:solidFill>
-                  <a:schemeClr val="tx1"/>
-                </a:solidFill>
-                <a:effectLst/>
-                <a:latin typeface="+mn-lt"/>
-                <a:ea typeface="+mn-ea"/>
-                <a:cs typeface="+mn-cs"/>
-              </a:rPr>
-              <a:t> với mục đích kết nối bạn học, tiếp theo là sự xuất hiện của </a:t>
-            </a:r>
-            <a:r>
-              <a:rPr lang="x-none" sz="1200" b="1" kern="1200" smtClean="0">
-                <a:solidFill>
-                  <a:schemeClr val="tx1"/>
-                </a:solidFill>
-                <a:effectLst/>
-                <a:latin typeface="+mn-lt"/>
-                <a:ea typeface="+mn-ea"/>
-                <a:cs typeface="+mn-cs"/>
-              </a:rPr>
-              <a:t>SixDegrees</a:t>
-            </a:r>
-            <a:r>
-              <a:rPr lang="x-none" sz="1200" kern="1200" smtClean="0">
-                <a:solidFill>
-                  <a:schemeClr val="tx1"/>
-                </a:solidFill>
-                <a:effectLst/>
-                <a:latin typeface="+mn-lt"/>
-                <a:ea typeface="+mn-ea"/>
-                <a:cs typeface="+mn-cs"/>
-              </a:rPr>
-              <a:t> vào năm 1997 với mục đích giao lưu kết bạn dựa theo sở thích.</a:t>
-            </a:r>
-            <a:endParaRPr lang="en-US" sz="1200" kern="1200" dirty="0" smtClean="0">
-              <a:solidFill>
-                <a:schemeClr val="tx1"/>
-              </a:solidFill>
-              <a:effectLst/>
-              <a:latin typeface="+mn-lt"/>
-              <a:ea typeface="+mn-ea"/>
-              <a:cs typeface="+mn-cs"/>
-            </a:endParaRPr>
-          </a:p>
-          <a:p>
-            <a:r>
-              <a:rPr lang="x-none" sz="1200" kern="1200" smtClean="0">
-                <a:solidFill>
-                  <a:schemeClr val="tx1"/>
-                </a:solidFill>
-                <a:effectLst/>
-                <a:latin typeface="+mn-lt"/>
-                <a:ea typeface="+mn-ea"/>
-                <a:cs typeface="+mn-cs"/>
-              </a:rPr>
-              <a:t>Năm 2002, </a:t>
-            </a:r>
-            <a:r>
-              <a:rPr lang="x-none" sz="1200" b="1" kern="1200" smtClean="0">
-                <a:solidFill>
-                  <a:schemeClr val="tx1"/>
-                </a:solidFill>
-                <a:effectLst/>
-                <a:latin typeface="+mn-lt"/>
-                <a:ea typeface="+mn-ea"/>
-                <a:cs typeface="+mn-cs"/>
-              </a:rPr>
-              <a:t>Friendster</a:t>
-            </a:r>
-            <a:r>
-              <a:rPr lang="x-none" sz="1200" kern="1200" smtClean="0">
-                <a:solidFill>
-                  <a:schemeClr val="tx1"/>
-                </a:solidFill>
-                <a:effectLst/>
-                <a:latin typeface="+mn-lt"/>
-                <a:ea typeface="+mn-ea"/>
-                <a:cs typeface="+mn-cs"/>
-              </a:rPr>
-              <a:t> trở thành một trào lưu mới tại Hoa Kỳ với hàng triệu thành viên ghi danh. Tuy nhiên sự phát triển quá nhanh này cũng là con dao hai lưỡi khi server của Friendster thường bị quá tải mỗi ngày, gây bất bình cho rất nhiều thành viên.</a:t>
-            </a:r>
-            <a:endParaRPr lang="en-US" sz="1200" kern="1200" dirty="0" smtClean="0">
-              <a:solidFill>
-                <a:schemeClr val="tx1"/>
-              </a:solidFill>
-              <a:effectLst/>
-              <a:latin typeface="+mn-lt"/>
-              <a:ea typeface="+mn-ea"/>
-              <a:cs typeface="+mn-cs"/>
-            </a:endParaRPr>
-          </a:p>
-          <a:p>
-            <a:r>
-              <a:rPr lang="x-none" sz="1200" kern="1200" smtClean="0">
-                <a:solidFill>
-                  <a:schemeClr val="tx1"/>
-                </a:solidFill>
-                <a:effectLst/>
-                <a:latin typeface="+mn-lt"/>
-                <a:ea typeface="+mn-ea"/>
-                <a:cs typeface="+mn-cs"/>
-              </a:rPr>
-              <a:t>Năm 2004, </a:t>
-            </a:r>
-            <a:r>
-              <a:rPr lang="x-none" sz="1200" b="1" kern="1200" smtClean="0">
-                <a:solidFill>
-                  <a:schemeClr val="tx1"/>
-                </a:solidFill>
-                <a:effectLst/>
-                <a:latin typeface="+mn-lt"/>
-                <a:ea typeface="+mn-ea"/>
-                <a:cs typeface="+mn-cs"/>
-              </a:rPr>
-              <a:t>MySpace</a:t>
-            </a:r>
-            <a:r>
-              <a:rPr lang="x-none" sz="1200" kern="1200" smtClean="0">
-                <a:solidFill>
-                  <a:schemeClr val="tx1"/>
-                </a:solidFill>
-                <a:effectLst/>
-                <a:latin typeface="+mn-lt"/>
-                <a:ea typeface="+mn-ea"/>
-                <a:cs typeface="+mn-cs"/>
-              </a:rPr>
-              <a:t> ra đời với các tính năng như nhúng phim ảnh (embeded video) và nhanh chóng thu hút hàng chục ngàn thành viên mới mỗi ngày, các thành viên cũ của Friendster cũng lũ lượt chuyển qua MySpace và trong vòng một năm</a:t>
-            </a:r>
-            <a:endParaRPr lang="en-US" sz="1200" kern="1200" dirty="0" smtClean="0">
-              <a:solidFill>
-                <a:schemeClr val="tx1"/>
-              </a:solidFill>
-              <a:effectLst/>
-              <a:latin typeface="+mn-lt"/>
-              <a:ea typeface="+mn-ea"/>
-              <a:cs typeface="+mn-cs"/>
-            </a:endParaRPr>
-          </a:p>
-          <a:p>
-            <a:r>
-              <a:rPr lang="x-none" sz="1200" kern="1200" smtClean="0">
-                <a:solidFill>
-                  <a:schemeClr val="tx1"/>
-                </a:solidFill>
-                <a:effectLst/>
-                <a:latin typeface="+mn-lt"/>
-                <a:ea typeface="+mn-ea"/>
-                <a:cs typeface="+mn-cs"/>
-              </a:rPr>
-              <a:t>Năm 2006, sự ra đời của </a:t>
-            </a:r>
-            <a:r>
-              <a:rPr lang="x-none" sz="1200" b="1" kern="1200" smtClean="0">
-                <a:solidFill>
-                  <a:schemeClr val="tx1"/>
-                </a:solidFill>
-                <a:effectLst/>
-                <a:latin typeface="+mn-lt"/>
-                <a:ea typeface="+mn-ea"/>
-                <a:cs typeface="+mn-cs"/>
-              </a:rPr>
-              <a:t>Facebook</a:t>
-            </a:r>
-            <a:r>
-              <a:rPr lang="x-none" sz="1200" kern="1200" smtClean="0">
-                <a:solidFill>
-                  <a:schemeClr val="tx1"/>
-                </a:solidFill>
-                <a:effectLst/>
-                <a:latin typeface="+mn-lt"/>
-                <a:ea typeface="+mn-ea"/>
-                <a:cs typeface="+mn-cs"/>
-              </a:rPr>
-              <a:t> đánh dấu bước ngoặt mới cho hệ thống mạng xã hội trực tuyến với nền tảng lập trình "</a:t>
-            </a:r>
-            <a:r>
-              <a:rPr lang="x-none" sz="1200" b="1" kern="1200" smtClean="0">
-                <a:solidFill>
-                  <a:schemeClr val="tx1"/>
-                </a:solidFill>
-                <a:effectLst/>
-                <a:latin typeface="+mn-lt"/>
-                <a:ea typeface="+mn-ea"/>
-                <a:cs typeface="+mn-cs"/>
-              </a:rPr>
-              <a:t>Facebook Platform</a:t>
-            </a:r>
-            <a:r>
-              <a:rPr lang="x-none" sz="1200" kern="1200" smtClean="0">
-                <a:solidFill>
-                  <a:schemeClr val="tx1"/>
-                </a:solidFill>
-                <a:effectLst/>
-                <a:latin typeface="+mn-lt"/>
-                <a:ea typeface="+mn-ea"/>
-                <a:cs typeface="+mn-cs"/>
-              </a:rPr>
-              <a:t>" cho phép thành viên tạo ra những công cụ (apps) mới cho cá nhân mình cũng như các thành viên khác dùng.</a:t>
-            </a:r>
-            <a:endParaRPr lang="en-US" sz="1200" kern="1200" dirty="0" smtClean="0">
-              <a:solidFill>
-                <a:schemeClr val="tx1"/>
-              </a:solidFill>
-              <a:effectLst/>
-              <a:latin typeface="+mn-lt"/>
-              <a:ea typeface="+mn-ea"/>
-              <a:cs typeface="+mn-cs"/>
-            </a:endParaRPr>
-          </a:p>
-          <a:p>
-            <a:endParaRPr lang="en-US" sz="1200" kern="1200" dirty="0" smtClean="0">
-              <a:solidFill>
-                <a:schemeClr val="tx1"/>
-              </a:solidFill>
-              <a:effectLst/>
-              <a:latin typeface="+mn-lt"/>
-              <a:ea typeface="+mn-ea"/>
-              <a:cs typeface="+mn-cs"/>
-            </a:endParaRPr>
-          </a:p>
-          <a:p>
-            <a:r>
-              <a:rPr lang="x-none" sz="1200" kern="1200" smtClean="0">
-                <a:solidFill>
-                  <a:schemeClr val="tx1"/>
-                </a:solidFill>
-                <a:effectLst/>
-                <a:latin typeface="+mn-lt"/>
-                <a:ea typeface="+mn-ea"/>
-                <a:cs typeface="+mn-cs"/>
-              </a:rPr>
-              <a:t>Nút (node): Là một thực thể trong mạng. Thực thể này có thể là một cá nhân, một doanh nghiệp hoặc một tổ chức bất kỳ nào đó</a:t>
-            </a:r>
-            <a:endParaRPr lang="en-US" sz="1200" kern="1200" dirty="0" smtClean="0">
-              <a:solidFill>
-                <a:schemeClr val="tx1"/>
-              </a:solidFill>
-              <a:effectLst/>
-              <a:latin typeface="+mn-lt"/>
-              <a:ea typeface="+mn-ea"/>
-              <a:cs typeface="+mn-cs"/>
-            </a:endParaRPr>
-          </a:p>
-          <a:p>
-            <a:r>
-              <a:rPr lang="x-none" sz="1200" kern="1200" smtClean="0">
-                <a:solidFill>
-                  <a:schemeClr val="tx1"/>
-                </a:solidFill>
-                <a:effectLst/>
-                <a:latin typeface="+mn-lt"/>
-                <a:ea typeface="+mn-ea"/>
-                <a:cs typeface="+mn-cs"/>
-              </a:rPr>
-              <a:t>Liên kết (tie): </a:t>
-            </a:r>
-            <a:r>
-              <a:rPr lang="en-US" sz="1200" kern="1200" dirty="0" smtClean="0">
-                <a:solidFill>
-                  <a:schemeClr val="tx1"/>
-                </a:solidFill>
-                <a:effectLst/>
-                <a:latin typeface="+mn-lt"/>
-                <a:ea typeface="+mn-ea"/>
-                <a:cs typeface="+mn-cs"/>
-              </a:rPr>
-              <a:t>L</a:t>
-            </a:r>
-            <a:r>
-              <a:rPr lang="x-none" sz="1200" kern="1200" smtClean="0">
-                <a:solidFill>
-                  <a:schemeClr val="tx1"/>
-                </a:solidFill>
-                <a:effectLst/>
-                <a:latin typeface="+mn-lt"/>
-                <a:ea typeface="+mn-ea"/>
-                <a:cs typeface="+mn-cs"/>
-              </a:rPr>
-              <a:t>à mối quan hệ giữa các thực thể đó</a:t>
-            </a:r>
-            <a:r>
-              <a:rPr lang="en-US" sz="1200" kern="1200" dirty="0" smtClean="0">
-                <a:solidFill>
-                  <a:schemeClr val="tx1"/>
-                </a:solidFill>
-                <a:effectLst/>
-                <a:latin typeface="+mn-lt"/>
-                <a:ea typeface="+mn-ea"/>
-                <a:cs typeface="+mn-cs"/>
-              </a:rPr>
-              <a:t>, t</a:t>
-            </a:r>
-            <a:r>
-              <a:rPr lang="x-none" sz="1200" kern="1200" smtClean="0">
-                <a:solidFill>
-                  <a:schemeClr val="tx1"/>
-                </a:solidFill>
-                <a:effectLst/>
-                <a:latin typeface="+mn-lt"/>
-                <a:ea typeface="+mn-ea"/>
-                <a:cs typeface="+mn-cs"/>
-              </a:rPr>
-              <a:t>rong mạng có thể có nhiều kiểu liên kết</a:t>
-            </a:r>
-            <a:r>
-              <a:rPr lang="en-US" sz="1200" kern="1200" dirty="0" smtClean="0">
-                <a:solidFill>
-                  <a:schemeClr val="tx1"/>
-                </a:solidFill>
-                <a:effectLst/>
-                <a:latin typeface="+mn-lt"/>
-                <a:ea typeface="+mn-ea"/>
-                <a:cs typeface="+mn-cs"/>
-              </a:rPr>
-              <a:t>. Ở</a:t>
-            </a:r>
-            <a:r>
-              <a:rPr lang="x-none" sz="1200" kern="1200" smtClean="0">
-                <a:solidFill>
-                  <a:schemeClr val="tx1"/>
-                </a:solidFill>
-                <a:effectLst/>
-                <a:latin typeface="+mn-lt"/>
-                <a:ea typeface="+mn-ea"/>
-                <a:cs typeface="+mn-cs"/>
-              </a:rPr>
-              <a:t> dạng đơn giản nhất, mạng xã hội là một đơn đồ thị vô hướng các mối liên kết phù hợp giữa các nút. Ta có thể biểu diễn mạng liên kết này bằng một biểu đồ mà các nút được biểu diễn bởi các điểm còn các liên kết được biểu diễn bởi các đoạn thẳng, minh họa bằng sơ đồ bên dưới.</a:t>
-            </a:r>
-            <a:endParaRPr lang="en-US" sz="1200" kern="1200" dirty="0" smtClean="0">
-              <a:solidFill>
-                <a:schemeClr val="tx1"/>
-              </a:solidFill>
-              <a:effectLst/>
-              <a:latin typeface="+mn-lt"/>
-              <a:ea typeface="+mn-ea"/>
-              <a:cs typeface="+mn-cs"/>
-            </a:endParaRPr>
-          </a:p>
-          <a:p>
-            <a:endParaRPr lang="en-US" sz="1200" kern="1200" dirty="0" smtClean="0">
-              <a:solidFill>
-                <a:schemeClr val="tx1"/>
-              </a:solidFill>
-              <a:effectLst/>
-              <a:latin typeface="+mn-lt"/>
-              <a:ea typeface="+mn-ea"/>
-              <a:cs typeface="+mn-cs"/>
-            </a:endParaRPr>
-          </a:p>
-          <a:p>
-            <a:pPr marL="0" marR="0" indent="0" algn="l" defTabSz="914400" rtl="0" eaLnBrk="1" fontAlgn="auto" latinLnBrk="0" hangingPunct="1">
-              <a:lnSpc>
-                <a:spcPct val="100000"/>
-              </a:lnSpc>
-              <a:spcBef>
-                <a:spcPts val="0"/>
-              </a:spcBef>
-              <a:spcAft>
-                <a:spcPts val="0"/>
-              </a:spcAft>
-              <a:buClrTx/>
-              <a:buSzTx/>
-              <a:buFontTx/>
-              <a:buNone/>
-              <a:tabLst/>
-              <a:defRPr/>
-            </a:pPr>
-            <a:endParaRPr lang="en-US" sz="1200" kern="1200" dirty="0" smtClean="0">
-              <a:solidFill>
-                <a:schemeClr val="tx1"/>
-              </a:solidFill>
-              <a:effectLst/>
-              <a:latin typeface="+mn-lt"/>
-              <a:ea typeface="+mn-ea"/>
-              <a:cs typeface="+mn-cs"/>
-            </a:endParaRPr>
-          </a:p>
-          <a:p>
             <a:endParaRPr lang="en-US" dirty="0"/>
           </a:p>
         </p:txBody>
@@ -1620,6 +862,7 @@
           <a:p>
             <a:fld id="{9D0C342A-238D-4C9E-B8B8-6E37ECB0F0FB}" type="slidenum">
               <a:rPr lang="en-US" smtClean="0"/>
+              <a:pPr/>
               <a:t>10</a:t>
             </a:fld>
             <a:endParaRPr lang="en-US"/>
@@ -1629,7 +872,7 @@
     </p:spTree>
     <p:extLst>
       <p:ext uri="{BB962C8B-B14F-4D97-AF65-F5344CB8AC3E}">
-        <p14:creationId xmlns:p14="http://schemas.microsoft.com/office/powerpoint/2010/main" val="3465482115"/>
+        <p14:creationId xmlns="" xmlns:p14="http://schemas.microsoft.com/office/powerpoint/2010/main" val="3465482115"/>
       </p:ext>
     </p:extLst>
   </p:cSld>
@@ -2728,6 +1971,7 @@
           <a:p>
             <a:fld id="{9D0C342A-238D-4C9E-B8B8-6E37ECB0F0FB}" type="slidenum">
               <a:rPr lang="en-US" smtClean="0"/>
+              <a:pPr/>
               <a:t>11</a:t>
             </a:fld>
             <a:endParaRPr lang="en-US"/>
@@ -2737,7 +1981,7 @@
     </p:spTree>
     <p:extLst>
       <p:ext uri="{BB962C8B-B14F-4D97-AF65-F5344CB8AC3E}">
-        <p14:creationId xmlns:p14="http://schemas.microsoft.com/office/powerpoint/2010/main" val="3465482115"/>
+        <p14:creationId xmlns="" xmlns:p14="http://schemas.microsoft.com/office/powerpoint/2010/main" val="3465482115"/>
       </p:ext>
     </p:extLst>
   </p:cSld>
@@ -2812,6 +2056,7 @@
           <a:p>
             <a:fld id="{9D0C342A-238D-4C9E-B8B8-6E37ECB0F0FB}" type="slidenum">
               <a:rPr lang="en-US" smtClean="0"/>
+              <a:pPr/>
               <a:t>12</a:t>
             </a:fld>
             <a:endParaRPr lang="en-US"/>
@@ -2821,7 +2066,7 @@
     </p:spTree>
     <p:extLst>
       <p:ext uri="{BB962C8B-B14F-4D97-AF65-F5344CB8AC3E}">
-        <p14:creationId xmlns:p14="http://schemas.microsoft.com/office/powerpoint/2010/main" val="3465482115"/>
+        <p14:creationId xmlns="" xmlns:p14="http://schemas.microsoft.com/office/powerpoint/2010/main" val="3465482115"/>
       </p:ext>
     </p:extLst>
   </p:cSld>
@@ -2896,6 +2141,7 @@
           <a:p>
             <a:fld id="{9D0C342A-238D-4C9E-B8B8-6E37ECB0F0FB}" type="slidenum">
               <a:rPr lang="en-US" smtClean="0"/>
+              <a:pPr/>
               <a:t>19</a:t>
             </a:fld>
             <a:endParaRPr lang="en-US"/>
@@ -2905,7 +2151,7 @@
     </p:spTree>
     <p:extLst>
       <p:ext uri="{BB962C8B-B14F-4D97-AF65-F5344CB8AC3E}">
-        <p14:creationId xmlns:p14="http://schemas.microsoft.com/office/powerpoint/2010/main" val="509018084"/>
+        <p14:creationId xmlns="" xmlns:p14="http://schemas.microsoft.com/office/powerpoint/2010/main" val="509018084"/>
       </p:ext>
     </p:extLst>
   </p:cSld>
@@ -3096,6 +2342,7 @@
           <a:p>
             <a:fld id="{3A5679C8-949D-4657-86BE-0B330BB70591}" type="datetime1">
               <a:rPr lang="en-US" smtClean="0"/>
+              <a:pPr/>
               <a:t>12/20/2010</a:t>
             </a:fld>
             <a:endParaRPr lang="en-US"/>
@@ -3138,6 +2385,7 @@
           <a:p>
             <a:fld id="{8CFF1A1A-5B53-436D-9EFB-6B8EE7A50023}" type="slidenum">
               <a:rPr lang="en-US" smtClean="0"/>
+              <a:pPr/>
               <a:t>‹#›</a:t>
             </a:fld>
             <a:endParaRPr lang="en-US"/>
@@ -3261,6 +2509,7 @@
           <a:p>
             <a:fld id="{62655D70-C57C-44C3-937E-89E520BE6789}" type="datetime1">
               <a:rPr lang="en-US" smtClean="0"/>
+              <a:pPr/>
               <a:t>12/20/2010</a:t>
             </a:fld>
             <a:endParaRPr lang="en-US"/>
@@ -3303,6 +2552,7 @@
           <a:p>
             <a:fld id="{8CFF1A1A-5B53-436D-9EFB-6B8EE7A50023}" type="slidenum">
               <a:rPr lang="en-US" smtClean="0"/>
+              <a:pPr/>
               <a:t>‹#›</a:t>
             </a:fld>
             <a:endParaRPr lang="en-US"/>
@@ -3436,6 +2686,7 @@
           <a:p>
             <a:fld id="{1E177B46-F546-4AA1-A130-860EA28E9936}" type="datetime1">
               <a:rPr lang="en-US" smtClean="0"/>
+              <a:pPr/>
               <a:t>12/20/2010</a:t>
             </a:fld>
             <a:endParaRPr lang="en-US"/>
@@ -3478,6 +2729,7 @@
           <a:p>
             <a:fld id="{8CFF1A1A-5B53-436D-9EFB-6B8EE7A50023}" type="slidenum">
               <a:rPr lang="en-US" smtClean="0"/>
+              <a:pPr/>
               <a:t>‹#›</a:t>
             </a:fld>
             <a:endParaRPr lang="en-US"/>
@@ -3601,6 +2853,7 @@
           <a:p>
             <a:fld id="{E5C24BDB-84D1-4ED8-8B84-6B6DABF96D54}" type="datetime1">
               <a:rPr lang="en-US" smtClean="0"/>
+              <a:pPr/>
               <a:t>12/20/2010</a:t>
             </a:fld>
             <a:endParaRPr lang="en-US"/>
@@ -3643,6 +2896,7 @@
           <a:p>
             <a:fld id="{8CFF1A1A-5B53-436D-9EFB-6B8EE7A50023}" type="slidenum">
               <a:rPr lang="en-US" smtClean="0"/>
+              <a:pPr/>
               <a:t>‹#›</a:t>
             </a:fld>
             <a:endParaRPr lang="en-US"/>
@@ -3842,6 +3096,7 @@
           <a:p>
             <a:fld id="{074E2D57-E3D5-4A1E-A86C-3522052E8FC3}" type="datetime1">
               <a:rPr lang="en-US" smtClean="0"/>
+              <a:pPr/>
               <a:t>12/20/2010</a:t>
             </a:fld>
             <a:endParaRPr lang="en-US"/>
@@ -3884,6 +3139,7 @@
           <a:p>
             <a:fld id="{8CFF1A1A-5B53-436D-9EFB-6B8EE7A50023}" type="slidenum">
               <a:rPr lang="en-US" smtClean="0"/>
+              <a:pPr/>
               <a:t>‹#›</a:t>
             </a:fld>
             <a:endParaRPr lang="en-US"/>
@@ -4125,6 +3381,7 @@
           <a:p>
             <a:fld id="{F29F8DED-00F6-40AD-A315-E15FAA45C1C6}" type="datetime1">
               <a:rPr lang="en-US" smtClean="0"/>
+              <a:pPr/>
               <a:t>12/20/2010</a:t>
             </a:fld>
             <a:endParaRPr lang="en-US"/>
@@ -4167,6 +3424,7 @@
           <a:p>
             <a:fld id="{8CFF1A1A-5B53-436D-9EFB-6B8EE7A50023}" type="slidenum">
               <a:rPr lang="en-US" smtClean="0"/>
+              <a:pPr/>
               <a:t>‹#›</a:t>
             </a:fld>
             <a:endParaRPr lang="en-US"/>
@@ -4542,6 +3800,7 @@
           <a:p>
             <a:fld id="{C95572DE-1B2D-4839-AE93-3D92446A0E59}" type="datetime1">
               <a:rPr lang="en-US" smtClean="0"/>
+              <a:pPr/>
               <a:t>12/20/2010</a:t>
             </a:fld>
             <a:endParaRPr lang="en-US"/>
@@ -4584,6 +3843,7 @@
           <a:p>
             <a:fld id="{8CFF1A1A-5B53-436D-9EFB-6B8EE7A50023}" type="slidenum">
               <a:rPr lang="en-US" smtClean="0"/>
+              <a:pPr/>
               <a:t>‹#›</a:t>
             </a:fld>
             <a:endParaRPr lang="en-US"/>
@@ -4655,6 +3915,7 @@
           <a:p>
             <a:fld id="{71F41DA3-5051-4FC6-9B1D-661D519523F2}" type="datetime1">
               <a:rPr lang="en-US" smtClean="0"/>
+              <a:pPr/>
               <a:t>12/20/2010</a:t>
             </a:fld>
             <a:endParaRPr lang="en-US"/>
@@ -4697,6 +3958,7 @@
           <a:p>
             <a:fld id="{8CFF1A1A-5B53-436D-9EFB-6B8EE7A50023}" type="slidenum">
               <a:rPr lang="en-US" smtClean="0"/>
+              <a:pPr/>
               <a:t>‹#›</a:t>
             </a:fld>
             <a:endParaRPr lang="en-US"/>
@@ -4745,6 +4007,7 @@
           <a:p>
             <a:fld id="{2CF082C9-A432-45EB-8439-EC9CD37CD1E9}" type="datetime1">
               <a:rPr lang="en-US" smtClean="0"/>
+              <a:pPr/>
               <a:t>12/20/2010</a:t>
             </a:fld>
             <a:endParaRPr lang="en-US"/>
@@ -4787,6 +4050,7 @@
           <a:p>
             <a:fld id="{8CFF1A1A-5B53-436D-9EFB-6B8EE7A50023}" type="slidenum">
               <a:rPr lang="en-US" smtClean="0"/>
+              <a:pPr/>
               <a:t>‹#›</a:t>
             </a:fld>
             <a:endParaRPr lang="en-US"/>
@@ -5017,6 +4281,7 @@
           <a:p>
             <a:fld id="{0038BC28-6F2B-4FF5-B0B5-362575B9B05C}" type="datetime1">
               <a:rPr lang="en-US" smtClean="0"/>
+              <a:pPr/>
               <a:t>12/20/2010</a:t>
             </a:fld>
             <a:endParaRPr lang="en-US"/>
@@ -5059,6 +4324,7 @@
           <a:p>
             <a:fld id="{8CFF1A1A-5B53-436D-9EFB-6B8EE7A50023}" type="slidenum">
               <a:rPr lang="en-US" smtClean="0"/>
+              <a:pPr/>
               <a:t>‹#›</a:t>
             </a:fld>
             <a:endParaRPr lang="en-US"/>
@@ -5269,6 +4535,7 @@
           <a:p>
             <a:fld id="{9BAF0870-963D-44EE-A1B6-D3357B909CB2}" type="datetime1">
               <a:rPr lang="en-US" smtClean="0"/>
+              <a:pPr/>
               <a:t>12/20/2010</a:t>
             </a:fld>
             <a:endParaRPr lang="en-US"/>
@@ -5311,6 +4578,7 @@
           <a:p>
             <a:fld id="{8CFF1A1A-5B53-436D-9EFB-6B8EE7A50023}" type="slidenum">
               <a:rPr lang="en-US" smtClean="0"/>
+              <a:pPr/>
               <a:t>‹#›</a:t>
             </a:fld>
             <a:endParaRPr lang="en-US"/>
@@ -5486,6 +4754,7 @@
           <a:p>
             <a:fld id="{59C8A1C7-C1BF-442C-92E5-D8B26ACFFEF6}" type="datetime1">
               <a:rPr lang="en-US" smtClean="0"/>
+              <a:pPr/>
               <a:t>12/20/2010</a:t>
             </a:fld>
             <a:endParaRPr lang="en-US"/>
@@ -5564,6 +4833,7 @@
           <a:p>
             <a:fld id="{8CFF1A1A-5B53-436D-9EFB-6B8EE7A50023}" type="slidenum">
               <a:rPr lang="en-US" smtClean="0"/>
+              <a:pPr/>
               <a:t>‹#›</a:t>
             </a:fld>
             <a:endParaRPr lang="en-US"/>
@@ -8206,6 +7476,7 @@
           <a:p>
             <a:fld id="{8CFF1A1A-5B53-436D-9EFB-6B8EE7A50023}" type="slidenum">
               <a:rPr lang="en-US" smtClean="0"/>
+              <a:pPr/>
               <a:t>1</a:t>
             </a:fld>
             <a:endParaRPr lang="en-US" dirty="0"/>
@@ -8562,6 +7833,7 @@
           <a:p>
             <a:fld id="{8CFF1A1A-5B53-436D-9EFB-6B8EE7A50023}" type="slidenum">
               <a:rPr lang="en-US" smtClean="0"/>
+              <a:pPr/>
               <a:t>10</a:t>
             </a:fld>
             <a:endParaRPr lang="en-US"/>
@@ -8752,623 +8024,717 @@
           </a:p>
         </p:txBody>
       </p:sp>
+      <p:pic>
+        <p:nvPicPr>
+          <p:cNvPr id="7" name="Picture 3"/>
+          <p:cNvPicPr>
+            <a:picLocks noChangeAspect="1" noChangeArrowheads="1"/>
+          </p:cNvPicPr>
+          <p:nvPr/>
+        </p:nvPicPr>
+        <p:blipFill>
+          <a:blip r:embed="rId3">
+            <a:extLst>
+              <a:ext uri="{28A0092B-C50C-407E-A947-70E740481C1C}">
+                <a14:useLocalDpi xmlns="" xmlns:a14="http://schemas.microsoft.com/office/drawing/2010/main" val="0"/>
+              </a:ext>
+            </a:extLst>
+          </a:blip>
+          <a:stretch>
+            <a:fillRect/>
+          </a:stretch>
+        </p:blipFill>
+        <p:spPr bwMode="auto">
+          <a:xfrm>
+            <a:off x="2971800" y="2822652"/>
+            <a:ext cx="3429000" cy="2282748"/>
+          </a:xfrm>
+          <a:prstGeom prst="rect">
+            <a:avLst/>
+          </a:prstGeom>
+          <a:noFill/>
+          <a:ln>
+            <a:noFill/>
+          </a:ln>
+          <a:effectLst/>
+          <a:extLst>
+            <a:ext uri="{909E8E84-426E-40DD-AFC4-6F175D3DCCD1}">
+              <a14:hiddenFill xmlns="" xmlns:a14="http://schemas.microsoft.com/office/drawing/2010/main">
+                <a:solidFill>
+                  <a:schemeClr val="accent1"/>
+                </a:solidFill>
+              </a14:hiddenFill>
+            </a:ext>
+            <a:ext uri="{91240B29-F687-4F45-9708-019B960494DF}">
+              <a14:hiddenLine xmlns="" xmlns:a14="http://schemas.microsoft.com/office/drawing/2010/main" w="9525">
+                <a:solidFill>
+                  <a:schemeClr val="tx1"/>
+                </a:solidFill>
+                <a:miter lim="800000"/>
+                <a:headEnd/>
+                <a:tailEnd/>
+              </a14:hiddenLine>
+            </a:ext>
+            <a:ext uri="{AF507438-7753-43E0-B8FC-AC1667EBCBE1}">
+              <a14:hiddenEffects xmlns="" xmlns:a14="http://schemas.microsoft.com/office/drawing/2010/main">
+                <a:effectLst>
+                  <a:outerShdw dist="35921" dir="2700000" algn="ctr" rotWithShape="0">
+                    <a:schemeClr val="bg2"/>
+                  </a:outerShdw>
+                </a:effectLst>
+              </a14:hiddenEffects>
+            </a:ext>
+          </a:extLst>
+        </p:spPr>
+      </p:pic>
       <p:sp>
         <p:nvSpPr>
-          <p:cNvPr id="10" name="Subtitle 2"/>
-          <p:cNvSpPr>
-            <a:spLocks noGrp="1"/>
-          </p:cNvSpPr>
-          <p:nvPr>
-            <p:ph type="subTitle" idx="1"/>
-          </p:nvPr>
+          <p:cNvPr id="3" name="Oval Callout 2"/>
+          <p:cNvSpPr/>
+          <p:nvPr/>
         </p:nvSpPr>
         <p:spPr>
           <a:xfrm>
-            <a:off x="1143000" y="1905000"/>
-            <a:ext cx="7543800" cy="4724400"/>
+            <a:off x="5334000" y="1524000"/>
+            <a:ext cx="3124200" cy="1143000"/>
           </a:xfrm>
+          <a:prstGeom prst="wedgeEllipseCallout">
+            <a:avLst>
+              <a:gd name="adj1" fmla="val -55736"/>
+              <a:gd name="adj2" fmla="val 71623"/>
+            </a:avLst>
+          </a:prstGeom>
         </p:spPr>
+        <p:style>
+          <a:lnRef idx="0">
+            <a:schemeClr val="accent6"/>
+          </a:lnRef>
+          <a:fillRef idx="3">
+            <a:schemeClr val="accent6"/>
+          </a:fillRef>
+          <a:effectRef idx="3">
+            <a:schemeClr val="accent6"/>
+          </a:effectRef>
+          <a:fontRef idx="minor">
+            <a:schemeClr val="lt1"/>
+          </a:fontRef>
+        </p:style>
         <p:txBody>
-          <a:bodyPr/>
+          <a:bodyPr rtlCol="0" anchor="ctr"/>
           <a:lstStyle/>
           <a:p>
-            <a:pPr algn="l">
-              <a:buBlip>
-                <a:blip r:embed="rId3"/>
-              </a:buBlip>
-            </a:pPr>
-            <a:r>
-              <a:rPr lang="en-US" dirty="0" smtClean="0">
-                <a:solidFill>
-                  <a:schemeClr val="accent3">
-                    <a:lumMod val="50000"/>
-                  </a:schemeClr>
-                </a:solidFill>
-                <a:latin typeface="Times New Roman" pitchFamily="18" charset="0"/>
-                <a:cs typeface="Times New Roman" pitchFamily="18" charset="0"/>
-              </a:rPr>
-              <a:t> </a:t>
-            </a:r>
-            <a:r>
-              <a:rPr lang="en-US" dirty="0" err="1" smtClean="0">
-                <a:solidFill>
-                  <a:schemeClr val="accent3">
-                    <a:lumMod val="50000"/>
-                  </a:schemeClr>
-                </a:solidFill>
-                <a:latin typeface="Times New Roman" pitchFamily="18" charset="0"/>
-                <a:cs typeface="Times New Roman" pitchFamily="18" charset="0"/>
-              </a:rPr>
-              <a:t>Mạng</a:t>
-            </a:r>
-            <a:r>
-              <a:rPr lang="en-US" dirty="0" smtClean="0">
-                <a:solidFill>
-                  <a:schemeClr val="accent3">
-                    <a:lumMod val="50000"/>
-                  </a:schemeClr>
-                </a:solidFill>
-                <a:latin typeface="Times New Roman" pitchFamily="18" charset="0"/>
-                <a:cs typeface="Times New Roman" pitchFamily="18" charset="0"/>
-              </a:rPr>
-              <a:t> </a:t>
-            </a:r>
-            <a:r>
-              <a:rPr lang="en-US" dirty="0" err="1" smtClean="0">
-                <a:solidFill>
-                  <a:schemeClr val="accent3">
-                    <a:lumMod val="50000"/>
-                  </a:schemeClr>
-                </a:solidFill>
-                <a:latin typeface="Times New Roman" pitchFamily="18" charset="0"/>
-                <a:cs typeface="Times New Roman" pitchFamily="18" charset="0"/>
-              </a:rPr>
-              <a:t>xã</a:t>
-            </a:r>
-            <a:r>
-              <a:rPr lang="en-US" dirty="0" smtClean="0">
-                <a:solidFill>
-                  <a:schemeClr val="accent3">
-                    <a:lumMod val="50000"/>
-                  </a:schemeClr>
-                </a:solidFill>
-                <a:latin typeface="Times New Roman" pitchFamily="18" charset="0"/>
-                <a:cs typeface="Times New Roman" pitchFamily="18" charset="0"/>
-              </a:rPr>
-              <a:t> </a:t>
-            </a:r>
-            <a:r>
-              <a:rPr lang="en-US" dirty="0" err="1" smtClean="0">
-                <a:solidFill>
-                  <a:schemeClr val="accent3">
-                    <a:lumMod val="50000"/>
-                  </a:schemeClr>
-                </a:solidFill>
-                <a:latin typeface="Times New Roman" pitchFamily="18" charset="0"/>
-                <a:cs typeface="Times New Roman" pitchFamily="18" charset="0"/>
-              </a:rPr>
-              <a:t>hội</a:t>
-            </a:r>
-            <a:r>
-              <a:rPr lang="en-US" dirty="0">
-                <a:solidFill>
-                  <a:schemeClr val="accent3">
-                    <a:lumMod val="50000"/>
-                  </a:schemeClr>
-                </a:solidFill>
-                <a:latin typeface="Times New Roman" pitchFamily="18" charset="0"/>
-                <a:cs typeface="Times New Roman" pitchFamily="18" charset="0"/>
-              </a:rPr>
-              <a:t> </a:t>
-            </a:r>
-            <a:r>
-              <a:rPr lang="en-US" dirty="0" err="1" smtClean="0">
-                <a:solidFill>
-                  <a:schemeClr val="accent3">
-                    <a:lumMod val="50000"/>
-                  </a:schemeClr>
-                </a:solidFill>
-                <a:latin typeface="Times New Roman" pitchFamily="18" charset="0"/>
-                <a:cs typeface="Times New Roman" pitchFamily="18" charset="0"/>
-              </a:rPr>
-              <a:t>là</a:t>
-            </a:r>
-            <a:r>
-              <a:rPr lang="en-US" dirty="0" smtClean="0">
-                <a:solidFill>
-                  <a:schemeClr val="accent3">
-                    <a:lumMod val="50000"/>
-                  </a:schemeClr>
-                </a:solidFill>
-                <a:latin typeface="Times New Roman" pitchFamily="18" charset="0"/>
-                <a:cs typeface="Times New Roman" pitchFamily="18" charset="0"/>
-              </a:rPr>
-              <a:t> </a:t>
-            </a:r>
-            <a:r>
-              <a:rPr lang="en-US" dirty="0" err="1" smtClean="0">
-                <a:solidFill>
-                  <a:schemeClr val="accent3">
-                    <a:lumMod val="50000"/>
-                  </a:schemeClr>
-                </a:solidFill>
-                <a:latin typeface="Times New Roman" pitchFamily="18" charset="0"/>
-                <a:cs typeface="Times New Roman" pitchFamily="18" charset="0"/>
-              </a:rPr>
-              <a:t>gì</a:t>
-            </a:r>
-            <a:r>
-              <a:rPr lang="en-US" dirty="0" smtClean="0">
-                <a:solidFill>
-                  <a:schemeClr val="accent3">
-                    <a:lumMod val="50000"/>
-                  </a:schemeClr>
-                </a:solidFill>
-                <a:latin typeface="Times New Roman" pitchFamily="18" charset="0"/>
-                <a:cs typeface="Times New Roman" pitchFamily="18" charset="0"/>
-              </a:rPr>
-              <a:t>?</a:t>
-            </a:r>
-            <a:endParaRPr lang="en-US" dirty="0" smtClean="0">
-              <a:solidFill>
-                <a:schemeClr val="accent3">
-                  <a:lumMod val="50000"/>
-                </a:schemeClr>
-              </a:solidFill>
-              <a:latin typeface="Times New Roman" pitchFamily="18" charset="0"/>
-              <a:cs typeface="Times New Roman" pitchFamily="18" charset="0"/>
-            </a:endParaRPr>
+            <a:pPr algn="ctr"/>
+            <a:r>
+              <a:rPr lang="en-US" sz="3200" b="1" smtClean="0"/>
+              <a:t>KHÁI NIỆM</a:t>
+            </a:r>
+            <a:endParaRPr lang="en-US" sz="3200" b="1"/>
           </a:p>
+        </p:txBody>
+      </p:sp>
+      <p:sp>
+        <p:nvSpPr>
+          <p:cNvPr id="8" name="Oval Callout 7"/>
+          <p:cNvSpPr/>
+          <p:nvPr/>
+        </p:nvSpPr>
+        <p:spPr>
+          <a:xfrm>
+            <a:off x="6019800" y="4419600"/>
+            <a:ext cx="3124200" cy="1066800"/>
+          </a:xfrm>
+          <a:prstGeom prst="wedgeEllipseCallout">
+            <a:avLst>
+              <a:gd name="adj1" fmla="val -78965"/>
+              <a:gd name="adj2" fmla="val -30240"/>
+            </a:avLst>
+          </a:prstGeom>
+        </p:spPr>
+        <p:style>
+          <a:lnRef idx="0">
+            <a:schemeClr val="accent2"/>
+          </a:lnRef>
+          <a:fillRef idx="3">
+            <a:schemeClr val="accent2"/>
+          </a:fillRef>
+          <a:effectRef idx="3">
+            <a:schemeClr val="accent2"/>
+          </a:effectRef>
+          <a:fontRef idx="minor">
+            <a:schemeClr val="lt1"/>
+          </a:fontRef>
+        </p:style>
+        <p:txBody>
+          <a:bodyPr rtlCol="0" anchor="ctr"/>
+          <a:lstStyle/>
           <a:p>
-            <a:pPr algn="l">
-              <a:buBlip>
-                <a:blip r:embed="rId3"/>
-              </a:buBlip>
-            </a:pPr>
-            <a:r>
-              <a:rPr lang="en-US" dirty="0" smtClean="0">
-                <a:solidFill>
-                  <a:schemeClr val="accent3">
-                    <a:lumMod val="50000"/>
-                  </a:schemeClr>
-                </a:solidFill>
-                <a:latin typeface="Times New Roman" pitchFamily="18" charset="0"/>
-                <a:cs typeface="Times New Roman" pitchFamily="18" charset="0"/>
-              </a:rPr>
-              <a:t> </a:t>
-            </a:r>
-            <a:r>
-              <a:rPr lang="en-US" dirty="0" err="1" smtClean="0">
-                <a:solidFill>
-                  <a:schemeClr val="accent3">
-                    <a:lumMod val="50000"/>
-                  </a:schemeClr>
-                </a:solidFill>
-                <a:latin typeface="Times New Roman" pitchFamily="18" charset="0"/>
-                <a:cs typeface="Times New Roman" pitchFamily="18" charset="0"/>
-              </a:rPr>
-              <a:t>Tính</a:t>
-            </a:r>
-            <a:r>
-              <a:rPr lang="en-US" dirty="0" smtClean="0">
-                <a:solidFill>
-                  <a:schemeClr val="accent3">
-                    <a:lumMod val="50000"/>
-                  </a:schemeClr>
-                </a:solidFill>
-                <a:latin typeface="Times New Roman" pitchFamily="18" charset="0"/>
-                <a:cs typeface="Times New Roman" pitchFamily="18" charset="0"/>
-              </a:rPr>
-              <a:t> </a:t>
-            </a:r>
-            <a:r>
-              <a:rPr lang="en-US" dirty="0" err="1" smtClean="0">
-                <a:solidFill>
-                  <a:schemeClr val="accent3">
-                    <a:lumMod val="50000"/>
-                  </a:schemeClr>
-                </a:solidFill>
-                <a:latin typeface="Times New Roman" pitchFamily="18" charset="0"/>
-                <a:cs typeface="Times New Roman" pitchFamily="18" charset="0"/>
-              </a:rPr>
-              <a:t>năng</a:t>
-            </a:r>
-            <a:r>
-              <a:rPr lang="en-US" dirty="0" smtClean="0">
-                <a:solidFill>
-                  <a:schemeClr val="accent3">
-                    <a:lumMod val="50000"/>
-                  </a:schemeClr>
-                </a:solidFill>
-                <a:latin typeface="Times New Roman" pitchFamily="18" charset="0"/>
-                <a:cs typeface="Times New Roman" pitchFamily="18" charset="0"/>
-              </a:rPr>
-              <a:t> </a:t>
-            </a:r>
-            <a:r>
-              <a:rPr lang="en-US" dirty="0" err="1" smtClean="0">
-                <a:solidFill>
-                  <a:schemeClr val="accent3">
-                    <a:lumMod val="50000"/>
-                  </a:schemeClr>
-                </a:solidFill>
-                <a:latin typeface="Times New Roman" pitchFamily="18" charset="0"/>
-                <a:cs typeface="Times New Roman" pitchFamily="18" charset="0"/>
-              </a:rPr>
-              <a:t>của</a:t>
-            </a:r>
-            <a:r>
-              <a:rPr lang="en-US" dirty="0" smtClean="0">
-                <a:solidFill>
-                  <a:schemeClr val="accent3">
-                    <a:lumMod val="50000"/>
-                  </a:schemeClr>
-                </a:solidFill>
-                <a:latin typeface="Times New Roman" pitchFamily="18" charset="0"/>
-                <a:cs typeface="Times New Roman" pitchFamily="18" charset="0"/>
-              </a:rPr>
-              <a:t> </a:t>
-            </a:r>
-            <a:r>
-              <a:rPr lang="en-US" dirty="0" err="1" smtClean="0">
-                <a:solidFill>
-                  <a:schemeClr val="accent3">
-                    <a:lumMod val="50000"/>
-                  </a:schemeClr>
-                </a:solidFill>
-                <a:latin typeface="Times New Roman" pitchFamily="18" charset="0"/>
-                <a:cs typeface="Times New Roman" pitchFamily="18" charset="0"/>
-              </a:rPr>
-              <a:t>mạng</a:t>
-            </a:r>
-            <a:r>
-              <a:rPr lang="en-US" dirty="0" smtClean="0">
-                <a:solidFill>
-                  <a:schemeClr val="accent3">
-                    <a:lumMod val="50000"/>
-                  </a:schemeClr>
-                </a:solidFill>
-                <a:latin typeface="Times New Roman" pitchFamily="18" charset="0"/>
-                <a:cs typeface="Times New Roman" pitchFamily="18" charset="0"/>
-              </a:rPr>
-              <a:t> </a:t>
-            </a:r>
-            <a:r>
-              <a:rPr lang="en-US" dirty="0" err="1" smtClean="0">
-                <a:solidFill>
-                  <a:schemeClr val="accent3">
-                    <a:lumMod val="50000"/>
-                  </a:schemeClr>
-                </a:solidFill>
-                <a:latin typeface="Times New Roman" pitchFamily="18" charset="0"/>
-                <a:cs typeface="Times New Roman" pitchFamily="18" charset="0"/>
-              </a:rPr>
-              <a:t>xã</a:t>
-            </a:r>
-            <a:r>
-              <a:rPr lang="en-US" dirty="0" smtClean="0">
-                <a:solidFill>
-                  <a:schemeClr val="accent3">
-                    <a:lumMod val="50000"/>
-                  </a:schemeClr>
-                </a:solidFill>
-                <a:latin typeface="Times New Roman" pitchFamily="18" charset="0"/>
-                <a:cs typeface="Times New Roman" pitchFamily="18" charset="0"/>
-              </a:rPr>
-              <a:t> </a:t>
-            </a:r>
-            <a:r>
-              <a:rPr lang="en-US" dirty="0" err="1" smtClean="0">
-                <a:solidFill>
-                  <a:schemeClr val="accent3">
-                    <a:lumMod val="50000"/>
-                  </a:schemeClr>
-                </a:solidFill>
-                <a:latin typeface="Times New Roman" pitchFamily="18" charset="0"/>
-                <a:cs typeface="Times New Roman" pitchFamily="18" charset="0"/>
-              </a:rPr>
-              <a:t>hội</a:t>
-            </a:r>
-            <a:endParaRPr lang="en-US" dirty="0" smtClean="0">
-              <a:solidFill>
-                <a:schemeClr val="accent3">
-                  <a:lumMod val="50000"/>
-                </a:schemeClr>
-              </a:solidFill>
-              <a:latin typeface="Times New Roman" pitchFamily="18" charset="0"/>
-              <a:cs typeface="Times New Roman" pitchFamily="18" charset="0"/>
-            </a:endParaRPr>
+            <a:pPr algn="ctr"/>
+            <a:r>
+              <a:rPr lang="en-US" sz="3200" b="1" smtClean="0"/>
+              <a:t>TÍNH NĂNG</a:t>
+            </a:r>
+            <a:endParaRPr lang="en-US" sz="3200" b="1"/>
           </a:p>
+        </p:txBody>
+      </p:sp>
+      <p:sp>
+        <p:nvSpPr>
+          <p:cNvPr id="10" name="Oval Callout 9"/>
+          <p:cNvSpPr/>
+          <p:nvPr/>
+        </p:nvSpPr>
+        <p:spPr>
+          <a:xfrm>
+            <a:off x="609600" y="4572000"/>
+            <a:ext cx="3124200" cy="1219200"/>
+          </a:xfrm>
+          <a:prstGeom prst="wedgeEllipseCallout">
+            <a:avLst>
+              <a:gd name="adj1" fmla="val 73881"/>
+              <a:gd name="adj2" fmla="val -50944"/>
+            </a:avLst>
+          </a:prstGeom>
+        </p:spPr>
+        <p:style>
+          <a:lnRef idx="0">
+            <a:schemeClr val="accent3"/>
+          </a:lnRef>
+          <a:fillRef idx="3">
+            <a:schemeClr val="accent3"/>
+          </a:fillRef>
+          <a:effectRef idx="3">
+            <a:schemeClr val="accent3"/>
+          </a:effectRef>
+          <a:fontRef idx="minor">
+            <a:schemeClr val="lt1"/>
+          </a:fontRef>
+        </p:style>
+        <p:txBody>
+          <a:bodyPr rtlCol="0" anchor="ctr"/>
+          <a:lstStyle/>
           <a:p>
-            <a:pPr algn="l">
-              <a:buBlip>
-                <a:blip r:embed="rId3"/>
-              </a:buBlip>
-            </a:pPr>
-            <a:r>
-              <a:rPr lang="en-US" dirty="0" smtClean="0">
-                <a:solidFill>
-                  <a:schemeClr val="accent3">
-                    <a:lumMod val="50000"/>
-                  </a:schemeClr>
-                </a:solidFill>
-                <a:latin typeface="Times New Roman" pitchFamily="18" charset="0"/>
-                <a:cs typeface="Times New Roman" pitchFamily="18" charset="0"/>
-              </a:rPr>
-              <a:t> </a:t>
-            </a:r>
-            <a:r>
-              <a:rPr lang="en-US" dirty="0" err="1" smtClean="0">
-                <a:solidFill>
-                  <a:schemeClr val="accent3">
-                    <a:lumMod val="50000"/>
-                  </a:schemeClr>
-                </a:solidFill>
-                <a:latin typeface="Times New Roman" pitchFamily="18" charset="0"/>
-                <a:cs typeface="Times New Roman" pitchFamily="18" charset="0"/>
-              </a:rPr>
-              <a:t>Lịch</a:t>
-            </a:r>
-            <a:r>
-              <a:rPr lang="en-US" dirty="0" smtClean="0">
-                <a:solidFill>
-                  <a:schemeClr val="accent3">
-                    <a:lumMod val="50000"/>
-                  </a:schemeClr>
-                </a:solidFill>
-                <a:latin typeface="Times New Roman" pitchFamily="18" charset="0"/>
-                <a:cs typeface="Times New Roman" pitchFamily="18" charset="0"/>
-              </a:rPr>
-              <a:t> </a:t>
-            </a:r>
-            <a:r>
-              <a:rPr lang="en-US" dirty="0" err="1" smtClean="0">
-                <a:solidFill>
-                  <a:schemeClr val="accent3">
-                    <a:lumMod val="50000"/>
-                  </a:schemeClr>
-                </a:solidFill>
-                <a:latin typeface="Times New Roman" pitchFamily="18" charset="0"/>
-                <a:cs typeface="Times New Roman" pitchFamily="18" charset="0"/>
-              </a:rPr>
-              <a:t>sử</a:t>
-            </a:r>
-            <a:r>
-              <a:rPr lang="en-US" dirty="0" smtClean="0">
-                <a:solidFill>
-                  <a:schemeClr val="accent3">
-                    <a:lumMod val="50000"/>
-                  </a:schemeClr>
-                </a:solidFill>
-                <a:latin typeface="Times New Roman" pitchFamily="18" charset="0"/>
-                <a:cs typeface="Times New Roman" pitchFamily="18" charset="0"/>
-              </a:rPr>
-              <a:t> </a:t>
-            </a:r>
-            <a:r>
-              <a:rPr lang="en-US" dirty="0" err="1" smtClean="0">
-                <a:solidFill>
-                  <a:schemeClr val="accent3">
-                    <a:lumMod val="50000"/>
-                  </a:schemeClr>
-                </a:solidFill>
-                <a:latin typeface="Times New Roman" pitchFamily="18" charset="0"/>
-                <a:cs typeface="Times New Roman" pitchFamily="18" charset="0"/>
-              </a:rPr>
-              <a:t>mạng</a:t>
-            </a:r>
-            <a:r>
-              <a:rPr lang="en-US" dirty="0" smtClean="0">
-                <a:solidFill>
-                  <a:schemeClr val="accent3">
-                    <a:lumMod val="50000"/>
-                  </a:schemeClr>
-                </a:solidFill>
-                <a:latin typeface="Times New Roman" pitchFamily="18" charset="0"/>
-                <a:cs typeface="Times New Roman" pitchFamily="18" charset="0"/>
-              </a:rPr>
-              <a:t> </a:t>
-            </a:r>
-            <a:r>
-              <a:rPr lang="en-US" dirty="0" err="1" smtClean="0">
-                <a:solidFill>
-                  <a:schemeClr val="accent3">
-                    <a:lumMod val="50000"/>
-                  </a:schemeClr>
-                </a:solidFill>
-                <a:latin typeface="Times New Roman" pitchFamily="18" charset="0"/>
-                <a:cs typeface="Times New Roman" pitchFamily="18" charset="0"/>
-              </a:rPr>
-              <a:t>xã</a:t>
-            </a:r>
-            <a:r>
-              <a:rPr lang="en-US" dirty="0" smtClean="0">
-                <a:solidFill>
-                  <a:schemeClr val="accent3">
-                    <a:lumMod val="50000"/>
-                  </a:schemeClr>
-                </a:solidFill>
-                <a:latin typeface="Times New Roman" pitchFamily="18" charset="0"/>
-                <a:cs typeface="Times New Roman" pitchFamily="18" charset="0"/>
-              </a:rPr>
-              <a:t> </a:t>
-            </a:r>
-            <a:r>
-              <a:rPr lang="en-US" dirty="0" err="1" smtClean="0">
-                <a:solidFill>
-                  <a:schemeClr val="accent3">
-                    <a:lumMod val="50000"/>
-                  </a:schemeClr>
-                </a:solidFill>
-                <a:latin typeface="Times New Roman" pitchFamily="18" charset="0"/>
-                <a:cs typeface="Times New Roman" pitchFamily="18" charset="0"/>
-              </a:rPr>
-              <a:t>hội</a:t>
-            </a:r>
-            <a:endParaRPr lang="en-US" dirty="0" smtClean="0">
-              <a:solidFill>
-                <a:schemeClr val="accent3">
-                  <a:lumMod val="50000"/>
-                </a:schemeClr>
-              </a:solidFill>
-              <a:latin typeface="Times New Roman" pitchFamily="18" charset="0"/>
-              <a:cs typeface="Times New Roman" pitchFamily="18" charset="0"/>
-            </a:endParaRPr>
+            <a:pPr algn="ctr"/>
+            <a:r>
+              <a:rPr lang="en-US" sz="3200" b="1" smtClean="0"/>
+              <a:t>LỊCH SỬ</a:t>
+            </a:r>
+            <a:endParaRPr lang="en-US" sz="3200" b="1"/>
           </a:p>
+        </p:txBody>
+      </p:sp>
+      <p:sp>
+        <p:nvSpPr>
+          <p:cNvPr id="11" name="Oval Callout 10"/>
+          <p:cNvSpPr/>
+          <p:nvPr/>
+        </p:nvSpPr>
+        <p:spPr>
+          <a:xfrm>
+            <a:off x="-228600" y="1524000"/>
+            <a:ext cx="3352800" cy="1447800"/>
+          </a:xfrm>
+          <a:prstGeom prst="wedgeEllipseCallout">
+            <a:avLst>
+              <a:gd name="adj1" fmla="val 82243"/>
+              <a:gd name="adj2" fmla="val 75764"/>
+            </a:avLst>
+          </a:prstGeom>
+        </p:spPr>
+        <p:style>
+          <a:lnRef idx="0">
+            <a:schemeClr val="accent1"/>
+          </a:lnRef>
+          <a:fillRef idx="3">
+            <a:schemeClr val="accent1"/>
+          </a:fillRef>
+          <a:effectRef idx="3">
+            <a:schemeClr val="accent1"/>
+          </a:effectRef>
+          <a:fontRef idx="minor">
+            <a:schemeClr val="lt1"/>
+          </a:fontRef>
+        </p:style>
+        <p:txBody>
+          <a:bodyPr rtlCol="0" anchor="ctr"/>
+          <a:lstStyle/>
           <a:p>
-            <a:pPr algn="l">
-              <a:buBlip>
-                <a:blip r:embed="rId3"/>
-              </a:buBlip>
-            </a:pPr>
-            <a:r>
-              <a:rPr lang="en-US" dirty="0" smtClean="0">
-                <a:solidFill>
-                  <a:schemeClr val="accent3">
-                    <a:lumMod val="50000"/>
-                  </a:schemeClr>
-                </a:solidFill>
-                <a:latin typeface="Times New Roman" pitchFamily="18" charset="0"/>
-                <a:cs typeface="Times New Roman" pitchFamily="18" charset="0"/>
-              </a:rPr>
-              <a:t> </a:t>
-            </a:r>
-            <a:r>
-              <a:rPr lang="en-US" dirty="0" err="1" smtClean="0">
-                <a:solidFill>
-                  <a:schemeClr val="accent3">
-                    <a:lumMod val="50000"/>
-                  </a:schemeClr>
-                </a:solidFill>
-                <a:latin typeface="Times New Roman" pitchFamily="18" charset="0"/>
-                <a:cs typeface="Times New Roman" pitchFamily="18" charset="0"/>
-              </a:rPr>
-              <a:t>Cấu</a:t>
-            </a:r>
-            <a:r>
-              <a:rPr lang="en-US" dirty="0" smtClean="0">
-                <a:solidFill>
-                  <a:schemeClr val="accent3">
-                    <a:lumMod val="50000"/>
-                  </a:schemeClr>
-                </a:solidFill>
-                <a:latin typeface="Times New Roman" pitchFamily="18" charset="0"/>
-                <a:cs typeface="Times New Roman" pitchFamily="18" charset="0"/>
-              </a:rPr>
-              <a:t> </a:t>
-            </a:r>
-            <a:r>
-              <a:rPr lang="en-US" dirty="0" err="1" smtClean="0">
-                <a:solidFill>
-                  <a:schemeClr val="accent3">
-                    <a:lumMod val="50000"/>
-                  </a:schemeClr>
-                </a:solidFill>
-                <a:latin typeface="Times New Roman" pitchFamily="18" charset="0"/>
-                <a:cs typeface="Times New Roman" pitchFamily="18" charset="0"/>
-              </a:rPr>
-              <a:t>thành</a:t>
-            </a:r>
-            <a:r>
-              <a:rPr lang="en-US" dirty="0" smtClean="0">
-                <a:solidFill>
-                  <a:schemeClr val="accent3">
-                    <a:lumMod val="50000"/>
-                  </a:schemeClr>
-                </a:solidFill>
-                <a:latin typeface="Times New Roman" pitchFamily="18" charset="0"/>
-                <a:cs typeface="Times New Roman" pitchFamily="18" charset="0"/>
-              </a:rPr>
-              <a:t> </a:t>
-            </a:r>
-            <a:r>
-              <a:rPr lang="en-US" dirty="0" err="1" smtClean="0">
-                <a:solidFill>
-                  <a:schemeClr val="accent3">
-                    <a:lumMod val="50000"/>
-                  </a:schemeClr>
-                </a:solidFill>
-                <a:latin typeface="Times New Roman" pitchFamily="18" charset="0"/>
-                <a:cs typeface="Times New Roman" pitchFamily="18" charset="0"/>
-              </a:rPr>
-              <a:t>mạng</a:t>
-            </a:r>
-            <a:r>
-              <a:rPr lang="en-US" dirty="0" smtClean="0">
-                <a:solidFill>
-                  <a:schemeClr val="accent3">
-                    <a:lumMod val="50000"/>
-                  </a:schemeClr>
-                </a:solidFill>
-                <a:latin typeface="Times New Roman" pitchFamily="18" charset="0"/>
-                <a:cs typeface="Times New Roman" pitchFamily="18" charset="0"/>
-              </a:rPr>
-              <a:t> </a:t>
-            </a:r>
-            <a:r>
-              <a:rPr lang="en-US" dirty="0" err="1" smtClean="0">
-                <a:solidFill>
-                  <a:schemeClr val="accent3">
-                    <a:lumMod val="50000"/>
-                  </a:schemeClr>
-                </a:solidFill>
-                <a:latin typeface="Times New Roman" pitchFamily="18" charset="0"/>
-                <a:cs typeface="Times New Roman" pitchFamily="18" charset="0"/>
-              </a:rPr>
-              <a:t>xã</a:t>
-            </a:r>
-            <a:r>
-              <a:rPr lang="en-US" dirty="0" smtClean="0">
-                <a:solidFill>
-                  <a:schemeClr val="accent3">
-                    <a:lumMod val="50000"/>
-                  </a:schemeClr>
-                </a:solidFill>
-                <a:latin typeface="Times New Roman" pitchFamily="18" charset="0"/>
-                <a:cs typeface="Times New Roman" pitchFamily="18" charset="0"/>
-              </a:rPr>
-              <a:t> </a:t>
-            </a:r>
-            <a:r>
-              <a:rPr lang="en-US" dirty="0" err="1" smtClean="0">
-                <a:solidFill>
-                  <a:schemeClr val="accent3">
-                    <a:lumMod val="50000"/>
-                  </a:schemeClr>
-                </a:solidFill>
-                <a:latin typeface="Times New Roman" pitchFamily="18" charset="0"/>
-                <a:cs typeface="Times New Roman" pitchFamily="18" charset="0"/>
-              </a:rPr>
-              <a:t>hội</a:t>
-            </a:r>
-            <a:endParaRPr lang="en-US" dirty="0">
-              <a:solidFill>
-                <a:schemeClr val="accent3">
-                  <a:lumMod val="50000"/>
-                </a:schemeClr>
-              </a:solidFill>
-              <a:latin typeface="Times New Roman" pitchFamily="18" charset="0"/>
-              <a:cs typeface="Times New Roman" pitchFamily="18" charset="0"/>
-            </a:endParaRPr>
+            <a:pPr algn="ctr"/>
+            <a:r>
+              <a:rPr lang="en-US" sz="3200" b="1" smtClean="0"/>
+              <a:t>CẤU THÀNH</a:t>
+            </a:r>
+            <a:endParaRPr lang="en-US" sz="3200" b="1"/>
           </a:p>
         </p:txBody>
       </p:sp>
     </p:spTree>
     <p:extLst>
       <p:ext uri="{BB962C8B-B14F-4D97-AF65-F5344CB8AC3E}">
-        <p14:creationId xmlns:p14="http://schemas.microsoft.com/office/powerpoint/2010/main" val="526391783"/>
+        <p14:creationId xmlns="" xmlns:p14="http://schemas.microsoft.com/office/powerpoint/2010/main" val="417150848"/>
       </p:ext>
     </p:extLst>
   </p:cSld>
   <p:clrMapOvr>
     <a:masterClrMapping/>
   </p:clrMapOvr>
+  <p:transition>
+    <p:dissolve/>
+  </p:transition>
   <p:timing>
     <p:tnLst>
       <p:par>
-        <p:cTn id="1" dur="indefinite" restart="never" nodeType="tmRoot"/>
+        <p:cTn id="1" dur="indefinite" restart="never" nodeType="tmRoot">
+          <p:childTnLst>
+            <p:seq concurrent="1" nextAc="seek">
+              <p:cTn id="2" dur="indefinite" nodeType="mainSeq">
+                <p:childTnLst>
+                  <p:par>
+                    <p:cTn id="3" fill="hold">
+                      <p:stCondLst>
+                        <p:cond delay="indefinite"/>
+                        <p:cond evt="onBegin" delay="0">
+                          <p:tn val="2"/>
+                        </p:cond>
+                      </p:stCondLst>
+                      <p:childTnLst>
+                        <p:par>
+                          <p:cTn id="4" fill="hold">
+                            <p:stCondLst>
+                              <p:cond delay="0"/>
+                            </p:stCondLst>
+                            <p:childTnLst>
+                              <p:par>
+                                <p:cTn id="5" presetID="3" presetClass="entr" presetSubtype="10" fill="hold" nodeType="withEffect">
+                                  <p:stCondLst>
+                                    <p:cond delay="0"/>
+                                  </p:stCondLst>
+                                  <p:childTnLst>
+                                    <p:set>
+                                      <p:cBhvr>
+                                        <p:cTn id="6" dur="1" fill="hold">
+                                          <p:stCondLst>
+                                            <p:cond delay="0"/>
+                                          </p:stCondLst>
+                                        </p:cTn>
+                                        <p:tgtEl>
+                                          <p:spTgt spid="7"/>
+                                        </p:tgtEl>
+                                        <p:attrNameLst>
+                                          <p:attrName>style.visibility</p:attrName>
+                                        </p:attrNameLst>
+                                      </p:cBhvr>
+                                      <p:to>
+                                        <p:strVal val="visible"/>
+                                      </p:to>
+                                    </p:set>
+                                    <p:animEffect transition="in" filter="blinds(horizontal)">
+                                      <p:cBhvr>
+                                        <p:cTn id="7" dur="500"/>
+                                        <p:tgtEl>
+                                          <p:spTgt spid="7"/>
+                                        </p:tgtEl>
+                                      </p:cBhvr>
+                                    </p:animEffect>
+                                  </p:childTnLst>
+                                </p:cTn>
+                              </p:par>
+                            </p:childTnLst>
+                          </p:cTn>
+                        </p:par>
+                      </p:childTnLst>
+                    </p:cTn>
+                  </p:par>
+                  <p:par>
+                    <p:cTn id="8" fill="hold">
+                      <p:stCondLst>
+                        <p:cond delay="indefinite"/>
+                      </p:stCondLst>
+                      <p:childTnLst>
+                        <p:par>
+                          <p:cTn id="9" fill="hold">
+                            <p:stCondLst>
+                              <p:cond delay="0"/>
+                            </p:stCondLst>
+                            <p:childTnLst>
+                              <p:par>
+                                <p:cTn id="10" presetID="2" presetClass="entr" presetSubtype="4" fill="hold" grpId="0" nodeType="clickEffect">
+                                  <p:stCondLst>
+                                    <p:cond delay="0"/>
+                                  </p:stCondLst>
+                                  <p:childTnLst>
+                                    <p:set>
+                                      <p:cBhvr>
+                                        <p:cTn id="11" dur="1" fill="hold">
+                                          <p:stCondLst>
+                                            <p:cond delay="0"/>
+                                          </p:stCondLst>
+                                        </p:cTn>
+                                        <p:tgtEl>
+                                          <p:spTgt spid="3"/>
+                                        </p:tgtEl>
+                                        <p:attrNameLst>
+                                          <p:attrName>style.visibility</p:attrName>
+                                        </p:attrNameLst>
+                                      </p:cBhvr>
+                                      <p:to>
+                                        <p:strVal val="visible"/>
+                                      </p:to>
+                                    </p:set>
+                                    <p:anim calcmode="lin" valueType="num">
+                                      <p:cBhvr additive="base">
+                                        <p:cTn id="12" dur="500" fill="hold"/>
+                                        <p:tgtEl>
+                                          <p:spTgt spid="3"/>
+                                        </p:tgtEl>
+                                        <p:attrNameLst>
+                                          <p:attrName>ppt_x</p:attrName>
+                                        </p:attrNameLst>
+                                      </p:cBhvr>
+                                      <p:tavLst>
+                                        <p:tav tm="0">
+                                          <p:val>
+                                            <p:strVal val="#ppt_x"/>
+                                          </p:val>
+                                        </p:tav>
+                                        <p:tav tm="100000">
+                                          <p:val>
+                                            <p:strVal val="#ppt_x"/>
+                                          </p:val>
+                                        </p:tav>
+                                      </p:tavLst>
+                                    </p:anim>
+                                    <p:anim calcmode="lin" valueType="num">
+                                      <p:cBhvr additive="base">
+                                        <p:cTn id="13" dur="500" fill="hold"/>
+                                        <p:tgtEl>
+                                          <p:spTgt spid="3"/>
+                                        </p:tgtEl>
+                                        <p:attrNameLst>
+                                          <p:attrName>ppt_y</p:attrName>
+                                        </p:attrNameLst>
+                                      </p:cBhvr>
+                                      <p:tavLst>
+                                        <p:tav tm="0">
+                                          <p:val>
+                                            <p:strVal val="1+#ppt_h/2"/>
+                                          </p:val>
+                                        </p:tav>
+                                        <p:tav tm="100000">
+                                          <p:val>
+                                            <p:strVal val="#ppt_y"/>
+                                          </p:val>
+                                        </p:tav>
+                                      </p:tavLst>
+                                    </p:anim>
+                                  </p:childTnLst>
+                                </p:cTn>
+                              </p:par>
+                            </p:childTnLst>
+                          </p:cTn>
+                        </p:par>
+                      </p:childTnLst>
+                    </p:cTn>
+                  </p:par>
+                  <p:par>
+                    <p:cTn id="14" fill="hold">
+                      <p:stCondLst>
+                        <p:cond delay="indefinite"/>
+                      </p:stCondLst>
+                      <p:childTnLst>
+                        <p:par>
+                          <p:cTn id="15" fill="hold">
+                            <p:stCondLst>
+                              <p:cond delay="0"/>
+                            </p:stCondLst>
+                            <p:childTnLst>
+                              <p:par>
+                                <p:cTn id="16" presetID="2" presetClass="entr" presetSubtype="4" fill="hold" grpId="0" nodeType="clickEffect">
+                                  <p:stCondLst>
+                                    <p:cond delay="0"/>
+                                  </p:stCondLst>
+                                  <p:childTnLst>
+                                    <p:set>
+                                      <p:cBhvr>
+                                        <p:cTn id="17" dur="1" fill="hold">
+                                          <p:stCondLst>
+                                            <p:cond delay="0"/>
+                                          </p:stCondLst>
+                                        </p:cTn>
+                                        <p:tgtEl>
+                                          <p:spTgt spid="8"/>
+                                        </p:tgtEl>
+                                        <p:attrNameLst>
+                                          <p:attrName>style.visibility</p:attrName>
+                                        </p:attrNameLst>
+                                      </p:cBhvr>
+                                      <p:to>
+                                        <p:strVal val="visible"/>
+                                      </p:to>
+                                    </p:set>
+                                    <p:anim calcmode="lin" valueType="num">
+                                      <p:cBhvr additive="base">
+                                        <p:cTn id="18" dur="500" fill="hold"/>
+                                        <p:tgtEl>
+                                          <p:spTgt spid="8"/>
+                                        </p:tgtEl>
+                                        <p:attrNameLst>
+                                          <p:attrName>ppt_x</p:attrName>
+                                        </p:attrNameLst>
+                                      </p:cBhvr>
+                                      <p:tavLst>
+                                        <p:tav tm="0">
+                                          <p:val>
+                                            <p:strVal val="#ppt_x"/>
+                                          </p:val>
+                                        </p:tav>
+                                        <p:tav tm="100000">
+                                          <p:val>
+                                            <p:strVal val="#ppt_x"/>
+                                          </p:val>
+                                        </p:tav>
+                                      </p:tavLst>
+                                    </p:anim>
+                                    <p:anim calcmode="lin" valueType="num">
+                                      <p:cBhvr additive="base">
+                                        <p:cTn id="19" dur="500" fill="hold"/>
+                                        <p:tgtEl>
+                                          <p:spTgt spid="8"/>
+                                        </p:tgtEl>
+                                        <p:attrNameLst>
+                                          <p:attrName>ppt_y</p:attrName>
+                                        </p:attrNameLst>
+                                      </p:cBhvr>
+                                      <p:tavLst>
+                                        <p:tav tm="0">
+                                          <p:val>
+                                            <p:strVal val="1+#ppt_h/2"/>
+                                          </p:val>
+                                        </p:tav>
+                                        <p:tav tm="100000">
+                                          <p:val>
+                                            <p:strVal val="#ppt_y"/>
+                                          </p:val>
+                                        </p:tav>
+                                      </p:tavLst>
+                                    </p:anim>
+                                  </p:childTnLst>
+                                </p:cTn>
+                              </p:par>
+                            </p:childTnLst>
+                          </p:cTn>
+                        </p:par>
+                      </p:childTnLst>
+                    </p:cTn>
+                  </p:par>
+                  <p:par>
+                    <p:cTn id="20" fill="hold">
+                      <p:stCondLst>
+                        <p:cond delay="indefinite"/>
+                      </p:stCondLst>
+                      <p:childTnLst>
+                        <p:par>
+                          <p:cTn id="21" fill="hold">
+                            <p:stCondLst>
+                              <p:cond delay="0"/>
+                            </p:stCondLst>
+                            <p:childTnLst>
+                              <p:par>
+                                <p:cTn id="22" presetID="2" presetClass="entr" presetSubtype="4" fill="hold" grpId="0" nodeType="clickEffect">
+                                  <p:stCondLst>
+                                    <p:cond delay="0"/>
+                                  </p:stCondLst>
+                                  <p:childTnLst>
+                                    <p:set>
+                                      <p:cBhvr>
+                                        <p:cTn id="23" dur="1" fill="hold">
+                                          <p:stCondLst>
+                                            <p:cond delay="0"/>
+                                          </p:stCondLst>
+                                        </p:cTn>
+                                        <p:tgtEl>
+                                          <p:spTgt spid="10"/>
+                                        </p:tgtEl>
+                                        <p:attrNameLst>
+                                          <p:attrName>style.visibility</p:attrName>
+                                        </p:attrNameLst>
+                                      </p:cBhvr>
+                                      <p:to>
+                                        <p:strVal val="visible"/>
+                                      </p:to>
+                                    </p:set>
+                                    <p:anim calcmode="lin" valueType="num">
+                                      <p:cBhvr additive="base">
+                                        <p:cTn id="24" dur="500" fill="hold"/>
+                                        <p:tgtEl>
+                                          <p:spTgt spid="10"/>
+                                        </p:tgtEl>
+                                        <p:attrNameLst>
+                                          <p:attrName>ppt_x</p:attrName>
+                                        </p:attrNameLst>
+                                      </p:cBhvr>
+                                      <p:tavLst>
+                                        <p:tav tm="0">
+                                          <p:val>
+                                            <p:strVal val="#ppt_x"/>
+                                          </p:val>
+                                        </p:tav>
+                                        <p:tav tm="100000">
+                                          <p:val>
+                                            <p:strVal val="#ppt_x"/>
+                                          </p:val>
+                                        </p:tav>
+                                      </p:tavLst>
+                                    </p:anim>
+                                    <p:anim calcmode="lin" valueType="num">
+                                      <p:cBhvr additive="base">
+                                        <p:cTn id="25" dur="500" fill="hold"/>
+                                        <p:tgtEl>
+                                          <p:spTgt spid="10"/>
+                                        </p:tgtEl>
+                                        <p:attrNameLst>
+                                          <p:attrName>ppt_y</p:attrName>
+                                        </p:attrNameLst>
+                                      </p:cBhvr>
+                                      <p:tavLst>
+                                        <p:tav tm="0">
+                                          <p:val>
+                                            <p:strVal val="1+#ppt_h/2"/>
+                                          </p:val>
+                                        </p:tav>
+                                        <p:tav tm="100000">
+                                          <p:val>
+                                            <p:strVal val="#ppt_y"/>
+                                          </p:val>
+                                        </p:tav>
+                                      </p:tavLst>
+                                    </p:anim>
+                                  </p:childTnLst>
+                                </p:cTn>
+                              </p:par>
+                            </p:childTnLst>
+                          </p:cTn>
+                        </p:par>
+                      </p:childTnLst>
+                    </p:cTn>
+                  </p:par>
+                  <p:par>
+                    <p:cTn id="26" fill="hold">
+                      <p:stCondLst>
+                        <p:cond delay="indefinite"/>
+                      </p:stCondLst>
+                      <p:childTnLst>
+                        <p:par>
+                          <p:cTn id="27" fill="hold">
+                            <p:stCondLst>
+                              <p:cond delay="0"/>
+                            </p:stCondLst>
+                            <p:childTnLst>
+                              <p:par>
+                                <p:cTn id="28" presetID="2" presetClass="entr" presetSubtype="4" fill="hold" grpId="0" nodeType="clickEffect">
+                                  <p:stCondLst>
+                                    <p:cond delay="0"/>
+                                  </p:stCondLst>
+                                  <p:childTnLst>
+                                    <p:set>
+                                      <p:cBhvr>
+                                        <p:cTn id="29" dur="1" fill="hold">
+                                          <p:stCondLst>
+                                            <p:cond delay="0"/>
+                                          </p:stCondLst>
+                                        </p:cTn>
+                                        <p:tgtEl>
+                                          <p:spTgt spid="11"/>
+                                        </p:tgtEl>
+                                        <p:attrNameLst>
+                                          <p:attrName>style.visibility</p:attrName>
+                                        </p:attrNameLst>
+                                      </p:cBhvr>
+                                      <p:to>
+                                        <p:strVal val="visible"/>
+                                      </p:to>
+                                    </p:set>
+                                    <p:anim calcmode="lin" valueType="num">
+                                      <p:cBhvr additive="base">
+                                        <p:cTn id="30" dur="500" fill="hold"/>
+                                        <p:tgtEl>
+                                          <p:spTgt spid="11"/>
+                                        </p:tgtEl>
+                                        <p:attrNameLst>
+                                          <p:attrName>ppt_x</p:attrName>
+                                        </p:attrNameLst>
+                                      </p:cBhvr>
+                                      <p:tavLst>
+                                        <p:tav tm="0">
+                                          <p:val>
+                                            <p:strVal val="#ppt_x"/>
+                                          </p:val>
+                                        </p:tav>
+                                        <p:tav tm="100000">
+                                          <p:val>
+                                            <p:strVal val="#ppt_x"/>
+                                          </p:val>
+                                        </p:tav>
+                                      </p:tavLst>
+                                    </p:anim>
+                                    <p:anim calcmode="lin" valueType="num">
+                                      <p:cBhvr additive="base">
+                                        <p:cTn id="31" dur="500" fill="hold"/>
+                                        <p:tgtEl>
+                                          <p:spTgt spid="11"/>
+                                        </p:tgtEl>
+                                        <p:attrNameLst>
+                                          <p:attrName>ppt_y</p:attrName>
+                                        </p:attrNameLst>
+                                      </p:cBhvr>
+                                      <p:tavLst>
+                                        <p:tav tm="0">
+                                          <p:val>
+                                            <p:strVal val="1+#ppt_h/2"/>
+                                          </p:val>
+                                        </p:tav>
+                                        <p:tav tm="100000">
+                                          <p:val>
+                                            <p:strVal val="#ppt_y"/>
+                                          </p:val>
+                                        </p:tav>
+                                      </p:tavLst>
+                                    </p:anim>
+                                  </p:childTnLst>
+                                </p:cTn>
+                              </p:par>
+                            </p:childTnLst>
+                          </p:cTn>
+                        </p:par>
+                      </p:childTnLst>
+                    </p:cTn>
+                  </p:par>
+                </p:childTnLst>
+              </p:cTn>
+              <p:prevCondLst>
+                <p:cond evt="onPrev" delay="0">
+                  <p:tgtEl>
+                    <p:sldTgt/>
+                  </p:tgtEl>
+                </p:cond>
+              </p:prevCondLst>
+              <p:nextCondLst>
+                <p:cond evt="onNext" delay="0">
+                  <p:tgtEl>
+                    <p:sldTgt/>
+                  </p:tgtEl>
+                </p:cond>
+              </p:nextCondLst>
+            </p:seq>
+          </p:childTnLst>
+        </p:cTn>
       </p:par>
     </p:tnLst>
+    <p:bldLst>
+      <p:bldP spid="3" grpId="0" animBg="1"/>
+      <p:bldP spid="8" grpId="0" animBg="1"/>
+      <p:bldP spid="10" grpId="0" animBg="1"/>
+      <p:bldP spid="11" grpId="0" animBg="1"/>
+    </p:bldLst>
   </p:timing>
 </p:sld>
 </file>
@@ -10072,6 +9438,7 @@
           <a:p>
             <a:fld id="{8CFF1A1A-5B53-436D-9EFB-6B8EE7A50023}" type="slidenum">
               <a:rPr lang="en-US" smtClean="0"/>
+              <a:pPr/>
               <a:t>11</a:t>
             </a:fld>
             <a:endParaRPr lang="en-US"/>
@@ -10862,15 +10229,6 @@
               </a:rPr>
               <a:t>.</a:t>
             </a:r>
-            <a:endParaRPr lang="en-US" dirty="0" smtClean="0">
-              <a:solidFill>
-                <a:schemeClr val="accent3">
-                  <a:lumMod val="50000"/>
-                </a:schemeClr>
-              </a:solidFill>
-              <a:latin typeface="Times New Roman" pitchFamily="18" charset="0"/>
-              <a:cs typeface="Times New Roman" pitchFamily="18" charset="0"/>
-            </a:endParaRPr>
           </a:p>
           <a:p>
             <a:pPr algn="l">
@@ -11642,19 +11000,7 @@
                 <a:latin typeface="Times New Roman" pitchFamily="18" charset="0"/>
                 <a:cs typeface="Times New Roman" pitchFamily="18" charset="0"/>
               </a:rPr>
-              <a:t> </a:t>
-            </a:r>
-            <a:r>
-              <a:rPr lang="en-US" sz="2800" b="1" dirty="0" smtClean="0">
-                <a:solidFill>
-                  <a:schemeClr val="accent3">
-                    <a:lumMod val="50000"/>
-                  </a:schemeClr>
-                </a:solidFill>
-                <a:latin typeface="Times New Roman" pitchFamily="18" charset="0"/>
-                <a:cs typeface="Times New Roman" pitchFamily="18" charset="0"/>
-              </a:rPr>
-              <a:t>Nam</a:t>
+              <a:t> Nam</a:t>
             </a:r>
           </a:p>
           <a:p>
@@ -12094,22 +11440,13 @@
               </a:rPr>
               <a:t>.</a:t>
             </a:r>
-            <a:endParaRPr lang="en-US" dirty="0" smtClean="0">
-              <a:solidFill>
-                <a:schemeClr val="accent3">
-                  <a:lumMod val="50000"/>
-                </a:schemeClr>
-              </a:solidFill>
-              <a:latin typeface="Times New Roman" pitchFamily="18" charset="0"/>
-              <a:cs typeface="Times New Roman" pitchFamily="18" charset="0"/>
-            </a:endParaRPr>
           </a:p>
         </p:txBody>
       </p:sp>
     </p:spTree>
     <p:extLst>
       <p:ext uri="{BB962C8B-B14F-4D97-AF65-F5344CB8AC3E}">
-        <p14:creationId xmlns:p14="http://schemas.microsoft.com/office/powerpoint/2010/main" val="1801072384"/>
+        <p14:creationId xmlns="" xmlns:p14="http://schemas.microsoft.com/office/powerpoint/2010/main" val="1801072384"/>
       </p:ext>
     </p:extLst>
   </p:cSld>
@@ -12747,6 +12084,7 @@
           <a:p>
             <a:fld id="{8CFF1A1A-5B53-436D-9EFB-6B8EE7A50023}" type="slidenum">
               <a:rPr lang="en-US" smtClean="0"/>
+              <a:pPr/>
               <a:t>12</a:t>
             </a:fld>
             <a:endParaRPr lang="en-US"/>
@@ -13551,6 +12889,84 @@
               </a:rPr>
               <a:t> blog</a:t>
             </a:r>
+          </a:p>
+          <a:p>
+            <a:pPr marL="914400" lvl="1" indent="-457200" algn="l">
+              <a:buFont typeface="Wingdings" pitchFamily="2" charset="2"/>
+              <a:buChar char="Ø"/>
+            </a:pPr>
+            <a:r>
+              <a:rPr lang="en-US" sz="2400" dirty="0" smtClean="0">
+                <a:solidFill>
+                  <a:schemeClr val="accent3">
+                    <a:lumMod val="50000"/>
+                  </a:schemeClr>
+                </a:solidFill>
+                <a:latin typeface="Times New Roman" pitchFamily="18" charset="0"/>
+                <a:cs typeface="Times New Roman" pitchFamily="18" charset="0"/>
+              </a:rPr>
+              <a:t>Chia </a:t>
+            </a:r>
+            <a:r>
+              <a:rPr lang="en-US" sz="2400" dirty="0" err="1" smtClean="0">
+                <a:solidFill>
+                  <a:schemeClr val="accent3">
+                    <a:lumMod val="50000"/>
+                  </a:schemeClr>
+                </a:solidFill>
+                <a:latin typeface="Times New Roman" pitchFamily="18" charset="0"/>
+                <a:cs typeface="Times New Roman" pitchFamily="18" charset="0"/>
+              </a:rPr>
+              <a:t>sẻ</a:t>
+            </a:r>
+            <a:r>
+              <a:rPr lang="en-US" sz="2400" dirty="0" smtClean="0">
+                <a:solidFill>
+                  <a:schemeClr val="accent3">
+                    <a:lumMod val="50000"/>
+                  </a:schemeClr>
+                </a:solidFill>
+                <a:latin typeface="Times New Roman" pitchFamily="18" charset="0"/>
+                <a:cs typeface="Times New Roman" pitchFamily="18" charset="0"/>
+              </a:rPr>
+              <a:t> </a:t>
+            </a:r>
+            <a:r>
+              <a:rPr lang="en-US" sz="2400" dirty="0" err="1" smtClean="0">
+                <a:solidFill>
+                  <a:schemeClr val="accent3">
+                    <a:lumMod val="50000"/>
+                  </a:schemeClr>
+                </a:solidFill>
+                <a:latin typeface="Times New Roman" pitchFamily="18" charset="0"/>
+                <a:cs typeface="Times New Roman" pitchFamily="18" charset="0"/>
+              </a:rPr>
+              <a:t>hình</a:t>
+            </a:r>
+            <a:r>
+              <a:rPr lang="en-US" sz="2400" dirty="0" smtClean="0">
+                <a:solidFill>
+                  <a:schemeClr val="accent3">
+                    <a:lumMod val="50000"/>
+                  </a:schemeClr>
+                </a:solidFill>
+                <a:latin typeface="Times New Roman" pitchFamily="18" charset="0"/>
+                <a:cs typeface="Times New Roman" pitchFamily="18" charset="0"/>
+              </a:rPr>
+              <a:t> </a:t>
+            </a:r>
+            <a:r>
+              <a:rPr lang="en-US" sz="2400" dirty="0" err="1" smtClean="0">
+                <a:solidFill>
+                  <a:schemeClr val="accent3">
+                    <a:lumMod val="50000"/>
+                  </a:schemeClr>
+                </a:solidFill>
+                <a:latin typeface="Times New Roman" pitchFamily="18" charset="0"/>
+                <a:cs typeface="Times New Roman" pitchFamily="18" charset="0"/>
+              </a:rPr>
+              <a:t>ảnh</a:t>
+            </a:r>
             <a:endParaRPr lang="en-US" sz="2400" dirty="0" smtClean="0">
               <a:solidFill>
                 <a:schemeClr val="accent3">
@@ -13567,6 +12983,18 @@
               <a:buChar char="Ø"/>
             </a:pPr>
             <a:r>
+              <a:rPr lang="en-US" sz="2400" dirty="0" err="1" smtClean="0">
+                <a:solidFill>
+                  <a:schemeClr val="accent3">
+                    <a:lumMod val="50000"/>
+                  </a:schemeClr>
+                </a:solidFill>
+                <a:latin typeface="Times New Roman" pitchFamily="18" charset="0"/>
+                <a:cs typeface="Times New Roman" pitchFamily="18" charset="0"/>
+              </a:rPr>
+              <a:t>Giao</a:t>
+            </a:r>
+            <a:r>
               <a:rPr lang="en-US" sz="2400" dirty="0" smtClean="0">
                 <a:solidFill>
                   <a:schemeClr val="accent3">
@@ -13576,7 +13004,7 @@
                 <a:latin typeface="Times New Roman" pitchFamily="18" charset="0"/>
                 <a:cs typeface="Times New Roman" pitchFamily="18" charset="0"/>
               </a:rPr>
-              <a:t>Chia </a:t>
+              <a:t> </a:t>
             </a:r>
             <a:r>
               <a:rPr lang="en-US" sz="2400" dirty="0" err="1" smtClean="0">
@@ -13588,7 +13016,7 @@
                 <a:latin typeface="Times New Roman" pitchFamily="18" charset="0"/>
                 <a:cs typeface="Times New Roman" pitchFamily="18" charset="0"/>
               </a:rPr>
-              <a:t>sẻ</a:t>
+              <a:t>lưu</a:t>
             </a:r>
             <a:r>
               <a:rPr lang="en-US" sz="2400" dirty="0" smtClean="0">
@@ -13612,7 +13040,7 @@
                 <a:latin typeface="Times New Roman" pitchFamily="18" charset="0"/>
                 <a:cs typeface="Times New Roman" pitchFamily="18" charset="0"/>
               </a:rPr>
-              <a:t>hình</a:t>
+              <a:t>kết</a:t>
             </a:r>
             <a:r>
               <a:rPr lang="en-US" sz="2400" dirty="0" smtClean="0">
@@ -13636,7 +13064,106 @@
                 <a:latin typeface="Times New Roman" pitchFamily="18" charset="0"/>
                 <a:cs typeface="Times New Roman" pitchFamily="18" charset="0"/>
               </a:rPr>
-              <a:t>ảnh</a:t>
+              <a:t>bạn</a:t>
+            </a:r>
+            <a:endParaRPr lang="en-US" sz="2400" dirty="0">
+              <a:solidFill>
+                <a:schemeClr val="accent3">
+                  <a:lumMod val="50000"/>
+                </a:schemeClr>
+              </a:solidFill>
+              <a:latin typeface="Times New Roman" pitchFamily="18" charset="0"/>
+              <a:cs typeface="Times New Roman" pitchFamily="18" charset="0"/>
+            </a:endParaRPr>
+          </a:p>
+          <a:p>
+            <a:pPr marL="914400" lvl="1" indent="-457200" algn="l">
+              <a:buFont typeface="Wingdings" pitchFamily="2" charset="2"/>
+              <a:buChar char="Ø"/>
+            </a:pPr>
+            <a:r>
+              <a:rPr lang="en-US" sz="2400" dirty="0" err="1" smtClean="0">
+                <a:solidFill>
+                  <a:schemeClr val="accent3">
+                    <a:lumMod val="50000"/>
+                  </a:schemeClr>
+                </a:solidFill>
+                <a:latin typeface="Times New Roman" pitchFamily="18" charset="0"/>
+                <a:cs typeface="Times New Roman" pitchFamily="18" charset="0"/>
+              </a:rPr>
+              <a:t>Cảm</a:t>
+            </a:r>
+            <a:r>
+              <a:rPr lang="en-US" sz="2400" dirty="0" smtClean="0">
+                <a:solidFill>
+                  <a:schemeClr val="accent3">
+                    <a:lumMod val="50000"/>
+                  </a:schemeClr>
+                </a:solidFill>
+                <a:latin typeface="Times New Roman" pitchFamily="18" charset="0"/>
+                <a:cs typeface="Times New Roman" pitchFamily="18" charset="0"/>
+              </a:rPr>
+              <a:t> </a:t>
+            </a:r>
+            <a:r>
+              <a:rPr lang="en-US" sz="2400" dirty="0" err="1" smtClean="0">
+                <a:solidFill>
+                  <a:schemeClr val="accent3">
+                    <a:lumMod val="50000"/>
+                  </a:schemeClr>
+                </a:solidFill>
+                <a:latin typeface="Times New Roman" pitchFamily="18" charset="0"/>
+                <a:cs typeface="Times New Roman" pitchFamily="18" charset="0"/>
+              </a:rPr>
+              <a:t>nhận</a:t>
+            </a:r>
+            <a:r>
+              <a:rPr lang="en-US" sz="2400" dirty="0" smtClean="0">
+                <a:solidFill>
+                  <a:schemeClr val="accent3">
+                    <a:lumMod val="50000"/>
+                  </a:schemeClr>
+                </a:solidFill>
+                <a:latin typeface="Times New Roman" pitchFamily="18" charset="0"/>
+                <a:cs typeface="Times New Roman" pitchFamily="18" charset="0"/>
+              </a:rPr>
+              <a:t>, </a:t>
+            </a:r>
+            <a:r>
+              <a:rPr lang="en-US" sz="2400" dirty="0" err="1" smtClean="0">
+                <a:solidFill>
+                  <a:schemeClr val="accent3">
+                    <a:lumMod val="50000"/>
+                  </a:schemeClr>
+                </a:solidFill>
+                <a:latin typeface="Times New Roman" pitchFamily="18" charset="0"/>
+                <a:cs typeface="Times New Roman" pitchFamily="18" charset="0"/>
+              </a:rPr>
+              <a:t>từ</a:t>
+            </a:r>
+            <a:r>
+              <a:rPr lang="en-US" sz="2400" dirty="0" smtClean="0">
+                <a:solidFill>
+                  <a:schemeClr val="accent3">
+                    <a:lumMod val="50000"/>
+                  </a:schemeClr>
+                </a:solidFill>
+                <a:latin typeface="Times New Roman" pitchFamily="18" charset="0"/>
+                <a:cs typeface="Times New Roman" pitchFamily="18" charset="0"/>
+              </a:rPr>
+              <a:t> </a:t>
+            </a:r>
+            <a:r>
+              <a:rPr lang="en-US" sz="2400" dirty="0" err="1" smtClean="0">
+                <a:solidFill>
+                  <a:schemeClr val="accent3">
+                    <a:lumMod val="50000"/>
+                  </a:schemeClr>
+                </a:solidFill>
+                <a:latin typeface="Times New Roman" pitchFamily="18" charset="0"/>
+                <a:cs typeface="Times New Roman" pitchFamily="18" charset="0"/>
+              </a:rPr>
+              <a:t>khóa</a:t>
             </a:r>
             <a:endParaRPr lang="en-US" sz="2400" dirty="0" smtClean="0">
               <a:solidFill>
@@ -13654,18 +13181,6 @@
               <a:buChar char="Ø"/>
             </a:pPr>
             <a:r>
-              <a:rPr lang="en-US" sz="2400" dirty="0" err="1" smtClean="0">
-                <a:solidFill>
-                  <a:schemeClr val="accent3">
-                    <a:lumMod val="50000"/>
-                  </a:schemeClr>
-                </a:solidFill>
-                <a:latin typeface="Times New Roman" pitchFamily="18" charset="0"/>
-                <a:cs typeface="Times New Roman" pitchFamily="18" charset="0"/>
-              </a:rPr>
-              <a:t>Giao</a:t>
-            </a:r>
-            <a:r>
               <a:rPr lang="en-US" sz="2400" dirty="0" smtClean="0">
                 <a:solidFill>
                   <a:schemeClr val="accent3">
@@ -13675,210 +13190,15 @@
                 <a:latin typeface="Times New Roman" pitchFamily="18" charset="0"/>
                 <a:cs typeface="Times New Roman" pitchFamily="18" charset="0"/>
               </a:rPr>
-              <a:t> </a:t>
-            </a:r>
-            <a:r>
-              <a:rPr lang="en-US" sz="2400" dirty="0" err="1" smtClean="0">
-                <a:solidFill>
-                  <a:schemeClr val="accent3">
-                    <a:lumMod val="50000"/>
-                  </a:schemeClr>
-                </a:solidFill>
-                <a:latin typeface="Times New Roman" pitchFamily="18" charset="0"/>
-                <a:cs typeface="Times New Roman" pitchFamily="18" charset="0"/>
-              </a:rPr>
-              <a:t>lưu</a:t>
-            </a:r>
-            <a:r>
-              <a:rPr lang="en-US" sz="2400" dirty="0" smtClean="0">
-                <a:solidFill>
-                  <a:schemeClr val="accent3">
-                    <a:lumMod val="50000"/>
-                  </a:schemeClr>
-                </a:solidFill>
-                <a:latin typeface="Times New Roman" pitchFamily="18" charset="0"/>
-                <a:cs typeface="Times New Roman" pitchFamily="18" charset="0"/>
-              </a:rPr>
-              <a:t> </a:t>
-            </a:r>
-            <a:r>
-              <a:rPr lang="en-US" sz="2400" dirty="0" err="1" smtClean="0">
-                <a:solidFill>
-                  <a:schemeClr val="accent3">
-                    <a:lumMod val="50000"/>
-                  </a:schemeClr>
-                </a:solidFill>
-                <a:latin typeface="Times New Roman" pitchFamily="18" charset="0"/>
-                <a:cs typeface="Times New Roman" pitchFamily="18" charset="0"/>
-              </a:rPr>
-              <a:t>kết</a:t>
-            </a:r>
-            <a:r>
-              <a:rPr lang="en-US" sz="2400" dirty="0" smtClean="0">
-                <a:solidFill>
-                  <a:schemeClr val="accent3">
-                    <a:lumMod val="50000"/>
-                  </a:schemeClr>
-                </a:solidFill>
-                <a:latin typeface="Times New Roman" pitchFamily="18" charset="0"/>
-                <a:cs typeface="Times New Roman" pitchFamily="18" charset="0"/>
-              </a:rPr>
-              <a:t> </a:t>
-            </a:r>
-            <a:r>
-              <a:rPr lang="en-US" sz="2400" dirty="0" err="1" smtClean="0">
-                <a:solidFill>
-                  <a:schemeClr val="accent3">
-                    <a:lumMod val="50000"/>
-                  </a:schemeClr>
-                </a:solidFill>
-                <a:latin typeface="Times New Roman" pitchFamily="18" charset="0"/>
-                <a:cs typeface="Times New Roman" pitchFamily="18" charset="0"/>
-              </a:rPr>
-              <a:t>bạn</a:t>
-            </a:r>
-            <a:endParaRPr lang="en-US" sz="2400" dirty="0">
-              <a:solidFill>
-                <a:schemeClr val="accent3">
-                  <a:lumMod val="50000"/>
-                </a:schemeClr>
-              </a:solidFill>
-              <a:latin typeface="Times New Roman" pitchFamily="18" charset="0"/>
-              <a:cs typeface="Times New Roman" pitchFamily="18" charset="0"/>
-            </a:endParaRPr>
-          </a:p>
-          <a:p>
-            <a:pPr marL="914400" lvl="1" indent="-457200" algn="l">
-              <a:buFont typeface="Wingdings" pitchFamily="2" charset="2"/>
-              <a:buChar char="Ø"/>
-            </a:pPr>
-            <a:r>
-              <a:rPr lang="en-US" sz="2400" dirty="0" err="1" smtClean="0">
-                <a:solidFill>
-                  <a:schemeClr val="accent3">
-                    <a:lumMod val="50000"/>
-                  </a:schemeClr>
-                </a:solidFill>
-                <a:latin typeface="Times New Roman" pitchFamily="18" charset="0"/>
-                <a:cs typeface="Times New Roman" pitchFamily="18" charset="0"/>
-              </a:rPr>
-              <a:t>Cảm</a:t>
-            </a:r>
-            <a:r>
-              <a:rPr lang="en-US" sz="2400" dirty="0" smtClean="0">
-                <a:solidFill>
-                  <a:schemeClr val="accent3">
-                    <a:lumMod val="50000"/>
-                  </a:schemeClr>
-                </a:solidFill>
-                <a:latin typeface="Times New Roman" pitchFamily="18" charset="0"/>
-                <a:cs typeface="Times New Roman" pitchFamily="18" charset="0"/>
-              </a:rPr>
-              <a:t> </a:t>
-            </a:r>
-            <a:r>
-              <a:rPr lang="en-US" sz="2400" dirty="0" err="1" smtClean="0">
-                <a:solidFill>
-                  <a:schemeClr val="accent3">
-                    <a:lumMod val="50000"/>
-                  </a:schemeClr>
-                </a:solidFill>
-                <a:latin typeface="Times New Roman" pitchFamily="18" charset="0"/>
-                <a:cs typeface="Times New Roman" pitchFamily="18" charset="0"/>
-              </a:rPr>
-              <a:t>nhận</a:t>
-            </a:r>
-            <a:r>
-              <a:rPr lang="en-US" sz="2400" dirty="0" smtClean="0">
-                <a:solidFill>
-                  <a:schemeClr val="accent3">
-                    <a:lumMod val="50000"/>
-                  </a:schemeClr>
-                </a:solidFill>
-                <a:latin typeface="Times New Roman" pitchFamily="18" charset="0"/>
-                <a:cs typeface="Times New Roman" pitchFamily="18" charset="0"/>
-              </a:rPr>
-              <a:t>, </a:t>
-            </a:r>
-            <a:r>
-              <a:rPr lang="en-US" sz="2400" dirty="0" err="1" smtClean="0">
-                <a:solidFill>
-                  <a:schemeClr val="accent3">
-                    <a:lumMod val="50000"/>
-                  </a:schemeClr>
-                </a:solidFill>
-                <a:latin typeface="Times New Roman" pitchFamily="18" charset="0"/>
-                <a:cs typeface="Times New Roman" pitchFamily="18" charset="0"/>
-              </a:rPr>
-              <a:t>từ</a:t>
-            </a:r>
-            <a:r>
-              <a:rPr lang="en-US" sz="2400" dirty="0" smtClean="0">
-                <a:solidFill>
-                  <a:schemeClr val="accent3">
-                    <a:lumMod val="50000"/>
-                  </a:schemeClr>
-                </a:solidFill>
-                <a:latin typeface="Times New Roman" pitchFamily="18" charset="0"/>
-                <a:cs typeface="Times New Roman" pitchFamily="18" charset="0"/>
-              </a:rPr>
-              <a:t> </a:t>
-            </a:r>
-            <a:r>
-              <a:rPr lang="en-US" sz="2400" dirty="0" err="1" smtClean="0">
-                <a:solidFill>
-                  <a:schemeClr val="accent3">
-                    <a:lumMod val="50000"/>
-                  </a:schemeClr>
-                </a:solidFill>
-                <a:latin typeface="Times New Roman" pitchFamily="18" charset="0"/>
-                <a:cs typeface="Times New Roman" pitchFamily="18" charset="0"/>
-              </a:rPr>
-              <a:t>khóa</a:t>
-            </a:r>
-            <a:endParaRPr lang="en-US" sz="2400" dirty="0" smtClean="0">
-              <a:solidFill>
-                <a:schemeClr val="accent3">
-                  <a:lumMod val="50000"/>
-                </a:schemeClr>
-              </a:solidFill>
-              <a:latin typeface="Times New Roman" pitchFamily="18" charset="0"/>
-              <a:cs typeface="Times New Roman" pitchFamily="18" charset="0"/>
-            </a:endParaRPr>
-          </a:p>
-          <a:p>
-            <a:pPr marL="914400" lvl="1" indent="-457200" algn="l">
-              <a:buFont typeface="Wingdings" pitchFamily="2" charset="2"/>
-              <a:buChar char="Ø"/>
-            </a:pPr>
-            <a:r>
-              <a:rPr lang="en-US" sz="2400" dirty="0" smtClean="0">
-                <a:solidFill>
-                  <a:schemeClr val="accent3">
-                    <a:lumMod val="50000"/>
-                  </a:schemeClr>
-                </a:solidFill>
-                <a:latin typeface="Times New Roman" pitchFamily="18" charset="0"/>
-                <a:cs typeface="Times New Roman" pitchFamily="18" charset="0"/>
-              </a:rPr>
               <a:t>…</a:t>
             </a:r>
-            <a:endParaRPr lang="en-US" sz="2400" dirty="0" smtClean="0">
-              <a:solidFill>
-                <a:schemeClr val="accent3">
-                  <a:lumMod val="50000"/>
-                </a:schemeClr>
-              </a:solidFill>
-              <a:latin typeface="Times New Roman" pitchFamily="18" charset="0"/>
-              <a:cs typeface="Times New Roman" pitchFamily="18" charset="0"/>
-            </a:endParaRPr>
           </a:p>
         </p:txBody>
       </p:sp>
     </p:spTree>
     <p:extLst>
       <p:ext uri="{BB962C8B-B14F-4D97-AF65-F5344CB8AC3E}">
-        <p14:creationId xmlns:p14="http://schemas.microsoft.com/office/powerpoint/2010/main" val="4157668198"/>
+        <p14:creationId xmlns="" xmlns:p14="http://schemas.microsoft.com/office/powerpoint/2010/main" val="4157668198"/>
       </p:ext>
     </p:extLst>
   </p:cSld>
@@ -14282,6 +13602,7 @@
           <a:p>
             <a:fld id="{8CFF1A1A-5B53-436D-9EFB-6B8EE7A50023}" type="slidenum">
               <a:rPr lang="en-US" smtClean="0"/>
+              <a:pPr/>
               <a:t>13</a:t>
             </a:fld>
             <a:endParaRPr lang="en-US"/>
@@ -15214,7 +14535,7 @@
     </p:spTree>
     <p:extLst>
       <p:ext uri="{BB962C8B-B14F-4D97-AF65-F5344CB8AC3E}">
-        <p14:creationId xmlns:p14="http://schemas.microsoft.com/office/powerpoint/2010/main" val="1061812255"/>
+        <p14:creationId xmlns="" xmlns:p14="http://schemas.microsoft.com/office/powerpoint/2010/main" val="1061812255"/>
       </p:ext>
     </p:extLst>
   </p:cSld>
@@ -16597,6 +15918,7 @@
           <a:p>
             <a:fld id="{8CFF1A1A-5B53-436D-9EFB-6B8EE7A50023}" type="slidenum">
               <a:rPr lang="en-US" smtClean="0"/>
+              <a:pPr/>
               <a:t>14</a:t>
             </a:fld>
             <a:endParaRPr lang="en-US"/>
@@ -16811,7 +16133,7 @@
     </p:spTree>
     <p:extLst>
       <p:ext uri="{BB962C8B-B14F-4D97-AF65-F5344CB8AC3E}">
-        <p14:creationId xmlns:p14="http://schemas.microsoft.com/office/powerpoint/2010/main" val="493261145"/>
+        <p14:creationId xmlns="" xmlns:p14="http://schemas.microsoft.com/office/powerpoint/2010/main" val="493261145"/>
       </p:ext>
     </p:extLst>
   </p:cSld>
@@ -17215,6 +16537,7 @@
           <a:p>
             <a:fld id="{8CFF1A1A-5B53-436D-9EFB-6B8EE7A50023}" type="slidenum">
               <a:rPr lang="en-US" smtClean="0"/>
+              <a:pPr/>
               <a:t>15</a:t>
             </a:fld>
             <a:endParaRPr lang="en-US"/>
@@ -17417,7 +16740,7 @@
           <a:blip r:embed="rId2">
             <a:extLst>
               <a:ext uri="{28A0092B-C50C-407E-A947-70E740481C1C}">
-                <a14:useLocalDpi xmlns:a14="http://schemas.microsoft.com/office/drawing/2010/main" val="0"/>
+                <a14:useLocalDpi xmlns="" xmlns:a14="http://schemas.microsoft.com/office/drawing/2010/main" val="0"/>
               </a:ext>
             </a:extLst>
           </a:blip>
@@ -17453,14 +16776,14 @@
           </a:sp3d>
           <a:extLst>
             <a:ext uri="{909E8E84-426E-40DD-AFC4-6F175D3DCCD1}">
-              <a14:hiddenFill xmlns:a14="http://schemas.microsoft.com/office/drawing/2010/main">
+              <a14:hiddenFill xmlns="" xmlns:a14="http://schemas.microsoft.com/office/drawing/2010/main">
                 <a:solidFill>
                   <a:schemeClr val="accent1"/>
                 </a:solidFill>
               </a14:hiddenFill>
             </a:ext>
             <a:ext uri="{91240B29-F687-4F45-9708-019B960494DF}">
-              <a14:hiddenLine xmlns:a14="http://schemas.microsoft.com/office/drawing/2010/main" w="9525">
+              <a14:hiddenLine xmlns="" xmlns:a14="http://schemas.microsoft.com/office/drawing/2010/main" w="9525">
                 <a:solidFill>
                   <a:schemeClr val="tx1"/>
                 </a:solidFill>
@@ -17470,7 +16793,7 @@
               </a14:hiddenLine>
             </a:ext>
             <a:ext uri="{AF507438-7753-43E0-B8FC-AC1667EBCBE1}">
-              <a14:hiddenEffects xmlns:a14="http://schemas.microsoft.com/office/drawing/2010/main">
+              <a14:hiddenEffects xmlns="" xmlns:a14="http://schemas.microsoft.com/office/drawing/2010/main">
                 <a:effectLst>
                   <a:outerShdw dist="35921" dir="2700000" algn="ctr" rotWithShape="0">
                     <a:schemeClr val="bg2"/>
@@ -17493,7 +16816,7 @@
           <a:blip r:embed="rId3">
             <a:extLst>
               <a:ext uri="{28A0092B-C50C-407E-A947-70E740481C1C}">
-                <a14:useLocalDpi xmlns:a14="http://schemas.microsoft.com/office/drawing/2010/main" val="0"/>
+                <a14:useLocalDpi xmlns="" xmlns:a14="http://schemas.microsoft.com/office/drawing/2010/main" val="0"/>
               </a:ext>
             </a:extLst>
           </a:blip>
@@ -17529,14 +16852,14 @@
           </a:sp3d>
           <a:extLst>
             <a:ext uri="{909E8E84-426E-40DD-AFC4-6F175D3DCCD1}">
-              <a14:hiddenFill xmlns:a14="http://schemas.microsoft.com/office/drawing/2010/main">
+              <a14:hiddenFill xmlns="" xmlns:a14="http://schemas.microsoft.com/office/drawing/2010/main">
                 <a:solidFill>
                   <a:schemeClr val="accent1"/>
                 </a:solidFill>
               </a14:hiddenFill>
             </a:ext>
             <a:ext uri="{91240B29-F687-4F45-9708-019B960494DF}">
-              <a14:hiddenLine xmlns:a14="http://schemas.microsoft.com/office/drawing/2010/main" w="9525">
+              <a14:hiddenLine xmlns="" xmlns:a14="http://schemas.microsoft.com/office/drawing/2010/main" w="9525">
                 <a:solidFill>
                   <a:schemeClr val="tx1"/>
                 </a:solidFill>
@@ -17546,7 +16869,7 @@
               </a14:hiddenLine>
             </a:ext>
             <a:ext uri="{AF507438-7753-43E0-B8FC-AC1667EBCBE1}">
-              <a14:hiddenEffects xmlns:a14="http://schemas.microsoft.com/office/drawing/2010/main">
+              <a14:hiddenEffects xmlns="" xmlns:a14="http://schemas.microsoft.com/office/drawing/2010/main">
                 <a:effectLst>
                   <a:outerShdw dist="35921" dir="2700000" algn="ctr" rotWithShape="0">
                     <a:schemeClr val="bg2"/>
@@ -17569,7 +16892,7 @@
           <a:blip r:embed="rId4">
             <a:extLst>
               <a:ext uri="{28A0092B-C50C-407E-A947-70E740481C1C}">
-                <a14:useLocalDpi xmlns:a14="http://schemas.microsoft.com/office/drawing/2010/main" val="0"/>
+                <a14:useLocalDpi xmlns="" xmlns:a14="http://schemas.microsoft.com/office/drawing/2010/main" val="0"/>
               </a:ext>
             </a:extLst>
           </a:blip>
@@ -17605,14 +16928,14 @@
           </a:sp3d>
           <a:extLst>
             <a:ext uri="{909E8E84-426E-40DD-AFC4-6F175D3DCCD1}">
-              <a14:hiddenFill xmlns:a14="http://schemas.microsoft.com/office/drawing/2010/main">
+              <a14:hiddenFill xmlns="" xmlns:a14="http://schemas.microsoft.com/office/drawing/2010/main">
                 <a:solidFill>
                   <a:schemeClr val="accent1"/>
                 </a:solidFill>
               </a14:hiddenFill>
             </a:ext>
             <a:ext uri="{91240B29-F687-4F45-9708-019B960494DF}">
-              <a14:hiddenLine xmlns:a14="http://schemas.microsoft.com/office/drawing/2010/main" w="9525">
+              <a14:hiddenLine xmlns="" xmlns:a14="http://schemas.microsoft.com/office/drawing/2010/main" w="9525">
                 <a:solidFill>
                   <a:schemeClr val="tx1"/>
                 </a:solidFill>
@@ -17622,7 +16945,7 @@
               </a14:hiddenLine>
             </a:ext>
             <a:ext uri="{AF507438-7753-43E0-B8FC-AC1667EBCBE1}">
-              <a14:hiddenEffects xmlns:a14="http://schemas.microsoft.com/office/drawing/2010/main">
+              <a14:hiddenEffects xmlns="" xmlns:a14="http://schemas.microsoft.com/office/drawing/2010/main">
                 <a:effectLst>
                   <a:outerShdw dist="35921" dir="2700000" algn="ctr" rotWithShape="0">
                     <a:schemeClr val="bg2"/>
@@ -17636,7 +16959,7 @@
     </p:spTree>
     <p:extLst>
       <p:ext uri="{BB962C8B-B14F-4D97-AF65-F5344CB8AC3E}">
-        <p14:creationId xmlns:p14="http://schemas.microsoft.com/office/powerpoint/2010/main" val="3882451899"/>
+        <p14:creationId xmlns="" xmlns:p14="http://schemas.microsoft.com/office/powerpoint/2010/main" val="3882451899"/>
       </p:ext>
     </p:extLst>
   </p:cSld>
@@ -18386,6 +17709,7 @@
           <a:p>
             <a:fld id="{8CFF1A1A-5B53-436D-9EFB-6B8EE7A50023}" type="slidenum">
               <a:rPr lang="en-US" smtClean="0"/>
+              <a:pPr/>
               <a:t>16</a:t>
             </a:fld>
             <a:endParaRPr lang="en-US"/>
@@ -19510,7 +18834,7 @@
     </p:spTree>
     <p:extLst>
       <p:ext uri="{BB962C8B-B14F-4D97-AF65-F5344CB8AC3E}">
-        <p14:creationId xmlns:p14="http://schemas.microsoft.com/office/powerpoint/2010/main" val="2877926122"/>
+        <p14:creationId xmlns="" xmlns:p14="http://schemas.microsoft.com/office/powerpoint/2010/main" val="2877926122"/>
       </p:ext>
     </p:extLst>
   </p:cSld>
@@ -19914,6 +19238,7 @@
           <a:p>
             <a:fld id="{8CFF1A1A-5B53-436D-9EFB-6B8EE7A50023}" type="slidenum">
               <a:rPr lang="en-US" smtClean="0"/>
+              <a:pPr/>
               <a:t>17</a:t>
             </a:fld>
             <a:endParaRPr lang="en-US"/>
@@ -20109,7 +19434,7 @@
     </p:spTree>
     <p:extLst>
       <p:ext uri="{BB962C8B-B14F-4D97-AF65-F5344CB8AC3E}">
-        <p14:creationId xmlns:p14="http://schemas.microsoft.com/office/powerpoint/2010/main" val="2577714465"/>
+        <p14:creationId xmlns="" xmlns:p14="http://schemas.microsoft.com/office/powerpoint/2010/main" val="2577714465"/>
       </p:ext>
     </p:extLst>
   </p:cSld>
@@ -20357,6 +19682,7 @@
           <a:p>
             <a:fld id="{8CFF1A1A-5B53-436D-9EFB-6B8EE7A50023}" type="slidenum">
               <a:rPr lang="en-US" smtClean="0"/>
+              <a:pPr/>
               <a:t>18</a:t>
             </a:fld>
             <a:endParaRPr lang="en-US"/>
@@ -21307,7 +20633,7 @@
     </p:spTree>
     <p:extLst>
       <p:ext uri="{BB962C8B-B14F-4D97-AF65-F5344CB8AC3E}">
-        <p14:creationId xmlns:p14="http://schemas.microsoft.com/office/powerpoint/2010/main" val="4256170751"/>
+        <p14:creationId xmlns="" xmlns:p14="http://schemas.microsoft.com/office/powerpoint/2010/main" val="4256170751"/>
       </p:ext>
     </p:extLst>
   </p:cSld>
@@ -21633,6 +20959,7 @@
           <a:p>
             <a:fld id="{8CFF1A1A-5B53-436D-9EFB-6B8EE7A50023}" type="slidenum">
               <a:rPr lang="en-US" smtClean="0"/>
+              <a:pPr/>
               <a:t>19</a:t>
             </a:fld>
             <a:endParaRPr lang="en-US"/>
@@ -21858,7 +21185,7 @@
     </p:spTree>
     <p:extLst>
       <p:ext uri="{BB962C8B-B14F-4D97-AF65-F5344CB8AC3E}">
-        <p14:creationId xmlns:p14="http://schemas.microsoft.com/office/powerpoint/2010/main" val="427066969"/>
+        <p14:creationId xmlns="" xmlns:p14="http://schemas.microsoft.com/office/powerpoint/2010/main" val="427066969"/>
       </p:ext>
     </p:extLst>
   </p:cSld>
@@ -22418,6 +21745,7 @@
           <a:p>
             <a:fld id="{8CFF1A1A-5B53-436D-9EFB-6B8EE7A50023}" type="slidenum">
               <a:rPr lang="en-US" smtClean="0"/>
+              <a:pPr/>
               <a:t>2</a:t>
             </a:fld>
             <a:endParaRPr lang="en-US"/>
@@ -22438,7 +21766,7 @@
           <a:blip r:embed="rId2">
             <a:extLst>
               <a:ext uri="{28A0092B-C50C-407E-A947-70E740481C1C}">
-                <a14:useLocalDpi xmlns:a14="http://schemas.microsoft.com/office/drawing/2010/main" val="0"/>
+                <a14:useLocalDpi xmlns="" xmlns:a14="http://schemas.microsoft.com/office/drawing/2010/main" val="0"/>
               </a:ext>
             </a:extLst>
           </a:blip>
@@ -22449,8 +21777,8 @@
         </p:blipFill>
         <p:spPr bwMode="auto">
           <a:xfrm>
-            <a:off x="1600200" y="2041398"/>
-            <a:ext cx="5943600" cy="4130802"/>
+            <a:off x="381000" y="1828800"/>
+            <a:ext cx="4343400" cy="3811555"/>
           </a:xfrm>
           <a:prstGeom prst="rect">
             <a:avLst/>
@@ -22467,7 +21795,7 @@
           </a:effectLst>
           <a:extLst>
             <a:ext uri="{909E8E84-426E-40DD-AFC4-6F175D3DCCD1}">
-              <a14:hiddenFill xmlns:a14="http://schemas.microsoft.com/office/drawing/2010/main">
+              <a14:hiddenFill xmlns="" xmlns:a14="http://schemas.microsoft.com/office/drawing/2010/main">
                 <a:solidFill>
                   <a:srgbClr val="FFFFFF"/>
                 </a:solidFill>
@@ -22478,370 +21806,53 @@
       </p:pic>
       <p:sp>
         <p:nvSpPr>
-          <p:cNvPr id="4" name="Rectangle 3"/>
+          <p:cNvPr id="6" name="Chevron 5"/>
           <p:cNvSpPr/>
           <p:nvPr/>
         </p:nvSpPr>
         <p:spPr>
-          <a:xfrm>
-            <a:off x="1524000" y="2057400"/>
-            <a:ext cx="6019800" cy="3785652"/>
+          <a:xfrm flipH="1">
+            <a:off x="5181600" y="2743200"/>
+            <a:ext cx="3962400" cy="1981200"/>
           </a:xfrm>
-          <a:prstGeom prst="rect">
-            <a:avLst/>
+          <a:prstGeom prst="chevron">
+            <a:avLst>
+              <a:gd name="adj" fmla="val 26350"/>
+            </a:avLst>
           </a:prstGeom>
-          <a:ln>
-            <a:noFill/>
-          </a:ln>
-          <a:effectLst>
-            <a:outerShdw blurRad="50800" dist="38100" dir="18900000" algn="bl" rotWithShape="0">
-              <a:prstClr val="black">
-                <a:alpha val="40000"/>
-              </a:prstClr>
-            </a:outerShdw>
-          </a:effectLst>
-          <a:scene3d>
-            <a:camera prst="orthographicFront">
-              <a:rot lat="0" lon="0" rev="0"/>
-            </a:camera>
-            <a:lightRig rig="balanced" dir="t">
-              <a:rot lat="0" lon="0" rev="8700000"/>
-            </a:lightRig>
-          </a:scene3d>
-          <a:sp3d>
-            <a:bevelT w="190500" h="38100"/>
-          </a:sp3d>
         </p:spPr>
+        <p:style>
+          <a:lnRef idx="1">
+            <a:schemeClr val="accent1"/>
+          </a:lnRef>
+          <a:fillRef idx="2">
+            <a:schemeClr val="accent1"/>
+          </a:fillRef>
+          <a:effectRef idx="1">
+            <a:schemeClr val="accent1"/>
+          </a:effectRef>
+          <a:fontRef idx="minor">
+            <a:schemeClr val="dk1"/>
+          </a:fontRef>
+        </p:style>
         <p:txBody>
-          <a:bodyPr wrap="square">
-            <a:spAutoFit/>
-          </a:bodyPr>
+          <a:bodyPr rtlCol="0" anchor="ctr"/>
           <a:lstStyle/>
           <a:p>
             <a:pPr algn="just"/>
             <a:r>
-              <a:rPr lang="en-US" sz="6000" b="1" dirty="0" err="1" smtClean="0">
-                <a:solidFill>
-                  <a:srgbClr val="009900"/>
-                </a:solidFill>
-                <a:latin typeface="Times New Roman" pitchFamily="18" charset="0"/>
-                <a:cs typeface="Times New Roman" pitchFamily="18" charset="0"/>
-              </a:rPr>
-              <a:t>Làm</a:t>
-            </a:r>
-            <a:r>
-              <a:rPr lang="en-US" sz="6000" b="1" dirty="0" smtClean="0">
-                <a:solidFill>
-                  <a:srgbClr val="009900"/>
-                </a:solidFill>
-                <a:latin typeface="Times New Roman" pitchFamily="18" charset="0"/>
-                <a:cs typeface="Times New Roman" pitchFamily="18" charset="0"/>
-              </a:rPr>
-              <a:t> </a:t>
-            </a:r>
-            <a:r>
-              <a:rPr lang="en-US" sz="6000" b="1" dirty="0" err="1" smtClean="0">
-                <a:solidFill>
-                  <a:srgbClr val="009900"/>
-                </a:solidFill>
-                <a:latin typeface="Times New Roman" pitchFamily="18" charset="0"/>
-                <a:cs typeface="Times New Roman" pitchFamily="18" charset="0"/>
-              </a:rPr>
-              <a:t>thế</a:t>
-            </a:r>
-            <a:r>
-              <a:rPr lang="en-US" sz="6000" b="1" dirty="0" smtClean="0">
-                <a:solidFill>
-                  <a:srgbClr val="009900"/>
-                </a:solidFill>
-                <a:latin typeface="Times New Roman" pitchFamily="18" charset="0"/>
-                <a:cs typeface="Times New Roman" pitchFamily="18" charset="0"/>
-              </a:rPr>
-              <a:t> </a:t>
-            </a:r>
-            <a:r>
-              <a:rPr lang="en-US" sz="6000" b="1" dirty="0" err="1" smtClean="0">
-                <a:solidFill>
-                  <a:srgbClr val="009900"/>
-                </a:solidFill>
-                <a:latin typeface="Times New Roman" pitchFamily="18" charset="0"/>
-                <a:cs typeface="Times New Roman" pitchFamily="18" charset="0"/>
-              </a:rPr>
-              <a:t>nào</a:t>
-            </a:r>
-            <a:r>
-              <a:rPr lang="en-US" sz="6000" b="1" dirty="0" smtClean="0">
-                <a:solidFill>
-                  <a:srgbClr val="009900"/>
-                </a:solidFill>
-                <a:latin typeface="Times New Roman" pitchFamily="18" charset="0"/>
-                <a:cs typeface="Times New Roman" pitchFamily="18" charset="0"/>
-              </a:rPr>
-              <a:t> </a:t>
-            </a:r>
-            <a:r>
-              <a:rPr lang="en-US" sz="6000" b="1" dirty="0" err="1" smtClean="0">
-                <a:solidFill>
-                  <a:srgbClr val="009900"/>
-                </a:solidFill>
-                <a:latin typeface="Times New Roman" pitchFamily="18" charset="0"/>
-                <a:cs typeface="Times New Roman" pitchFamily="18" charset="0"/>
-              </a:rPr>
-              <a:t>để</a:t>
-            </a:r>
-            <a:r>
-              <a:rPr lang="en-US" sz="6000" b="1" dirty="0" smtClean="0">
-                <a:solidFill>
-                  <a:srgbClr val="009900"/>
-                </a:solidFill>
-                <a:latin typeface="Times New Roman" pitchFamily="18" charset="0"/>
-                <a:cs typeface="Times New Roman" pitchFamily="18" charset="0"/>
-              </a:rPr>
-              <a:t> </a:t>
-            </a:r>
-            <a:r>
-              <a:rPr lang="en-US" sz="6000" b="1" dirty="0" err="1" smtClean="0">
-                <a:solidFill>
-                  <a:srgbClr val="009900"/>
-                </a:solidFill>
-                <a:latin typeface="Times New Roman" pitchFamily="18" charset="0"/>
-                <a:cs typeface="Times New Roman" pitchFamily="18" charset="0"/>
-              </a:rPr>
-              <a:t>các</a:t>
-            </a:r>
-            <a:r>
-              <a:rPr lang="en-US" sz="6000" b="1" dirty="0" smtClean="0">
-                <a:solidFill>
-                  <a:srgbClr val="009900"/>
-                </a:solidFill>
-                <a:latin typeface="Times New Roman" pitchFamily="18" charset="0"/>
-                <a:cs typeface="Times New Roman" pitchFamily="18" charset="0"/>
-              </a:rPr>
-              <a:t> </a:t>
-            </a:r>
-            <a:r>
-              <a:rPr lang="en-US" sz="6000" b="1" dirty="0" err="1" smtClean="0">
-                <a:solidFill>
-                  <a:srgbClr val="009900"/>
-                </a:solidFill>
-                <a:latin typeface="Times New Roman" pitchFamily="18" charset="0"/>
-                <a:cs typeface="Times New Roman" pitchFamily="18" charset="0"/>
-              </a:rPr>
-              <a:t>trò</a:t>
-            </a:r>
-            <a:r>
-              <a:rPr lang="en-US" sz="6000" b="1" dirty="0" smtClean="0">
-                <a:solidFill>
-                  <a:srgbClr val="009900"/>
-                </a:solidFill>
-                <a:latin typeface="Times New Roman" pitchFamily="18" charset="0"/>
-                <a:cs typeface="Times New Roman" pitchFamily="18" charset="0"/>
-              </a:rPr>
-              <a:t> </a:t>
-            </a:r>
-            <a:r>
-              <a:rPr lang="en-US" sz="6000" b="1" dirty="0" err="1" smtClean="0">
-                <a:solidFill>
-                  <a:srgbClr val="009900"/>
-                </a:solidFill>
-                <a:latin typeface="Times New Roman" pitchFamily="18" charset="0"/>
-                <a:cs typeface="Times New Roman" pitchFamily="18" charset="0"/>
-              </a:rPr>
-              <a:t>chơi</a:t>
-            </a:r>
-            <a:r>
-              <a:rPr lang="en-US" sz="6000" b="1" dirty="0" smtClean="0">
-                <a:solidFill>
-                  <a:srgbClr val="009900"/>
-                </a:solidFill>
-                <a:latin typeface="Times New Roman" pitchFamily="18" charset="0"/>
-                <a:cs typeface="Times New Roman" pitchFamily="18" charset="0"/>
-              </a:rPr>
-              <a:t> </a:t>
-            </a:r>
-            <a:r>
-              <a:rPr lang="en-US" sz="6000" b="1" dirty="0" err="1" smtClean="0">
-                <a:solidFill>
-                  <a:srgbClr val="009900"/>
-                </a:solidFill>
-                <a:latin typeface="Times New Roman" pitchFamily="18" charset="0"/>
-                <a:cs typeface="Times New Roman" pitchFamily="18" charset="0"/>
-              </a:rPr>
-              <a:t>thực</a:t>
-            </a:r>
-            <a:r>
-              <a:rPr lang="en-US" sz="6000" b="1" dirty="0" smtClean="0">
-                <a:solidFill>
-                  <a:srgbClr val="009900"/>
-                </a:solidFill>
-                <a:latin typeface="Times New Roman" pitchFamily="18" charset="0"/>
-                <a:cs typeface="Times New Roman" pitchFamily="18" charset="0"/>
-              </a:rPr>
-              <a:t> </a:t>
-            </a:r>
-            <a:r>
-              <a:rPr lang="en-US" sz="6000" b="1" dirty="0" err="1" smtClean="0">
-                <a:solidFill>
-                  <a:srgbClr val="009900"/>
-                </a:solidFill>
-                <a:latin typeface="Times New Roman" pitchFamily="18" charset="0"/>
-                <a:cs typeface="Times New Roman" pitchFamily="18" charset="0"/>
-              </a:rPr>
-              <a:t>sự</a:t>
-            </a:r>
-            <a:r>
-              <a:rPr lang="en-US" sz="6000" b="1" dirty="0" smtClean="0">
-                <a:solidFill>
-                  <a:srgbClr val="009900"/>
-                </a:solidFill>
-                <a:latin typeface="Times New Roman" pitchFamily="18" charset="0"/>
-                <a:cs typeface="Times New Roman" pitchFamily="18" charset="0"/>
-              </a:rPr>
-              <a:t> </a:t>
-            </a:r>
-            <a:r>
-              <a:rPr lang="en-US" sz="6000" b="1" dirty="0" err="1" smtClean="0">
-                <a:solidFill>
-                  <a:srgbClr val="009900"/>
-                </a:solidFill>
-                <a:latin typeface="Times New Roman" pitchFamily="18" charset="0"/>
-                <a:cs typeface="Times New Roman" pitchFamily="18" charset="0"/>
-              </a:rPr>
-              <a:t>là</a:t>
-            </a:r>
-            <a:r>
-              <a:rPr lang="en-US" sz="6000" b="1" dirty="0" smtClean="0">
-                <a:solidFill>
-                  <a:srgbClr val="009900"/>
-                </a:solidFill>
-                <a:latin typeface="Times New Roman" pitchFamily="18" charset="0"/>
-                <a:cs typeface="Times New Roman" pitchFamily="18" charset="0"/>
-              </a:rPr>
-              <a:t> </a:t>
-            </a:r>
-            <a:r>
-              <a:rPr lang="en-US" sz="6000" b="1" dirty="0" err="1" smtClean="0">
-                <a:solidFill>
-                  <a:srgbClr val="009900"/>
-                </a:solidFill>
-                <a:latin typeface="Times New Roman" pitchFamily="18" charset="0"/>
-                <a:cs typeface="Times New Roman" pitchFamily="18" charset="0"/>
-              </a:rPr>
-              <a:t>hữu</a:t>
-            </a:r>
-            <a:r>
-              <a:rPr lang="en-US" sz="6000" b="1" dirty="0" smtClean="0">
-                <a:solidFill>
-                  <a:srgbClr val="009900"/>
-                </a:solidFill>
-                <a:latin typeface="Times New Roman" pitchFamily="18" charset="0"/>
-                <a:cs typeface="Times New Roman" pitchFamily="18" charset="0"/>
-              </a:rPr>
-              <a:t> </a:t>
-            </a:r>
-            <a:r>
-              <a:rPr lang="en-US" sz="6000" b="1" dirty="0" err="1" smtClean="0">
-                <a:solidFill>
-                  <a:srgbClr val="009900"/>
-                </a:solidFill>
-                <a:latin typeface="Times New Roman" pitchFamily="18" charset="0"/>
-                <a:cs typeface="Times New Roman" pitchFamily="18" charset="0"/>
-              </a:rPr>
-              <a:t>ích</a:t>
-            </a:r>
-            <a:r>
-              <a:rPr lang="en-US" sz="6000" b="1" dirty="0" smtClean="0">
-                <a:solidFill>
-                  <a:srgbClr val="009900"/>
-                </a:solidFill>
-                <a:latin typeface="Times New Roman" pitchFamily="18" charset="0"/>
-                <a:cs typeface="Times New Roman" pitchFamily="18" charset="0"/>
-              </a:rPr>
-              <a:t> </a:t>
-            </a:r>
-            <a:r>
-              <a:rPr lang="en-US" sz="6000" b="1" dirty="0" err="1" smtClean="0">
-                <a:solidFill>
-                  <a:srgbClr val="009900"/>
-                </a:solidFill>
-                <a:latin typeface="Times New Roman" pitchFamily="18" charset="0"/>
-                <a:cs typeface="Times New Roman" pitchFamily="18" charset="0"/>
-              </a:rPr>
-              <a:t>đối</a:t>
-            </a:r>
-            <a:r>
-              <a:rPr lang="en-US" sz="6000" b="1" dirty="0" smtClean="0">
-                <a:solidFill>
-                  <a:srgbClr val="009900"/>
-                </a:solidFill>
-                <a:latin typeface="Times New Roman" pitchFamily="18" charset="0"/>
-                <a:cs typeface="Times New Roman" pitchFamily="18" charset="0"/>
-              </a:rPr>
-              <a:t> </a:t>
-            </a:r>
-            <a:r>
-              <a:rPr lang="en-US" sz="6000" b="1" dirty="0" err="1" smtClean="0">
-                <a:solidFill>
-                  <a:srgbClr val="009900"/>
-                </a:solidFill>
-                <a:latin typeface="Times New Roman" pitchFamily="18" charset="0"/>
-                <a:cs typeface="Times New Roman" pitchFamily="18" charset="0"/>
-              </a:rPr>
-              <a:t>với</a:t>
-            </a:r>
-            <a:r>
-              <a:rPr lang="en-US" sz="6000" b="1" dirty="0" smtClean="0">
-                <a:solidFill>
-                  <a:srgbClr val="009900"/>
-                </a:solidFill>
-                <a:latin typeface="Times New Roman" pitchFamily="18" charset="0"/>
-                <a:cs typeface="Times New Roman" pitchFamily="18" charset="0"/>
-              </a:rPr>
-              <a:t> </a:t>
-            </a:r>
-            <a:r>
-              <a:rPr lang="en-US" sz="6000" b="1" dirty="0" err="1" smtClean="0">
-                <a:solidFill>
-                  <a:srgbClr val="009900"/>
-                </a:solidFill>
-                <a:latin typeface="Times New Roman" pitchFamily="18" charset="0"/>
-                <a:cs typeface="Times New Roman" pitchFamily="18" charset="0"/>
-              </a:rPr>
-              <a:t>các</a:t>
-            </a:r>
-            <a:r>
-              <a:rPr lang="en-US" sz="6000" b="1" dirty="0" smtClean="0">
-                <a:solidFill>
-                  <a:srgbClr val="009900"/>
-                </a:solidFill>
-                <a:latin typeface="Times New Roman" pitchFamily="18" charset="0"/>
-                <a:cs typeface="Times New Roman" pitchFamily="18" charset="0"/>
-              </a:rPr>
-              <a:t> </a:t>
-            </a:r>
-            <a:r>
-              <a:rPr lang="en-US" sz="6000" b="1" dirty="0" err="1" smtClean="0">
-                <a:solidFill>
-                  <a:srgbClr val="009900"/>
-                </a:solidFill>
-                <a:latin typeface="Times New Roman" pitchFamily="18" charset="0"/>
-                <a:cs typeface="Times New Roman" pitchFamily="18" charset="0"/>
-              </a:rPr>
-              <a:t>em</a:t>
-            </a:r>
-            <a:r>
-              <a:rPr lang="en-US" sz="6000" b="1" dirty="0" smtClean="0">
-                <a:solidFill>
-                  <a:srgbClr val="009900"/>
-                </a:solidFill>
-                <a:latin typeface="Times New Roman" pitchFamily="18" charset="0"/>
-                <a:cs typeface="Times New Roman" pitchFamily="18" charset="0"/>
-              </a:rPr>
-              <a:t>?</a:t>
-            </a:r>
-            <a:endParaRPr lang="en-US" sz="6000" b="1" dirty="0">
+              <a:rPr lang="en-US" sz="2800" b="1" smtClean="0">
+                <a:solidFill>
+                  <a:srgbClr val="C00000"/>
+                </a:solidFill>
+                <a:latin typeface="Times New Roman" pitchFamily="18" charset="0"/>
+                <a:cs typeface="Times New Roman" pitchFamily="18" charset="0"/>
+              </a:rPr>
+              <a:t>Làm thế nào để các trò chơi thực sự là hữu ích đối với các em?</a:t>
+            </a:r>
+            <a:endParaRPr lang="en-US" sz="2800" b="1" dirty="0">
               <a:solidFill>
-                <a:srgbClr val="009900"/>
+                <a:srgbClr val="C00000"/>
               </a:solidFill>
               <a:latin typeface="Times New Roman" pitchFamily="18" charset="0"/>
               <a:cs typeface="Times New Roman" pitchFamily="18" charset="0"/>
@@ -22852,7 +21863,7 @@
     </p:spTree>
     <p:extLst>
       <p:ext uri="{BB962C8B-B14F-4D97-AF65-F5344CB8AC3E}">
-        <p14:creationId xmlns:p14="http://schemas.microsoft.com/office/powerpoint/2010/main" val="1933825726"/>
+        <p14:creationId xmlns="" xmlns:p14="http://schemas.microsoft.com/office/powerpoint/2010/main" val="1933825726"/>
       </p:ext>
     </p:extLst>
   </p:cSld>
@@ -22871,6 +21882,9 @@
                     <p:cTn id="3" fill="hold">
                       <p:stCondLst>
                         <p:cond delay="indefinite"/>
+                        <p:cond evt="onBegin" delay="0">
+                          <p:tn val="2"/>
+                        </p:cond>
                       </p:stCondLst>
                       <p:childTnLst>
                         <p:par>
@@ -22880,7 +21894,7 @@
                             </p:stCondLst>
                             <p:childTnLst>
                               <p:par>
-                                <p:cTn id="5" presetID="53" presetClass="entr" presetSubtype="16" fill="hold" nodeType="clickEffect">
+                                <p:cTn id="5" presetID="53" presetClass="entr" presetSubtype="16" fill="hold" nodeType="withEffect">
                                   <p:stCondLst>
                                     <p:cond delay="0"/>
                                   </p:stCondLst>
@@ -22905,7 +21919,7 @@
                                     </p:set>
                                     <p:anim calcmode="lin" valueType="num">
                                       <p:cBhvr>
-                                        <p:cTn id="7" dur="500" fill="hold"/>
+                                        <p:cTn id="7" dur="1000" fill="hold"/>
                                         <p:tgtEl>
                                           <p:spTgt spid="7"/>
                                         </p:tgtEl>
@@ -22928,7 +21942,7 @@
                                     </p:anim>
                                     <p:anim calcmode="lin" valueType="num">
                                       <p:cBhvr>
-                                        <p:cTn id="8" dur="500" fill="hold"/>
+                                        <p:cTn id="8" dur="1000" fill="hold"/>
                                         <p:tgtEl>
                                           <p:spTgt spid="7"/>
                                         </p:tgtEl>
@@ -22951,7 +21965,7 @@
                                     </p:anim>
                                     <p:animEffect transition="in" filter="fade">
                                       <p:cBhvr>
-                                        <p:cTn id="9" dur="500"/>
+                                        <p:cTn id="9" dur="1000"/>
                                         <p:tgtEl>
                                           <p:spTgt spid="7"/>
                                         </p:tgtEl>
@@ -22979,7 +21993,7 @@
                             </p:stCondLst>
                             <p:childTnLst>
                               <p:par>
-                                <p:cTn id="12" presetID="10" presetClass="entr" presetSubtype="0" fill="hold" grpId="0" nodeType="clickEffect">
+                                <p:cTn id="12" presetID="3" presetClass="entr" presetSubtype="10" fill="hold" grpId="0" nodeType="clickEffect">
                                   <p:stCondLst>
                                     <p:cond delay="0"/>
                                   </p:stCondLst>
@@ -22992,7 +22006,7 @@
                                           </p:stCondLst>
                                         </p:cTn>
                                         <p:tgtEl>
-                                          <p:spTgt spid="4"/>
+                                          <p:spTgt spid="6"/>
                                         </p:tgtEl>
                                         <p:attrNameLst>
                                           <p:attrName>style.visibility</p:attrName>
@@ -23002,11 +22016,11 @@
                                         <p:strVal val="visible"/>
                                       </p:to>
                                     </p:set>
-                                    <p:animEffect transition="in" filter="fade">
+                                    <p:animEffect transition="in" filter="blinds(horizontal)">
                                       <p:cBhvr>
                                         <p:cTn id="14" dur="500"/>
                                         <p:tgtEl>
-                                          <p:spTgt spid="4"/>
+                                          <p:spTgt spid="6"/>
                                         </p:tgtEl>
                                       </p:cBhvr>
                                     </p:animEffect>
@@ -23041,7 +22055,7 @@
       </p:par>
     </p:tnLst>
     <p:bldLst>
-      <p:bldP spid="4" grpId="0"/>
+      <p:bldP spid="6" grpId="0" animBg="1"/>
     </p:bldLst>
   </p:timing>
 </p:sld>
@@ -23317,6 +22331,7 @@
           <a:p>
             <a:fld id="{8CFF1A1A-5B53-436D-9EFB-6B8EE7A50023}" type="slidenum">
               <a:rPr lang="en-US" smtClean="0"/>
+              <a:pPr/>
               <a:t>20</a:t>
             </a:fld>
             <a:endParaRPr lang="en-US"/>
@@ -23521,7 +22536,7 @@
           <a:blip r:embed="rId3">
             <a:extLst>
               <a:ext uri="{28A0092B-C50C-407E-A947-70E740481C1C}">
-                <a14:useLocalDpi xmlns:a14="http://schemas.microsoft.com/office/drawing/2010/main" val="0"/>
+                <a14:useLocalDpi xmlns="" xmlns:a14="http://schemas.microsoft.com/office/drawing/2010/main" val="0"/>
               </a:ext>
             </a:extLst>
           </a:blip>
@@ -23545,14 +22560,14 @@
           <a:effectLst/>
           <a:extLst>
             <a:ext uri="{909E8E84-426E-40DD-AFC4-6F175D3DCCD1}">
-              <a14:hiddenFill xmlns:a14="http://schemas.microsoft.com/office/drawing/2010/main">
+              <a14:hiddenFill xmlns="" xmlns:a14="http://schemas.microsoft.com/office/drawing/2010/main">
                 <a:solidFill>
                   <a:schemeClr val="accent1"/>
                 </a:solidFill>
               </a14:hiddenFill>
             </a:ext>
             <a:ext uri="{91240B29-F687-4F45-9708-019B960494DF}">
-              <a14:hiddenLine xmlns:a14="http://schemas.microsoft.com/office/drawing/2010/main" w="9525">
+              <a14:hiddenLine xmlns="" xmlns:a14="http://schemas.microsoft.com/office/drawing/2010/main" w="9525">
                 <a:solidFill>
                   <a:schemeClr val="tx1"/>
                 </a:solidFill>
@@ -23562,7 +22577,7 @@
               </a14:hiddenLine>
             </a:ext>
             <a:ext uri="{AF507438-7753-43E0-B8FC-AC1667EBCBE1}">
-              <a14:hiddenEffects xmlns:a14="http://schemas.microsoft.com/office/drawing/2010/main">
+              <a14:hiddenEffects xmlns="" xmlns:a14="http://schemas.microsoft.com/office/drawing/2010/main">
                 <a:effectLst>
                   <a:outerShdw dist="35921" dir="2700000" algn="ctr" rotWithShape="0">
                     <a:schemeClr val="bg2"/>
@@ -23576,7 +22591,7 @@
     </p:spTree>
     <p:extLst>
       <p:ext uri="{BB962C8B-B14F-4D97-AF65-F5344CB8AC3E}">
-        <p14:creationId xmlns:p14="http://schemas.microsoft.com/office/powerpoint/2010/main" val="3308804477"/>
+        <p14:creationId xmlns="" xmlns:p14="http://schemas.microsoft.com/office/powerpoint/2010/main" val="3308804477"/>
       </p:ext>
     </p:extLst>
   </p:cSld>
@@ -23612,6 +22627,531 @@
       </p:grpSpPr>
       <p:sp>
         <p:nvSpPr>
+          <p:cNvPr id="5" name="Slide Number Placeholder 4"/>
+          <p:cNvSpPr>
+            <a:spLocks noGrp="1"/>
+          </p:cNvSpPr>
+          <p:nvPr>
+            <p:ph type="sldNum" sz="quarter" idx="12"/>
+          </p:nvPr>
+        </p:nvSpPr>
+        <p:spPr/>
+        <p:txBody>
+          <a:bodyPr/>
+          <a:lstStyle/>
+          <a:p>
+            <a:fld id="{8CFF1A1A-5B53-436D-9EFB-6B8EE7A50023}" type="slidenum">
+              <a:rPr lang="en-US" smtClean="0"/>
+              <a:pPr/>
+              <a:t>21</a:t>
+            </a:fld>
+            <a:endParaRPr lang="en-US"/>
+          </a:p>
+        </p:txBody>
+      </p:sp>
+      <p:sp>
+        <p:nvSpPr>
+          <p:cNvPr id="3" name="Title 2"/>
+          <p:cNvSpPr>
+            <a:spLocks noGrp="1"/>
+          </p:cNvSpPr>
+          <p:nvPr>
+            <p:ph type="ctrTitle"/>
+          </p:nvPr>
+        </p:nvSpPr>
+        <p:spPr>
+          <a:xfrm>
+            <a:off x="685800" y="2895600"/>
+            <a:ext cx="7772400" cy="1470025"/>
+          </a:xfrm>
+        </p:spPr>
+        <p:txBody>
+          <a:bodyPr>
+            <a:normAutofit/>
+          </a:bodyPr>
+          <a:lstStyle/>
+          <a:p>
+            <a:r>
+              <a:rPr lang="en-US" sz="6600" b="1" dirty="0" err="1" smtClean="0">
+                <a:ln w="1905"/>
+                <a:gradFill>
+                  <a:gsLst>
+                    <a:gs pos="0">
+                      <a:schemeClr val="accent6">
+                        <a:shade val="20000"/>
+                        <a:satMod val="200000"/>
+                      </a:schemeClr>
+                    </a:gs>
+                    <a:gs pos="78000">
+                      <a:schemeClr val="accent6">
+                        <a:tint val="90000"/>
+                        <a:shade val="89000"/>
+                        <a:satMod val="220000"/>
+                      </a:schemeClr>
+                    </a:gs>
+                    <a:gs pos="100000">
+                      <a:schemeClr val="accent6">
+                        <a:tint val="12000"/>
+                        <a:satMod val="255000"/>
+                      </a:schemeClr>
+                    </a:gs>
+                  </a:gsLst>
+                  <a:lin ang="5400000"/>
+                </a:gradFill>
+                <a:effectLst>
+                  <a:innerShdw blurRad="69850" dist="43180" dir="5400000">
+                    <a:srgbClr val="000000">
+                      <a:alpha val="65000"/>
+                    </a:srgbClr>
+                  </a:innerShdw>
+                </a:effectLst>
+                <a:latin typeface="Times New Roman" pitchFamily="18" charset="0"/>
+                <a:cs typeface="Times New Roman" pitchFamily="18" charset="0"/>
+              </a:rPr>
+              <a:t>Trân</a:t>
+            </a:r>
+            <a:r>
+              <a:rPr lang="en-US" sz="6600" b="1" dirty="0" smtClean="0">
+                <a:ln w="1905"/>
+                <a:gradFill>
+                  <a:gsLst>
+                    <a:gs pos="0">
+                      <a:schemeClr val="accent6">
+                        <a:shade val="20000"/>
+                        <a:satMod val="200000"/>
+                      </a:schemeClr>
+                    </a:gs>
+                    <a:gs pos="78000">
+                      <a:schemeClr val="accent6">
+                        <a:tint val="90000"/>
+                        <a:shade val="89000"/>
+                        <a:satMod val="220000"/>
+                      </a:schemeClr>
+                    </a:gs>
+                    <a:gs pos="100000">
+                      <a:schemeClr val="accent6">
+                        <a:tint val="12000"/>
+                        <a:satMod val="255000"/>
+                      </a:schemeClr>
+                    </a:gs>
+                  </a:gsLst>
+                  <a:lin ang="5400000"/>
+                </a:gradFill>
+                <a:effectLst>
+                  <a:innerShdw blurRad="69850" dist="43180" dir="5400000">
+                    <a:srgbClr val="000000">
+                      <a:alpha val="65000"/>
+                    </a:srgbClr>
+                  </a:innerShdw>
+                </a:effectLst>
+                <a:latin typeface="Times New Roman" pitchFamily="18" charset="0"/>
+                <a:cs typeface="Times New Roman" pitchFamily="18" charset="0"/>
+              </a:rPr>
+              <a:t> </a:t>
+            </a:r>
+            <a:r>
+              <a:rPr lang="en-US" sz="6600" b="1" dirty="0" err="1" smtClean="0">
+                <a:ln w="1905"/>
+                <a:gradFill>
+                  <a:gsLst>
+                    <a:gs pos="0">
+                      <a:schemeClr val="accent6">
+                        <a:shade val="20000"/>
+                        <a:satMod val="200000"/>
+                      </a:schemeClr>
+                    </a:gs>
+                    <a:gs pos="78000">
+                      <a:schemeClr val="accent6">
+                        <a:tint val="90000"/>
+                        <a:shade val="89000"/>
+                        <a:satMod val="220000"/>
+                      </a:schemeClr>
+                    </a:gs>
+                    <a:gs pos="100000">
+                      <a:schemeClr val="accent6">
+                        <a:tint val="12000"/>
+                        <a:satMod val="255000"/>
+                      </a:schemeClr>
+                    </a:gs>
+                  </a:gsLst>
+                  <a:lin ang="5400000"/>
+                </a:gradFill>
+                <a:effectLst>
+                  <a:innerShdw blurRad="69850" dist="43180" dir="5400000">
+                    <a:srgbClr val="000000">
+                      <a:alpha val="65000"/>
+                    </a:srgbClr>
+                  </a:innerShdw>
+                </a:effectLst>
+                <a:latin typeface="Times New Roman" pitchFamily="18" charset="0"/>
+                <a:cs typeface="Times New Roman" pitchFamily="18" charset="0"/>
+              </a:rPr>
+              <a:t>trọng</a:t>
+            </a:r>
+            <a:r>
+              <a:rPr lang="en-US" sz="6600" b="1" dirty="0" smtClean="0">
+                <a:ln w="1905"/>
+                <a:gradFill>
+                  <a:gsLst>
+                    <a:gs pos="0">
+                      <a:schemeClr val="accent6">
+                        <a:shade val="20000"/>
+                        <a:satMod val="200000"/>
+                      </a:schemeClr>
+                    </a:gs>
+                    <a:gs pos="78000">
+                      <a:schemeClr val="accent6">
+                        <a:tint val="90000"/>
+                        <a:shade val="89000"/>
+                        <a:satMod val="220000"/>
+                      </a:schemeClr>
+                    </a:gs>
+                    <a:gs pos="100000">
+                      <a:schemeClr val="accent6">
+                        <a:tint val="12000"/>
+                        <a:satMod val="255000"/>
+                      </a:schemeClr>
+                    </a:gs>
+                  </a:gsLst>
+                  <a:lin ang="5400000"/>
+                </a:gradFill>
+                <a:effectLst>
+                  <a:innerShdw blurRad="69850" dist="43180" dir="5400000">
+                    <a:srgbClr val="000000">
+                      <a:alpha val="65000"/>
+                    </a:srgbClr>
+                  </a:innerShdw>
+                </a:effectLst>
+                <a:latin typeface="Times New Roman" pitchFamily="18" charset="0"/>
+                <a:cs typeface="Times New Roman" pitchFamily="18" charset="0"/>
+              </a:rPr>
+              <a:t> </a:t>
+            </a:r>
+            <a:r>
+              <a:rPr lang="en-US" sz="6600" b="1" dirty="0" err="1" smtClean="0">
+                <a:ln w="1905"/>
+                <a:gradFill>
+                  <a:gsLst>
+                    <a:gs pos="0">
+                      <a:schemeClr val="accent6">
+                        <a:shade val="20000"/>
+                        <a:satMod val="200000"/>
+                      </a:schemeClr>
+                    </a:gs>
+                    <a:gs pos="78000">
+                      <a:schemeClr val="accent6">
+                        <a:tint val="90000"/>
+                        <a:shade val="89000"/>
+                        <a:satMod val="220000"/>
+                      </a:schemeClr>
+                    </a:gs>
+                    <a:gs pos="100000">
+                      <a:schemeClr val="accent6">
+                        <a:tint val="12000"/>
+                        <a:satMod val="255000"/>
+                      </a:schemeClr>
+                    </a:gs>
+                  </a:gsLst>
+                  <a:lin ang="5400000"/>
+                </a:gradFill>
+                <a:effectLst>
+                  <a:innerShdw blurRad="69850" dist="43180" dir="5400000">
+                    <a:srgbClr val="000000">
+                      <a:alpha val="65000"/>
+                    </a:srgbClr>
+                  </a:innerShdw>
+                </a:effectLst>
+                <a:latin typeface="Times New Roman" pitchFamily="18" charset="0"/>
+                <a:cs typeface="Times New Roman" pitchFamily="18" charset="0"/>
+              </a:rPr>
+              <a:t>cảm</a:t>
+            </a:r>
+            <a:r>
+              <a:rPr lang="en-US" sz="6600" b="1" dirty="0" smtClean="0">
+                <a:ln w="1905"/>
+                <a:gradFill>
+                  <a:gsLst>
+                    <a:gs pos="0">
+                      <a:schemeClr val="accent6">
+                        <a:shade val="20000"/>
+                        <a:satMod val="200000"/>
+                      </a:schemeClr>
+                    </a:gs>
+                    <a:gs pos="78000">
+                      <a:schemeClr val="accent6">
+                        <a:tint val="90000"/>
+                        <a:shade val="89000"/>
+                        <a:satMod val="220000"/>
+                      </a:schemeClr>
+                    </a:gs>
+                    <a:gs pos="100000">
+                      <a:schemeClr val="accent6">
+                        <a:tint val="12000"/>
+                        <a:satMod val="255000"/>
+                      </a:schemeClr>
+                    </a:gs>
+                  </a:gsLst>
+                  <a:lin ang="5400000"/>
+                </a:gradFill>
+                <a:effectLst>
+                  <a:innerShdw blurRad="69850" dist="43180" dir="5400000">
+                    <a:srgbClr val="000000">
+                      <a:alpha val="65000"/>
+                    </a:srgbClr>
+                  </a:innerShdw>
+                </a:effectLst>
+                <a:latin typeface="Times New Roman" pitchFamily="18" charset="0"/>
+                <a:cs typeface="Times New Roman" pitchFamily="18" charset="0"/>
+              </a:rPr>
+              <a:t> </a:t>
+            </a:r>
+            <a:r>
+              <a:rPr lang="en-US" sz="6600" b="1" dirty="0" err="1" smtClean="0">
+                <a:ln w="1905"/>
+                <a:gradFill>
+                  <a:gsLst>
+                    <a:gs pos="0">
+                      <a:schemeClr val="accent6">
+                        <a:shade val="20000"/>
+                        <a:satMod val="200000"/>
+                      </a:schemeClr>
+                    </a:gs>
+                    <a:gs pos="78000">
+                      <a:schemeClr val="accent6">
+                        <a:tint val="90000"/>
+                        <a:shade val="89000"/>
+                        <a:satMod val="220000"/>
+                      </a:schemeClr>
+                    </a:gs>
+                    <a:gs pos="100000">
+                      <a:schemeClr val="accent6">
+                        <a:tint val="12000"/>
+                        <a:satMod val="255000"/>
+                      </a:schemeClr>
+                    </a:gs>
+                  </a:gsLst>
+                  <a:lin ang="5400000"/>
+                </a:gradFill>
+                <a:effectLst>
+                  <a:innerShdw blurRad="69850" dist="43180" dir="5400000">
+                    <a:srgbClr val="000000">
+                      <a:alpha val="65000"/>
+                    </a:srgbClr>
+                  </a:innerShdw>
+                </a:effectLst>
+                <a:latin typeface="Times New Roman" pitchFamily="18" charset="0"/>
+                <a:cs typeface="Times New Roman" pitchFamily="18" charset="0"/>
+              </a:rPr>
+              <a:t>ơn</a:t>
+            </a:r>
+            <a:r>
+              <a:rPr lang="en-US" sz="6600" b="1" dirty="0" smtClean="0">
+                <a:ln w="1905"/>
+                <a:gradFill>
+                  <a:gsLst>
+                    <a:gs pos="0">
+                      <a:schemeClr val="accent6">
+                        <a:shade val="20000"/>
+                        <a:satMod val="200000"/>
+                      </a:schemeClr>
+                    </a:gs>
+                    <a:gs pos="78000">
+                      <a:schemeClr val="accent6">
+                        <a:tint val="90000"/>
+                        <a:shade val="89000"/>
+                        <a:satMod val="220000"/>
+                      </a:schemeClr>
+                    </a:gs>
+                    <a:gs pos="100000">
+                      <a:schemeClr val="accent6">
+                        <a:tint val="12000"/>
+                        <a:satMod val="255000"/>
+                      </a:schemeClr>
+                    </a:gs>
+                  </a:gsLst>
+                  <a:lin ang="5400000"/>
+                </a:gradFill>
+                <a:effectLst>
+                  <a:innerShdw blurRad="69850" dist="43180" dir="5400000">
+                    <a:srgbClr val="000000">
+                      <a:alpha val="65000"/>
+                    </a:srgbClr>
+                  </a:innerShdw>
+                </a:effectLst>
+                <a:latin typeface="Times New Roman" pitchFamily="18" charset="0"/>
+                <a:cs typeface="Times New Roman" pitchFamily="18" charset="0"/>
+              </a:rPr>
+              <a:t>!</a:t>
+            </a:r>
+            <a:endParaRPr lang="en-US" sz="6600" dirty="0"/>
+          </a:p>
+        </p:txBody>
+      </p:sp>
+    </p:spTree>
+    <p:extLst>
+      <p:ext uri="{BB962C8B-B14F-4D97-AF65-F5344CB8AC3E}">
+        <p14:creationId xmlns="" xmlns:p14="http://schemas.microsoft.com/office/powerpoint/2010/main" val="1983077624"/>
+      </p:ext>
+    </p:extLst>
+  </p:cSld>
+  <p:clrMapOvr>
+    <a:masterClrMapping/>
+  </p:clrMapOvr>
+  <p:timing>
+    <p:tnLst>
+      <p:par>
+        <p:cTn id="1" dur="indefinite" restart="never" nodeType="tmRoot"/>
+      </p:par>
+    </p:tnLst>
+  </p:timing>
+</p:sld>
+</file>
+
+<file path=ppt/slides/slide22.xml><?xml version="1.0" encoding="utf-8"?>
+<p:sld xmlns:a="http://schemas.openxmlformats.org/drawingml/2006/main" xmlns:r="http://schemas.openxmlformats.org/officeDocument/2006/relationships" xmlns:p="http://schemas.openxmlformats.org/presentationml/2006/main">
+  <p:cSld>
+    <p:spTree>
+      <p:nvGrpSpPr>
+        <p:cNvPr id="1" name=""/>
+        <p:cNvGrpSpPr/>
+        <p:nvPr/>
+      </p:nvGrpSpPr>
+      <p:grpSpPr>
+        <a:xfrm>
+          <a:off x="0" y="0"/>
+          <a:ext cx="0" cy="0"/>
+          <a:chOff x="0" y="0"/>
+          <a:chExt cx="0" cy="0"/>
+        </a:xfrm>
+      </p:grpSpPr>
+      <p:sp>
+        <p:nvSpPr>
+          <p:cNvPr id="5" name="Slide Number Placeholder 4"/>
+          <p:cNvSpPr>
+            <a:spLocks noGrp="1"/>
+          </p:cNvSpPr>
+          <p:nvPr>
+            <p:ph type="sldNum" sz="quarter" idx="12"/>
+          </p:nvPr>
+        </p:nvSpPr>
+        <p:spPr/>
+        <p:txBody>
+          <a:bodyPr/>
+          <a:lstStyle/>
+          <a:p>
+            <a:fld id="{8CFF1A1A-5B53-436D-9EFB-6B8EE7A50023}" type="slidenum">
+              <a:rPr lang="en-US" smtClean="0"/>
+              <a:pPr/>
+              <a:t>22</a:t>
+            </a:fld>
+            <a:endParaRPr lang="en-US"/>
+          </a:p>
+        </p:txBody>
+      </p:sp>
+      <p:sp>
+        <p:nvSpPr>
+          <p:cNvPr id="3" name="Title 2"/>
+          <p:cNvSpPr>
+            <a:spLocks noGrp="1"/>
+          </p:cNvSpPr>
+          <p:nvPr>
+            <p:ph type="ctrTitle"/>
+          </p:nvPr>
+        </p:nvSpPr>
+        <p:spPr>
+          <a:xfrm>
+            <a:off x="685800" y="2895600"/>
+            <a:ext cx="7772400" cy="1470025"/>
+          </a:xfrm>
+        </p:spPr>
+        <p:txBody>
+          <a:bodyPr>
+            <a:normAutofit/>
+          </a:bodyPr>
+          <a:lstStyle/>
+          <a:p>
+            <a:r>
+              <a:rPr lang="en-US" sz="6600" b="1" dirty="0" smtClean="0">
+                <a:ln w="1905"/>
+                <a:gradFill>
+                  <a:gsLst>
+                    <a:gs pos="0">
+                      <a:schemeClr val="accent6">
+                        <a:shade val="20000"/>
+                        <a:satMod val="200000"/>
+                      </a:schemeClr>
+                    </a:gs>
+                    <a:gs pos="78000">
+                      <a:schemeClr val="accent6">
+                        <a:tint val="90000"/>
+                        <a:shade val="89000"/>
+                        <a:satMod val="220000"/>
+                      </a:schemeClr>
+                    </a:gs>
+                    <a:gs pos="100000">
+                      <a:schemeClr val="accent6">
+                        <a:tint val="12000"/>
+                        <a:satMod val="255000"/>
+                      </a:schemeClr>
+                    </a:gs>
+                  </a:gsLst>
+                  <a:lin ang="5400000"/>
+                </a:gradFill>
+                <a:effectLst>
+                  <a:innerShdw blurRad="69850" dist="43180" dir="5400000">
+                    <a:srgbClr val="000000">
+                      <a:alpha val="65000"/>
+                    </a:srgbClr>
+                  </a:innerShdw>
+                </a:effectLst>
+                <a:latin typeface="Times New Roman" pitchFamily="18" charset="0"/>
+                <a:cs typeface="Times New Roman" pitchFamily="18" charset="0"/>
+              </a:rPr>
+              <a:t>Q&amp;A</a:t>
+            </a:r>
+            <a:endParaRPr lang="en-US" sz="6600" dirty="0"/>
+          </a:p>
+        </p:txBody>
+      </p:sp>
+    </p:spTree>
+    <p:extLst>
+      <p:ext uri="{BB962C8B-B14F-4D97-AF65-F5344CB8AC3E}">
+        <p14:creationId xmlns="" xmlns:p14="http://schemas.microsoft.com/office/powerpoint/2010/main" val="1892860845"/>
+      </p:ext>
+    </p:extLst>
+  </p:cSld>
+  <p:clrMapOvr>
+    <a:masterClrMapping/>
+  </p:clrMapOvr>
+  <p:timing>
+    <p:tnLst>
+      <p:par>
+        <p:cTn id="1" dur="indefinite" restart="never" nodeType="tmRoot"/>
+      </p:par>
+    </p:tnLst>
+  </p:timing>
+</p:sld>
+</file>
+
+<file path=ppt/slides/slide3.xml><?xml version="1.0" encoding="utf-8"?>
+<p:sld xmlns:a="http://schemas.openxmlformats.org/drawingml/2006/main" xmlns:r="http://schemas.openxmlformats.org/officeDocument/2006/relationships" xmlns:p="http://schemas.openxmlformats.org/presentationml/2006/main">
+  <p:cSld>
+    <p:spTree>
+      <p:nvGrpSpPr>
+        <p:cNvPr id="1" name=""/>
+        <p:cNvGrpSpPr/>
+        <p:nvPr/>
+      </p:nvGrpSpPr>
+      <p:grpSpPr>
+        <a:xfrm>
+          <a:off x="0" y="0"/>
+          <a:ext cx="0" cy="0"/>
+          <a:chOff x="0" y="0"/>
+          <a:chExt cx="0" cy="0"/>
+        </a:xfrm>
+      </p:grpSpPr>
+      <p:sp>
+        <p:nvSpPr>
           <p:cNvPr id="2" name="Title 1"/>
           <p:cNvSpPr>
             <a:spLocks noGrp="1"/>
@@ -23622,7 +23162,7 @@
         </p:nvSpPr>
         <p:spPr>
           <a:xfrm>
-            <a:off x="0" y="990600"/>
+            <a:off x="0" y="914400"/>
             <a:ext cx="9144000" cy="609600"/>
           </a:xfrm>
         </p:spPr>
@@ -23669,7 +23209,7 @@
                 <a:latin typeface="Times New Roman" pitchFamily="18" charset="0"/>
                 <a:cs typeface="Times New Roman" pitchFamily="18" charset="0"/>
               </a:rPr>
-              <a:t>Tài</a:t>
+              <a:t>Gian</a:t>
             </a:r>
             <a:r>
               <a:rPr lang="en-US" b="1" dirty="0" smtClean="0">
@@ -23708,7 +23248,7 @@
                 <a:latin typeface="Times New Roman" pitchFamily="18" charset="0"/>
                 <a:cs typeface="Times New Roman" pitchFamily="18" charset="0"/>
               </a:rPr>
-              <a:t> </a:t>
+              <a:t> nan </a:t>
             </a:r>
             <a:r>
               <a:rPr lang="en-US" b="1" dirty="0" err="1" smtClean="0">
@@ -23747,7 +23287,7 @@
                 <a:latin typeface="Times New Roman" pitchFamily="18" charset="0"/>
                 <a:cs typeface="Times New Roman" pitchFamily="18" charset="0"/>
               </a:rPr>
-              <a:t>liệu</a:t>
+              <a:t>tới</a:t>
             </a:r>
             <a:r>
               <a:rPr lang="en-US" b="1" dirty="0" smtClean="0">
@@ -23825,85 +23365,7 @@
                 <a:latin typeface="Times New Roman" pitchFamily="18" charset="0"/>
                 <a:cs typeface="Times New Roman" pitchFamily="18" charset="0"/>
               </a:rPr>
-              <a:t>tham</a:t>
-            </a:r>
-            <a:r>
-              <a:rPr lang="en-US" b="1" dirty="0" smtClean="0">
-                <a:ln w="1905"/>
-                <a:gradFill>
-                  <a:gsLst>
-                    <a:gs pos="0">
-                      <a:schemeClr val="accent6">
-                        <a:shade val="20000"/>
-                        <a:satMod val="200000"/>
-                      </a:schemeClr>
-                    </a:gs>
-                    <a:gs pos="78000">
-                      <a:schemeClr val="accent6">
-                        <a:tint val="90000"/>
-                        <a:shade val="89000"/>
-                        <a:satMod val="220000"/>
-                      </a:schemeClr>
-                    </a:gs>
-                    <a:gs pos="100000">
-                      <a:schemeClr val="accent6">
-                        <a:tint val="12000"/>
-                        <a:satMod val="255000"/>
-                      </a:schemeClr>
-                    </a:gs>
-                  </a:gsLst>
-                  <a:lin ang="5400000"/>
-                </a:gradFill>
-                <a:effectLst>
-                  <a:innerShdw blurRad="69850" dist="43180" dir="5400000">
-                    <a:srgbClr val="000000">
-                      <a:alpha val="65000"/>
-                    </a:srgbClr>
-                  </a:innerShdw>
-                </a:effectLst>
-                <a:latin typeface="Times New Roman" pitchFamily="18" charset="0"/>
-                <a:cs typeface="Times New Roman" pitchFamily="18" charset="0"/>
-              </a:rPr>
-              <a:t> </a:t>
-            </a:r>
-            <a:r>
-              <a:rPr lang="en-US" b="1" dirty="0" err="1" smtClean="0">
-                <a:ln w="1905"/>
-                <a:gradFill>
-                  <a:gsLst>
-                    <a:gs pos="0">
-                      <a:schemeClr val="accent6">
-                        <a:shade val="20000"/>
-                        <a:satMod val="200000"/>
-                      </a:schemeClr>
-                    </a:gs>
-                    <a:gs pos="78000">
-                      <a:schemeClr val="accent6">
-                        <a:tint val="90000"/>
-                        <a:shade val="89000"/>
-                        <a:satMod val="220000"/>
-                      </a:schemeClr>
-                    </a:gs>
-                    <a:gs pos="100000">
-                      <a:schemeClr val="accent6">
-                        <a:tint val="12000"/>
-                        <a:satMod val="255000"/>
-                      </a:schemeClr>
-                    </a:gs>
-                  </a:gsLst>
-                  <a:lin ang="5400000"/>
-                </a:gradFill>
-                <a:effectLst>
-                  <a:innerShdw blurRad="69850" dist="43180" dir="5400000">
-                    <a:srgbClr val="000000">
-                      <a:alpha val="65000"/>
-                    </a:srgbClr>
-                  </a:innerShdw>
-                </a:effectLst>
-                <a:latin typeface="Times New Roman" pitchFamily="18" charset="0"/>
-                <a:cs typeface="Times New Roman" pitchFamily="18" charset="0"/>
-              </a:rPr>
-              <a:t>khảo</a:t>
+              <a:t>trường</a:t>
             </a:r>
             <a:endParaRPr lang="en-US" b="1" dirty="0">
               <a:ln w="10541" cmpd="sng">
@@ -23980,511 +23442,151 @@
           <a:p>
             <a:fld id="{8CFF1A1A-5B53-436D-9EFB-6B8EE7A50023}" type="slidenum">
               <a:rPr lang="en-US" smtClean="0"/>
-              <a:t>21</a:t>
+              <a:pPr/>
+              <a:t>3</a:t>
             </a:fld>
             <a:endParaRPr lang="en-US"/>
           </a:p>
         </p:txBody>
       </p:sp>
+      <p:pic>
+        <p:nvPicPr>
+          <p:cNvPr id="2050" name="Picture 2" descr="C:\Users\LeNgocLuyen\Desktop\sachnang281010.jpg"/>
+          <p:cNvPicPr>
+            <a:picLocks noChangeAspect="1" noChangeArrowheads="1"/>
+          </p:cNvPicPr>
+          <p:nvPr/>
+        </p:nvPicPr>
+        <p:blipFill>
+          <a:blip r:embed="rId2">
+            <a:extLst>
+              <a:ext uri="{28A0092B-C50C-407E-A947-70E740481C1C}">
+                <a14:useLocalDpi xmlns="" xmlns:a14="http://schemas.microsoft.com/office/drawing/2010/main" val="0"/>
+              </a:ext>
+            </a:extLst>
+          </a:blip>
+          <a:srcRect/>
+          <a:stretch>
+            <a:fillRect/>
+          </a:stretch>
+        </p:blipFill>
+        <p:spPr bwMode="auto">
+          <a:xfrm>
+            <a:off x="1295400" y="1752600"/>
+            <a:ext cx="3405187" cy="4460495"/>
+          </a:xfrm>
+          <a:prstGeom prst="rect">
+            <a:avLst/>
+          </a:prstGeom>
+          <a:ln>
+            <a:noFill/>
+          </a:ln>
+          <a:effectLst>
+            <a:outerShdw blurRad="190500" algn="tl" rotWithShape="0">
+              <a:srgbClr val="000000">
+                <a:alpha val="70000"/>
+              </a:srgbClr>
+            </a:outerShdw>
+          </a:effectLst>
+          <a:extLst>
+            <a:ext uri="{909E8E84-426E-40DD-AFC4-6F175D3DCCD1}">
+              <a14:hiddenFill xmlns="" xmlns:a14="http://schemas.microsoft.com/office/drawing/2010/main">
+                <a:solidFill>
+                  <a:srgbClr val="FFFFFF"/>
+                </a:solidFill>
+              </a14:hiddenFill>
+            </a:ext>
+          </a:extLst>
+        </p:spPr>
+      </p:pic>
       <p:sp>
         <p:nvSpPr>
-          <p:cNvPr id="11" name="Subtitle 2"/>
-          <p:cNvSpPr txBox="1">
-            <a:spLocks/>
-          </p:cNvSpPr>
+          <p:cNvPr id="3" name="Rectangle 2"/>
+          <p:cNvSpPr/>
           <p:nvPr/>
         </p:nvSpPr>
         <p:spPr>
           <a:xfrm>
-            <a:off x="1143000" y="1752600"/>
-            <a:ext cx="7543800" cy="5029200"/>
+            <a:off x="5105400" y="1929348"/>
+            <a:ext cx="3657600" cy="1015663"/>
           </a:xfrm>
           <a:prstGeom prst="rect">
             <a:avLst/>
           </a:prstGeom>
+          <a:effectLst>
+            <a:outerShdw blurRad="50800" dist="38100" dir="18900000" algn="bl" rotWithShape="0">
+              <a:prstClr val="black">
+                <a:alpha val="40000"/>
+              </a:prstClr>
+            </a:outerShdw>
+          </a:effectLst>
         </p:spPr>
         <p:txBody>
-          <a:bodyPr vert="horz" lIns="91440" tIns="45720" rIns="91440" bIns="45720" rtlCol="0">
-            <a:normAutofit fontScale="92500" lnSpcReduction="20000"/>
+          <a:bodyPr wrap="square">
+            <a:spAutoFit/>
           </a:bodyPr>
-          <a:lstStyle>
-            <a:lvl1pPr marL="0" indent="0" algn="ctr" defTabSz="914400" rtl="0" eaLnBrk="1" latinLnBrk="0" hangingPunct="1">
-              <a:spcBef>
-                <a:spcPct val="20000"/>
-              </a:spcBef>
-              <a:buFont typeface="Arial" pitchFamily="34" charset="0"/>
-              <a:buNone/>
-              <a:defRPr sz="3200" kern="1200">
-                <a:solidFill>
-                  <a:schemeClr val="tx1">
-                    <a:tint val="75000"/>
-                  </a:schemeClr>
-                </a:solidFill>
-                <a:latin typeface="+mn-lt"/>
-                <a:ea typeface="+mn-ea"/>
-                <a:cs typeface="+mn-cs"/>
-              </a:defRPr>
-            </a:lvl1pPr>
-            <a:lvl2pPr marL="457200" indent="0" algn="ctr" defTabSz="914400" rtl="0" eaLnBrk="1" latinLnBrk="0" hangingPunct="1">
-              <a:spcBef>
-                <a:spcPct val="20000"/>
-              </a:spcBef>
-              <a:buFont typeface="Arial" pitchFamily="34" charset="0"/>
-              <a:buNone/>
-              <a:defRPr sz="2800" kern="1200">
-                <a:solidFill>
-                  <a:schemeClr val="tx1">
-                    <a:tint val="75000"/>
-                  </a:schemeClr>
-                </a:solidFill>
-                <a:latin typeface="+mn-lt"/>
-                <a:ea typeface="+mn-ea"/>
-                <a:cs typeface="+mn-cs"/>
-              </a:defRPr>
-            </a:lvl2pPr>
-            <a:lvl3pPr marL="914400" indent="0" algn="ctr" defTabSz="914400" rtl="0" eaLnBrk="1" latinLnBrk="0" hangingPunct="1">
-              <a:spcBef>
-                <a:spcPct val="20000"/>
-              </a:spcBef>
-              <a:buFont typeface="Arial" pitchFamily="34" charset="0"/>
-              <a:buNone/>
-              <a:defRPr sz="2400" kern="1200">
-                <a:solidFill>
-                  <a:schemeClr val="tx1">
-                    <a:tint val="75000"/>
-                  </a:schemeClr>
-                </a:solidFill>
-                <a:latin typeface="+mn-lt"/>
-                <a:ea typeface="+mn-ea"/>
-                <a:cs typeface="+mn-cs"/>
-              </a:defRPr>
-            </a:lvl3pPr>
-            <a:lvl4pPr marL="1371600" indent="0" algn="ctr" defTabSz="914400" rtl="0" eaLnBrk="1" latinLnBrk="0" hangingPunct="1">
-              <a:spcBef>
-                <a:spcPct val="20000"/>
-              </a:spcBef>
-              <a:buFont typeface="Arial" pitchFamily="34" charset="0"/>
-              <a:buNone/>
-              <a:defRPr sz="2000" kern="1200">
-                <a:solidFill>
-                  <a:schemeClr val="tx1">
-                    <a:tint val="75000"/>
-                  </a:schemeClr>
-                </a:solidFill>
-                <a:latin typeface="+mn-lt"/>
-                <a:ea typeface="+mn-ea"/>
-                <a:cs typeface="+mn-cs"/>
-              </a:defRPr>
-            </a:lvl4pPr>
-            <a:lvl5pPr marL="1828800" indent="0" algn="ctr" defTabSz="914400" rtl="0" eaLnBrk="1" latinLnBrk="0" hangingPunct="1">
-              <a:spcBef>
-                <a:spcPct val="20000"/>
-              </a:spcBef>
-              <a:buFont typeface="Arial" pitchFamily="34" charset="0"/>
-              <a:buNone/>
-              <a:defRPr sz="2000" kern="1200">
-                <a:solidFill>
-                  <a:schemeClr val="tx1">
-                    <a:tint val="75000"/>
-                  </a:schemeClr>
-                </a:solidFill>
-                <a:latin typeface="+mn-lt"/>
-                <a:ea typeface="+mn-ea"/>
-                <a:cs typeface="+mn-cs"/>
-              </a:defRPr>
-            </a:lvl5pPr>
-            <a:lvl6pPr marL="2286000" indent="0" algn="ctr" defTabSz="914400" rtl="0" eaLnBrk="1" latinLnBrk="0" hangingPunct="1">
-              <a:spcBef>
-                <a:spcPct val="20000"/>
-              </a:spcBef>
-              <a:buFont typeface="Arial" pitchFamily="34" charset="0"/>
-              <a:buNone/>
-              <a:defRPr sz="2000" kern="1200">
-                <a:solidFill>
-                  <a:schemeClr val="tx1">
-                    <a:tint val="75000"/>
-                  </a:schemeClr>
-                </a:solidFill>
-                <a:latin typeface="+mn-lt"/>
-                <a:ea typeface="+mn-ea"/>
-                <a:cs typeface="+mn-cs"/>
-              </a:defRPr>
-            </a:lvl6pPr>
-            <a:lvl7pPr marL="2743200" indent="0" algn="ctr" defTabSz="914400" rtl="0" eaLnBrk="1" latinLnBrk="0" hangingPunct="1">
-              <a:spcBef>
-                <a:spcPct val="20000"/>
-              </a:spcBef>
-              <a:buFont typeface="Arial" pitchFamily="34" charset="0"/>
-              <a:buNone/>
-              <a:defRPr sz="2000" kern="1200">
-                <a:solidFill>
-                  <a:schemeClr val="tx1">
-                    <a:tint val="75000"/>
-                  </a:schemeClr>
-                </a:solidFill>
-                <a:latin typeface="+mn-lt"/>
-                <a:ea typeface="+mn-ea"/>
-                <a:cs typeface="+mn-cs"/>
-              </a:defRPr>
-            </a:lvl7pPr>
-            <a:lvl8pPr marL="3200400" indent="0" algn="ctr" defTabSz="914400" rtl="0" eaLnBrk="1" latinLnBrk="0" hangingPunct="1">
-              <a:spcBef>
-                <a:spcPct val="20000"/>
-              </a:spcBef>
-              <a:buFont typeface="Arial" pitchFamily="34" charset="0"/>
-              <a:buNone/>
-              <a:defRPr sz="2000" kern="1200">
-                <a:solidFill>
-                  <a:schemeClr val="tx1">
-                    <a:tint val="75000"/>
-                  </a:schemeClr>
-                </a:solidFill>
-                <a:latin typeface="+mn-lt"/>
-                <a:ea typeface="+mn-ea"/>
-                <a:cs typeface="+mn-cs"/>
-              </a:defRPr>
-            </a:lvl8pPr>
-            <a:lvl9pPr marL="3657600" indent="0" algn="ctr" defTabSz="914400" rtl="0" eaLnBrk="1" latinLnBrk="0" hangingPunct="1">
-              <a:spcBef>
-                <a:spcPct val="20000"/>
-              </a:spcBef>
-              <a:buFont typeface="Arial" pitchFamily="34" charset="0"/>
-              <a:buNone/>
-              <a:defRPr sz="2000" kern="1200">
-                <a:solidFill>
-                  <a:schemeClr val="tx1">
-                    <a:tint val="75000"/>
-                  </a:schemeClr>
-                </a:solidFill>
-                <a:latin typeface="+mn-lt"/>
-                <a:ea typeface="+mn-ea"/>
-                <a:cs typeface="+mn-cs"/>
-              </a:defRPr>
-            </a:lvl9pPr>
-          </a:lstStyle>
+          <a:lstStyle/>
           <a:p>
-            <a:pPr algn="l">
-              <a:buBlip>
-                <a:blip r:embed="rId2"/>
-              </a:buBlip>
-            </a:pPr>
-            <a:r>
-              <a:rPr lang="en-US" dirty="0" smtClean="0">
-                <a:solidFill>
-                  <a:schemeClr val="accent3">
-                    <a:lumMod val="50000"/>
-                  </a:schemeClr>
-                </a:solidFill>
-                <a:latin typeface="Times New Roman" pitchFamily="18" charset="0"/>
-                <a:cs typeface="Times New Roman" pitchFamily="18" charset="0"/>
-              </a:rPr>
-              <a:t> [</a:t>
-            </a:r>
-            <a:r>
-              <a:rPr lang="en-US" dirty="0">
-                <a:solidFill>
-                  <a:schemeClr val="accent3">
-                    <a:lumMod val="50000"/>
-                  </a:schemeClr>
-                </a:solidFill>
-                <a:latin typeface="Times New Roman" pitchFamily="18" charset="0"/>
-                <a:cs typeface="Times New Roman" pitchFamily="18" charset="0"/>
-              </a:rPr>
-              <a:t>1] Mike </a:t>
-            </a:r>
-            <a:r>
-              <a:rPr lang="en-US" dirty="0" err="1">
-                <a:solidFill>
-                  <a:schemeClr val="accent3">
-                    <a:lumMod val="50000"/>
-                  </a:schemeClr>
-                </a:solidFill>
-                <a:latin typeface="Times New Roman" pitchFamily="18" charset="0"/>
-                <a:cs typeface="Times New Roman" pitchFamily="18" charset="0"/>
-              </a:rPr>
-              <a:t>O’Docherty</a:t>
-            </a:r>
-            <a:r>
-              <a:rPr lang="en-US" dirty="0">
-                <a:solidFill>
-                  <a:schemeClr val="accent3">
-                    <a:lumMod val="50000"/>
-                  </a:schemeClr>
-                </a:solidFill>
-                <a:latin typeface="Times New Roman" pitchFamily="18" charset="0"/>
-                <a:cs typeface="Times New Roman" pitchFamily="18" charset="0"/>
-              </a:rPr>
-              <a:t>, Object-Oriented Analysis and Design Understanding System Development with UML 2.0, NXB 2005.</a:t>
-            </a:r>
-          </a:p>
-          <a:p>
-            <a:pPr algn="l">
-              <a:buBlip>
-                <a:blip r:embed="rId2"/>
-              </a:buBlip>
-            </a:pPr>
-            <a:r>
-              <a:rPr lang="en-US" dirty="0" smtClean="0">
-                <a:solidFill>
-                  <a:schemeClr val="accent3">
-                    <a:lumMod val="50000"/>
-                  </a:schemeClr>
-                </a:solidFill>
-                <a:latin typeface="Times New Roman" pitchFamily="18" charset="0"/>
-                <a:cs typeface="Times New Roman" pitchFamily="18" charset="0"/>
-              </a:rPr>
-              <a:t> [</a:t>
-            </a:r>
-            <a:r>
-              <a:rPr lang="en-US" dirty="0">
-                <a:solidFill>
-                  <a:schemeClr val="accent3">
-                    <a:lumMod val="50000"/>
-                  </a:schemeClr>
-                </a:solidFill>
-                <a:latin typeface="Times New Roman" pitchFamily="18" charset="0"/>
-                <a:cs typeface="Times New Roman" pitchFamily="18" charset="0"/>
-              </a:rPr>
-              <a:t>2] Hans-Erik Eriksson </a:t>
-            </a:r>
-            <a:r>
-              <a:rPr lang="en-US" dirty="0" err="1">
-                <a:solidFill>
-                  <a:schemeClr val="accent3">
-                    <a:lumMod val="50000"/>
-                  </a:schemeClr>
-                </a:solidFill>
-                <a:latin typeface="Times New Roman" pitchFamily="18" charset="0"/>
-                <a:cs typeface="Times New Roman" pitchFamily="18" charset="0"/>
-              </a:rPr>
-              <a:t>và</a:t>
-            </a:r>
-            <a:r>
-              <a:rPr lang="en-US" dirty="0">
-                <a:solidFill>
-                  <a:schemeClr val="accent3">
-                    <a:lumMod val="50000"/>
-                  </a:schemeClr>
-                </a:solidFill>
-                <a:latin typeface="Times New Roman" pitchFamily="18" charset="0"/>
-                <a:cs typeface="Times New Roman" pitchFamily="18" charset="0"/>
-              </a:rPr>
-              <a:t> Magnus </a:t>
-            </a:r>
-            <a:r>
-              <a:rPr lang="en-US" dirty="0" err="1">
-                <a:solidFill>
-                  <a:schemeClr val="accent3">
-                    <a:lumMod val="50000"/>
-                  </a:schemeClr>
-                </a:solidFill>
-                <a:latin typeface="Times New Roman" pitchFamily="18" charset="0"/>
-                <a:cs typeface="Times New Roman" pitchFamily="18" charset="0"/>
-              </a:rPr>
-              <a:t>Penker</a:t>
-            </a:r>
-            <a:r>
-              <a:rPr lang="en-US" dirty="0">
-                <a:solidFill>
-                  <a:schemeClr val="accent3">
-                    <a:lumMod val="50000"/>
-                  </a:schemeClr>
-                </a:solidFill>
-                <a:latin typeface="Times New Roman" pitchFamily="18" charset="0"/>
-                <a:cs typeface="Times New Roman" pitchFamily="18" charset="0"/>
-              </a:rPr>
-              <a:t>, Business Modeling with UML: Business Patterns at Work, NXB 2000.</a:t>
-            </a:r>
-          </a:p>
-          <a:p>
-            <a:pPr algn="l">
-              <a:buBlip>
-                <a:blip r:embed="rId2"/>
-              </a:buBlip>
-            </a:pPr>
-            <a:r>
-              <a:rPr lang="en-US" dirty="0" smtClean="0">
-                <a:solidFill>
-                  <a:schemeClr val="accent3">
-                    <a:lumMod val="50000"/>
-                  </a:schemeClr>
-                </a:solidFill>
-                <a:latin typeface="Times New Roman" pitchFamily="18" charset="0"/>
-                <a:cs typeface="Times New Roman" pitchFamily="18" charset="0"/>
-              </a:rPr>
-              <a:t> [</a:t>
-            </a:r>
-            <a:r>
-              <a:rPr lang="en-US" dirty="0">
-                <a:solidFill>
-                  <a:schemeClr val="accent3">
-                    <a:lumMod val="50000"/>
-                  </a:schemeClr>
-                </a:solidFill>
-                <a:latin typeface="Times New Roman" pitchFamily="18" charset="0"/>
-                <a:cs typeface="Times New Roman" pitchFamily="18" charset="0"/>
-              </a:rPr>
-              <a:t>3] Andrew </a:t>
-            </a:r>
-            <a:r>
-              <a:rPr lang="en-US" dirty="0" err="1">
-                <a:solidFill>
-                  <a:schemeClr val="accent3">
-                    <a:lumMod val="50000"/>
-                  </a:schemeClr>
-                </a:solidFill>
-                <a:latin typeface="Times New Roman" pitchFamily="18" charset="0"/>
-                <a:cs typeface="Times New Roman" pitchFamily="18" charset="0"/>
-              </a:rPr>
-              <a:t>Siemer</a:t>
-            </a:r>
-            <a:r>
-              <a:rPr lang="en-US" dirty="0">
-                <a:solidFill>
-                  <a:schemeClr val="accent3">
-                    <a:lumMod val="50000"/>
-                  </a:schemeClr>
-                </a:solidFill>
-                <a:latin typeface="Times New Roman" pitchFamily="18" charset="0"/>
-                <a:cs typeface="Times New Roman" pitchFamily="18" charset="0"/>
-              </a:rPr>
-              <a:t>, ASP.NET 3.5 Social Networking, NXB 2008.</a:t>
-            </a:r>
-          </a:p>
-          <a:p>
-            <a:pPr algn="l">
-              <a:buBlip>
-                <a:blip r:embed="rId2"/>
-              </a:buBlip>
-            </a:pPr>
-            <a:r>
-              <a:rPr lang="en-US" dirty="0" smtClean="0">
-                <a:solidFill>
-                  <a:schemeClr val="accent3">
-                    <a:lumMod val="50000"/>
-                  </a:schemeClr>
-                </a:solidFill>
-                <a:latin typeface="Times New Roman" pitchFamily="18" charset="0"/>
-                <a:cs typeface="Times New Roman" pitchFamily="18" charset="0"/>
-              </a:rPr>
-              <a:t> [4] </a:t>
-            </a:r>
-            <a:r>
-              <a:rPr lang="en-US" dirty="0">
-                <a:solidFill>
-                  <a:schemeClr val="accent3">
-                    <a:lumMod val="50000"/>
-                  </a:schemeClr>
-                </a:solidFill>
-                <a:latin typeface="Times New Roman" pitchFamily="18" charset="0"/>
-                <a:cs typeface="Times New Roman" pitchFamily="18" charset="0"/>
-                <a:hlinkClick r:id="rId3"/>
-              </a:rPr>
-              <a:t>http://wikipedia.com</a:t>
-            </a:r>
-            <a:endParaRPr lang="en-US" dirty="0">
+            <a:pPr algn="just"/>
+            <a:endParaRPr lang="en-US" sz="6000" b="1" dirty="0">
               <a:solidFill>
-                <a:schemeClr val="accent3">
-                  <a:lumMod val="50000"/>
-                </a:schemeClr>
+                <a:srgbClr val="C00000"/>
               </a:solidFill>
               <a:latin typeface="Times New Roman" pitchFamily="18" charset="0"/>
               <a:cs typeface="Times New Roman" pitchFamily="18" charset="0"/>
             </a:endParaRPr>
           </a:p>
+        </p:txBody>
+      </p:sp>
+      <p:sp>
+        <p:nvSpPr>
+          <p:cNvPr id="7" name="Chevron 6"/>
+          <p:cNvSpPr/>
+          <p:nvPr/>
+        </p:nvSpPr>
+        <p:spPr>
+          <a:xfrm flipH="1">
+            <a:off x="4876800" y="2743200"/>
+            <a:ext cx="3962400" cy="1981200"/>
+          </a:xfrm>
+          <a:prstGeom prst="chevron">
+            <a:avLst>
+              <a:gd name="adj" fmla="val 26350"/>
+            </a:avLst>
+          </a:prstGeom>
+        </p:spPr>
+        <p:style>
+          <a:lnRef idx="1">
+            <a:schemeClr val="accent1"/>
+          </a:lnRef>
+          <a:fillRef idx="2">
+            <a:schemeClr val="accent1"/>
+          </a:fillRef>
+          <a:effectRef idx="1">
+            <a:schemeClr val="accent1"/>
+          </a:effectRef>
+          <a:fontRef idx="minor">
+            <a:schemeClr val="dk1"/>
+          </a:fontRef>
+        </p:style>
+        <p:txBody>
+          <a:bodyPr rtlCol="0" anchor="ctr"/>
+          <a:lstStyle/>
           <a:p>
-            <a:pPr algn="l">
-              <a:buBlip>
-                <a:blip r:embed="rId2"/>
-              </a:buBlip>
-            </a:pPr>
-            <a:r>
-              <a:rPr lang="en-US" dirty="0" smtClean="0">
-                <a:solidFill>
-                  <a:schemeClr val="accent3">
-                    <a:lumMod val="50000"/>
-                  </a:schemeClr>
-                </a:solidFill>
-                <a:latin typeface="Times New Roman" pitchFamily="18" charset="0"/>
-                <a:cs typeface="Times New Roman" pitchFamily="18" charset="0"/>
-              </a:rPr>
-              <a:t> [5] </a:t>
-            </a:r>
-            <a:r>
-              <a:rPr lang="en-US" u="sng" dirty="0">
-                <a:solidFill>
-                  <a:schemeClr val="accent3">
-                    <a:lumMod val="50000"/>
-                  </a:schemeClr>
-                </a:solidFill>
-                <a:latin typeface="Times New Roman" pitchFamily="18" charset="0"/>
-                <a:cs typeface="Times New Roman" pitchFamily="18" charset="0"/>
-                <a:hlinkClick r:id="rId4"/>
-              </a:rPr>
-              <a:t>http://msdn.microsoft.com/en-us/library</a:t>
-            </a:r>
-            <a:r>
-              <a:rPr lang="en-US" dirty="0">
-                <a:solidFill>
-                  <a:schemeClr val="accent3">
-                    <a:lumMod val="50000"/>
-                  </a:schemeClr>
-                </a:solidFill>
-                <a:latin typeface="Times New Roman" pitchFamily="18" charset="0"/>
-                <a:cs typeface="Times New Roman" pitchFamily="18" charset="0"/>
-              </a:rPr>
-              <a:t>.</a:t>
-            </a:r>
-          </a:p>
-          <a:p>
-            <a:pPr algn="l">
-              <a:buBlip>
-                <a:blip r:embed="rId2"/>
-              </a:buBlip>
-            </a:pPr>
-            <a:r>
-              <a:rPr lang="en-US" dirty="0" smtClean="0">
-                <a:solidFill>
-                  <a:schemeClr val="accent3">
-                    <a:lumMod val="50000"/>
-                  </a:schemeClr>
-                </a:solidFill>
-                <a:latin typeface="Times New Roman" pitchFamily="18" charset="0"/>
-                <a:cs typeface="Times New Roman" pitchFamily="18" charset="0"/>
-              </a:rPr>
-              <a:t> [6] </a:t>
-            </a:r>
-            <a:r>
-              <a:rPr lang="en-US" u="sng" dirty="0">
-                <a:solidFill>
-                  <a:schemeClr val="accent3">
-                    <a:lumMod val="50000"/>
-                  </a:schemeClr>
-                </a:solidFill>
-                <a:latin typeface="Times New Roman" pitchFamily="18" charset="0"/>
-                <a:cs typeface="Times New Roman" pitchFamily="18" charset="0"/>
-                <a:hlinkClick r:id="rId5"/>
-              </a:rPr>
-              <a:t>http://</a:t>
-            </a:r>
-            <a:r>
-              <a:rPr lang="en-US" u="sng" dirty="0" smtClean="0">
-                <a:solidFill>
-                  <a:schemeClr val="accent3">
-                    <a:lumMod val="50000"/>
-                  </a:schemeClr>
-                </a:solidFill>
-                <a:latin typeface="Times New Roman" pitchFamily="18" charset="0"/>
-                <a:cs typeface="Times New Roman" pitchFamily="18" charset="0"/>
-                <a:hlinkClick r:id="rId5"/>
-              </a:rPr>
-              <a:t>asp.net</a:t>
-            </a:r>
-            <a:endParaRPr lang="en-US" dirty="0">
+            <a:pPr algn="just"/>
+            <a:r>
+              <a:rPr lang="en-US" sz="2800" b="1" smtClean="0">
+                <a:solidFill>
+                  <a:srgbClr val="C00000"/>
+                </a:solidFill>
+                <a:latin typeface="Times New Roman" pitchFamily="18" charset="0"/>
+                <a:cs typeface="Times New Roman" pitchFamily="18" charset="0"/>
+              </a:rPr>
+              <a:t>Chúng ta đã làm gì để giúp đỡ các em?</a:t>
+            </a:r>
+            <a:endParaRPr lang="en-US" sz="2800" b="1" dirty="0">
               <a:solidFill>
-                <a:schemeClr val="accent3">
-                  <a:lumMod val="50000"/>
-                </a:schemeClr>
+                <a:srgbClr val="C00000"/>
               </a:solidFill>
               <a:latin typeface="Times New Roman" pitchFamily="18" charset="0"/>
               <a:cs typeface="Times New Roman" pitchFamily="18" charset="0"/>
@@ -24495,7 +23597,7 @@
     </p:spTree>
     <p:extLst>
       <p:ext uri="{BB962C8B-B14F-4D97-AF65-F5344CB8AC3E}">
-        <p14:creationId xmlns:p14="http://schemas.microsoft.com/office/powerpoint/2010/main" val="4092435974"/>
+        <p14:creationId xmlns="" xmlns:p14="http://schemas.microsoft.com/office/powerpoint/2010/main" val="3405957823"/>
       </p:ext>
     </p:extLst>
   </p:cSld>
@@ -24505,537 +23607,187 @@
   <p:timing>
     <p:tnLst>
       <p:par>
-        <p:cTn id="1" dur="indefinite" restart="never" nodeType="tmRoot"/>
+        <p:cTn id="1" dur="indefinite" restart="never" nodeType="tmRoot">
+          <p:childTnLst>
+            <p:seq concurrent="1" nextAc="seek">
+              <p:cTn id="2" dur="indefinite" nodeType="mainSeq">
+                <p:childTnLst>
+                  <p:par>
+                    <p:cTn id="3" fill="hold">
+                      <p:stCondLst>
+                        <p:cond delay="indefinite"/>
+                        <p:cond evt="onBegin" delay="0">
+                          <p:tn val="2"/>
+                        </p:cond>
+                      </p:stCondLst>
+                      <p:childTnLst>
+                        <p:par>
+                          <p:cTn id="4" fill="hold">
+                            <p:stCondLst>
+                              <p:cond delay="0"/>
+                            </p:stCondLst>
+                            <p:childTnLst>
+                              <p:par>
+                                <p:cTn id="5" presetID="2" presetClass="entr" presetSubtype="4" fill="hold" nodeType="withEffect">
+                                  <p:stCondLst>
+                                    <p:cond delay="0"/>
+                                  </p:stCondLst>
+                                  <p:childTnLst>
+                                    <p:set>
+                                      <p:cBhvr>
+                                        <p:cTn id="6" dur="1" fill="hold">
+                                          <p:stCondLst>
+                                            <p:cond delay="0"/>
+                                          </p:stCondLst>
+                                        </p:cTn>
+                                        <p:tgtEl>
+                                          <p:spTgt spid="2050"/>
+                                        </p:tgtEl>
+                                        <p:attrNameLst>
+                                          <p:attrName>style.visibility</p:attrName>
+                                        </p:attrNameLst>
+                                      </p:cBhvr>
+                                      <p:to>
+                                        <p:strVal val="visible"/>
+                                      </p:to>
+                                    </p:set>
+                                    <p:anim calcmode="lin" valueType="num">
+                                      <p:cBhvr additive="base">
+                                        <p:cTn id="7" dur="500" fill="hold"/>
+                                        <p:tgtEl>
+                                          <p:spTgt spid="2050"/>
+                                        </p:tgtEl>
+                                        <p:attrNameLst>
+                                          <p:attrName>ppt_x</p:attrName>
+                                        </p:attrNameLst>
+                                      </p:cBhvr>
+                                      <p:tavLst>
+                                        <p:tav tm="0">
+                                          <p:val>
+                                            <p:strVal val="#ppt_x"/>
+                                          </p:val>
+                                        </p:tav>
+                                        <p:tav tm="100000">
+                                          <p:val>
+                                            <p:strVal val="#ppt_x"/>
+                                          </p:val>
+                                        </p:tav>
+                                      </p:tavLst>
+                                    </p:anim>
+                                    <p:anim calcmode="lin" valueType="num">
+                                      <p:cBhvr additive="base">
+                                        <p:cTn id="8" dur="500" fill="hold"/>
+                                        <p:tgtEl>
+                                          <p:spTgt spid="2050"/>
+                                        </p:tgtEl>
+                                        <p:attrNameLst>
+                                          <p:attrName>ppt_y</p:attrName>
+                                        </p:attrNameLst>
+                                      </p:cBhvr>
+                                      <p:tavLst>
+                                        <p:tav tm="0">
+                                          <p:val>
+                                            <p:strVal val="1+#ppt_h/2"/>
+                                          </p:val>
+                                        </p:tav>
+                                        <p:tav tm="100000">
+                                          <p:val>
+                                            <p:strVal val="#ppt_y"/>
+                                          </p:val>
+                                        </p:tav>
+                                      </p:tavLst>
+                                    </p:anim>
+                                  </p:childTnLst>
+                                </p:cTn>
+                              </p:par>
+                            </p:childTnLst>
+                          </p:cTn>
+                        </p:par>
+                      </p:childTnLst>
+                    </p:cTn>
+                  </p:par>
+                  <p:par>
+                    <p:cTn id="9" fill="hold">
+                      <p:stCondLst>
+                        <p:cond delay="indefinite"/>
+                      </p:stCondLst>
+                      <p:childTnLst>
+                        <p:par>
+                          <p:cTn id="10" fill="hold">
+                            <p:stCondLst>
+                              <p:cond delay="0"/>
+                            </p:stCondLst>
+                            <p:childTnLst>
+                              <p:par>
+                                <p:cTn id="11" presetID="3" presetClass="entr" presetSubtype="10" fill="hold" grpId="0" nodeType="clickEffect">
+                                  <p:stCondLst>
+                                    <p:cond delay="0"/>
+                                  </p:stCondLst>
+                                  <p:childTnLst>
+                                    <p:set>
+                                      <p:cBhvr>
+                                        <p:cTn id="12" dur="1" fill="hold">
+                                          <p:stCondLst>
+                                            <p:cond delay="0"/>
+                                          </p:stCondLst>
+                                        </p:cTn>
+                                        <p:tgtEl>
+                                          <p:spTgt spid="7"/>
+                                        </p:tgtEl>
+                                        <p:attrNameLst>
+                                          <p:attrName>style.visibility</p:attrName>
+                                        </p:attrNameLst>
+                                      </p:cBhvr>
+                                      <p:to>
+                                        <p:strVal val="visible"/>
+                                      </p:to>
+                                    </p:set>
+                                    <p:animEffect transition="in" filter="blinds(horizontal)">
+                                      <p:cBhvr>
+                                        <p:cTn id="13" dur="500"/>
+                                        <p:tgtEl>
+                                          <p:spTgt spid="7"/>
+                                        </p:tgtEl>
+                                      </p:cBhvr>
+                                    </p:animEffect>
+                                  </p:childTnLst>
+                                </p:cTn>
+                              </p:par>
+                            </p:childTnLst>
+                          </p:cTn>
+                        </p:par>
+                      </p:childTnLst>
+                    </p:cTn>
+                  </p:par>
+                </p:childTnLst>
+              </p:cTn>
+              <p:prevCondLst>
+                <p:cond evt="onPrev" delay="0">
+                  <p:tgtEl>
+                    <p:sldTgt/>
+                  </p:tgtEl>
+                </p:cond>
+              </p:prevCondLst>
+              <p:nextCondLst>
+                <p:cond evt="onNext" delay="0">
+                  <p:tgtEl>
+                    <p:sldTgt/>
+                  </p:tgtEl>
+                </p:cond>
+              </p:nextCondLst>
+            </p:seq>
+          </p:childTnLst>
+        </p:cTn>
       </p:par>
     </p:tnLst>
+    <p:bldLst>
+      <p:bldP spid="7" grpId="0" animBg="1"/>
+    </p:bldLst>
   </p:timing>
 </p:sld>
 </file>
 
-<file path=ppt/slides/slide22.xml><?xml version="1.0" encoding="utf-8"?>
-<p:sld xmlns:a="http://schemas.openxmlformats.org/drawingml/2006/main" xmlns:r="http://schemas.openxmlformats.org/officeDocument/2006/relationships" xmlns:p="http://schemas.openxmlformats.org/presentationml/2006/main">
-  <p:cSld>
-    <p:spTree>
-      <p:nvGrpSpPr>
-        <p:cNvPr id="1" name=""/>
-        <p:cNvGrpSpPr/>
-        <p:nvPr/>
-      </p:nvGrpSpPr>
-      <p:grpSpPr>
-        <a:xfrm>
-          <a:off x="0" y="0"/>
-          <a:ext cx="0" cy="0"/>
-          <a:chOff x="0" y="0"/>
-          <a:chExt cx="0" cy="0"/>
-        </a:xfrm>
-      </p:grpSpPr>
-      <p:sp>
-        <p:nvSpPr>
-          <p:cNvPr id="5" name="Slide Number Placeholder 4"/>
-          <p:cNvSpPr>
-            <a:spLocks noGrp="1"/>
-          </p:cNvSpPr>
-          <p:nvPr>
-            <p:ph type="sldNum" sz="quarter" idx="12"/>
-          </p:nvPr>
-        </p:nvSpPr>
-        <p:spPr/>
-        <p:txBody>
-          <a:bodyPr/>
-          <a:lstStyle/>
-          <a:p>
-            <a:fld id="{8CFF1A1A-5B53-436D-9EFB-6B8EE7A50023}" type="slidenum">
-              <a:rPr lang="en-US" smtClean="0"/>
-              <a:t>22</a:t>
-            </a:fld>
-            <a:endParaRPr lang="en-US"/>
-          </a:p>
-        </p:txBody>
-      </p:sp>
-      <p:sp>
-        <p:nvSpPr>
-          <p:cNvPr id="3" name="Title 2"/>
-          <p:cNvSpPr>
-            <a:spLocks noGrp="1"/>
-          </p:cNvSpPr>
-          <p:nvPr>
-            <p:ph type="ctrTitle"/>
-          </p:nvPr>
-        </p:nvSpPr>
-        <p:spPr>
-          <a:xfrm>
-            <a:off x="685800" y="2895600"/>
-            <a:ext cx="7772400" cy="1470025"/>
-          </a:xfrm>
-        </p:spPr>
-        <p:txBody>
-          <a:bodyPr>
-            <a:normAutofit/>
-          </a:bodyPr>
-          <a:lstStyle/>
-          <a:p>
-            <a:r>
-              <a:rPr lang="en-US" sz="6600" b="1" dirty="0" err="1" smtClean="0">
-                <a:ln w="1905"/>
-                <a:gradFill>
-                  <a:gsLst>
-                    <a:gs pos="0">
-                      <a:schemeClr val="accent6">
-                        <a:shade val="20000"/>
-                        <a:satMod val="200000"/>
-                      </a:schemeClr>
-                    </a:gs>
-                    <a:gs pos="78000">
-                      <a:schemeClr val="accent6">
-                        <a:tint val="90000"/>
-                        <a:shade val="89000"/>
-                        <a:satMod val="220000"/>
-                      </a:schemeClr>
-                    </a:gs>
-                    <a:gs pos="100000">
-                      <a:schemeClr val="accent6">
-                        <a:tint val="12000"/>
-                        <a:satMod val="255000"/>
-                      </a:schemeClr>
-                    </a:gs>
-                  </a:gsLst>
-                  <a:lin ang="5400000"/>
-                </a:gradFill>
-                <a:effectLst>
-                  <a:innerShdw blurRad="69850" dist="43180" dir="5400000">
-                    <a:srgbClr val="000000">
-                      <a:alpha val="65000"/>
-                    </a:srgbClr>
-                  </a:innerShdw>
-                </a:effectLst>
-                <a:latin typeface="Times New Roman" pitchFamily="18" charset="0"/>
-                <a:cs typeface="Times New Roman" pitchFamily="18" charset="0"/>
-              </a:rPr>
-              <a:t>Trân</a:t>
-            </a:r>
-            <a:r>
-              <a:rPr lang="en-US" sz="6600" b="1" dirty="0" smtClean="0">
-                <a:ln w="1905"/>
-                <a:gradFill>
-                  <a:gsLst>
-                    <a:gs pos="0">
-                      <a:schemeClr val="accent6">
-                        <a:shade val="20000"/>
-                        <a:satMod val="200000"/>
-                      </a:schemeClr>
-                    </a:gs>
-                    <a:gs pos="78000">
-                      <a:schemeClr val="accent6">
-                        <a:tint val="90000"/>
-                        <a:shade val="89000"/>
-                        <a:satMod val="220000"/>
-                      </a:schemeClr>
-                    </a:gs>
-                    <a:gs pos="100000">
-                      <a:schemeClr val="accent6">
-                        <a:tint val="12000"/>
-                        <a:satMod val="255000"/>
-                      </a:schemeClr>
-                    </a:gs>
-                  </a:gsLst>
-                  <a:lin ang="5400000"/>
-                </a:gradFill>
-                <a:effectLst>
-                  <a:innerShdw blurRad="69850" dist="43180" dir="5400000">
-                    <a:srgbClr val="000000">
-                      <a:alpha val="65000"/>
-                    </a:srgbClr>
-                  </a:innerShdw>
-                </a:effectLst>
-                <a:latin typeface="Times New Roman" pitchFamily="18" charset="0"/>
-                <a:cs typeface="Times New Roman" pitchFamily="18" charset="0"/>
-              </a:rPr>
-              <a:t> </a:t>
-            </a:r>
-            <a:r>
-              <a:rPr lang="en-US" sz="6600" b="1" dirty="0" err="1" smtClean="0">
-                <a:ln w="1905"/>
-                <a:gradFill>
-                  <a:gsLst>
-                    <a:gs pos="0">
-                      <a:schemeClr val="accent6">
-                        <a:shade val="20000"/>
-                        <a:satMod val="200000"/>
-                      </a:schemeClr>
-                    </a:gs>
-                    <a:gs pos="78000">
-                      <a:schemeClr val="accent6">
-                        <a:tint val="90000"/>
-                        <a:shade val="89000"/>
-                        <a:satMod val="220000"/>
-                      </a:schemeClr>
-                    </a:gs>
-                    <a:gs pos="100000">
-                      <a:schemeClr val="accent6">
-                        <a:tint val="12000"/>
-                        <a:satMod val="255000"/>
-                      </a:schemeClr>
-                    </a:gs>
-                  </a:gsLst>
-                  <a:lin ang="5400000"/>
-                </a:gradFill>
-                <a:effectLst>
-                  <a:innerShdw blurRad="69850" dist="43180" dir="5400000">
-                    <a:srgbClr val="000000">
-                      <a:alpha val="65000"/>
-                    </a:srgbClr>
-                  </a:innerShdw>
-                </a:effectLst>
-                <a:latin typeface="Times New Roman" pitchFamily="18" charset="0"/>
-                <a:cs typeface="Times New Roman" pitchFamily="18" charset="0"/>
-              </a:rPr>
-              <a:t>trọng</a:t>
-            </a:r>
-            <a:r>
-              <a:rPr lang="en-US" sz="6600" b="1" dirty="0" smtClean="0">
-                <a:ln w="1905"/>
-                <a:gradFill>
-                  <a:gsLst>
-                    <a:gs pos="0">
-                      <a:schemeClr val="accent6">
-                        <a:shade val="20000"/>
-                        <a:satMod val="200000"/>
-                      </a:schemeClr>
-                    </a:gs>
-                    <a:gs pos="78000">
-                      <a:schemeClr val="accent6">
-                        <a:tint val="90000"/>
-                        <a:shade val="89000"/>
-                        <a:satMod val="220000"/>
-                      </a:schemeClr>
-                    </a:gs>
-                    <a:gs pos="100000">
-                      <a:schemeClr val="accent6">
-                        <a:tint val="12000"/>
-                        <a:satMod val="255000"/>
-                      </a:schemeClr>
-                    </a:gs>
-                  </a:gsLst>
-                  <a:lin ang="5400000"/>
-                </a:gradFill>
-                <a:effectLst>
-                  <a:innerShdw blurRad="69850" dist="43180" dir="5400000">
-                    <a:srgbClr val="000000">
-                      <a:alpha val="65000"/>
-                    </a:srgbClr>
-                  </a:innerShdw>
-                </a:effectLst>
-                <a:latin typeface="Times New Roman" pitchFamily="18" charset="0"/>
-                <a:cs typeface="Times New Roman" pitchFamily="18" charset="0"/>
-              </a:rPr>
-              <a:t> </a:t>
-            </a:r>
-            <a:r>
-              <a:rPr lang="en-US" sz="6600" b="1" dirty="0" err="1" smtClean="0">
-                <a:ln w="1905"/>
-                <a:gradFill>
-                  <a:gsLst>
-                    <a:gs pos="0">
-                      <a:schemeClr val="accent6">
-                        <a:shade val="20000"/>
-                        <a:satMod val="200000"/>
-                      </a:schemeClr>
-                    </a:gs>
-                    <a:gs pos="78000">
-                      <a:schemeClr val="accent6">
-                        <a:tint val="90000"/>
-                        <a:shade val="89000"/>
-                        <a:satMod val="220000"/>
-                      </a:schemeClr>
-                    </a:gs>
-                    <a:gs pos="100000">
-                      <a:schemeClr val="accent6">
-                        <a:tint val="12000"/>
-                        <a:satMod val="255000"/>
-                      </a:schemeClr>
-                    </a:gs>
-                  </a:gsLst>
-                  <a:lin ang="5400000"/>
-                </a:gradFill>
-                <a:effectLst>
-                  <a:innerShdw blurRad="69850" dist="43180" dir="5400000">
-                    <a:srgbClr val="000000">
-                      <a:alpha val="65000"/>
-                    </a:srgbClr>
-                  </a:innerShdw>
-                </a:effectLst>
-                <a:latin typeface="Times New Roman" pitchFamily="18" charset="0"/>
-                <a:cs typeface="Times New Roman" pitchFamily="18" charset="0"/>
-              </a:rPr>
-              <a:t>cảm</a:t>
-            </a:r>
-            <a:r>
-              <a:rPr lang="en-US" sz="6600" b="1" dirty="0" smtClean="0">
-                <a:ln w="1905"/>
-                <a:gradFill>
-                  <a:gsLst>
-                    <a:gs pos="0">
-                      <a:schemeClr val="accent6">
-                        <a:shade val="20000"/>
-                        <a:satMod val="200000"/>
-                      </a:schemeClr>
-                    </a:gs>
-                    <a:gs pos="78000">
-                      <a:schemeClr val="accent6">
-                        <a:tint val="90000"/>
-                        <a:shade val="89000"/>
-                        <a:satMod val="220000"/>
-                      </a:schemeClr>
-                    </a:gs>
-                    <a:gs pos="100000">
-                      <a:schemeClr val="accent6">
-                        <a:tint val="12000"/>
-                        <a:satMod val="255000"/>
-                      </a:schemeClr>
-                    </a:gs>
-                  </a:gsLst>
-                  <a:lin ang="5400000"/>
-                </a:gradFill>
-                <a:effectLst>
-                  <a:innerShdw blurRad="69850" dist="43180" dir="5400000">
-                    <a:srgbClr val="000000">
-                      <a:alpha val="65000"/>
-                    </a:srgbClr>
-                  </a:innerShdw>
-                </a:effectLst>
-                <a:latin typeface="Times New Roman" pitchFamily="18" charset="0"/>
-                <a:cs typeface="Times New Roman" pitchFamily="18" charset="0"/>
-              </a:rPr>
-              <a:t> </a:t>
-            </a:r>
-            <a:r>
-              <a:rPr lang="en-US" sz="6600" b="1" dirty="0" err="1" smtClean="0">
-                <a:ln w="1905"/>
-                <a:gradFill>
-                  <a:gsLst>
-                    <a:gs pos="0">
-                      <a:schemeClr val="accent6">
-                        <a:shade val="20000"/>
-                        <a:satMod val="200000"/>
-                      </a:schemeClr>
-                    </a:gs>
-                    <a:gs pos="78000">
-                      <a:schemeClr val="accent6">
-                        <a:tint val="90000"/>
-                        <a:shade val="89000"/>
-                        <a:satMod val="220000"/>
-                      </a:schemeClr>
-                    </a:gs>
-                    <a:gs pos="100000">
-                      <a:schemeClr val="accent6">
-                        <a:tint val="12000"/>
-                        <a:satMod val="255000"/>
-                      </a:schemeClr>
-                    </a:gs>
-                  </a:gsLst>
-                  <a:lin ang="5400000"/>
-                </a:gradFill>
-                <a:effectLst>
-                  <a:innerShdw blurRad="69850" dist="43180" dir="5400000">
-                    <a:srgbClr val="000000">
-                      <a:alpha val="65000"/>
-                    </a:srgbClr>
-                  </a:innerShdw>
-                </a:effectLst>
-                <a:latin typeface="Times New Roman" pitchFamily="18" charset="0"/>
-                <a:cs typeface="Times New Roman" pitchFamily="18" charset="0"/>
-              </a:rPr>
-              <a:t>ơn</a:t>
-            </a:r>
-            <a:r>
-              <a:rPr lang="en-US" sz="6600" b="1" dirty="0" smtClean="0">
-                <a:ln w="1905"/>
-                <a:gradFill>
-                  <a:gsLst>
-                    <a:gs pos="0">
-                      <a:schemeClr val="accent6">
-                        <a:shade val="20000"/>
-                        <a:satMod val="200000"/>
-                      </a:schemeClr>
-                    </a:gs>
-                    <a:gs pos="78000">
-                      <a:schemeClr val="accent6">
-                        <a:tint val="90000"/>
-                        <a:shade val="89000"/>
-                        <a:satMod val="220000"/>
-                      </a:schemeClr>
-                    </a:gs>
-                    <a:gs pos="100000">
-                      <a:schemeClr val="accent6">
-                        <a:tint val="12000"/>
-                        <a:satMod val="255000"/>
-                      </a:schemeClr>
-                    </a:gs>
-                  </a:gsLst>
-                  <a:lin ang="5400000"/>
-                </a:gradFill>
-                <a:effectLst>
-                  <a:innerShdw blurRad="69850" dist="43180" dir="5400000">
-                    <a:srgbClr val="000000">
-                      <a:alpha val="65000"/>
-                    </a:srgbClr>
-                  </a:innerShdw>
-                </a:effectLst>
-                <a:latin typeface="Times New Roman" pitchFamily="18" charset="0"/>
-                <a:cs typeface="Times New Roman" pitchFamily="18" charset="0"/>
-              </a:rPr>
-              <a:t>!</a:t>
-            </a:r>
-            <a:endParaRPr lang="en-US" sz="6600" dirty="0"/>
-          </a:p>
-        </p:txBody>
-      </p:sp>
-    </p:spTree>
-    <p:extLst>
-      <p:ext uri="{BB962C8B-B14F-4D97-AF65-F5344CB8AC3E}">
-        <p14:creationId xmlns:p14="http://schemas.microsoft.com/office/powerpoint/2010/main" val="1983077624"/>
-      </p:ext>
-    </p:extLst>
-  </p:cSld>
-  <p:clrMapOvr>
-    <a:masterClrMapping/>
-  </p:clrMapOvr>
-  <p:timing>
-    <p:tnLst>
-      <p:par>
-        <p:cTn id="1" dur="indefinite" restart="never" nodeType="tmRoot"/>
-      </p:par>
-    </p:tnLst>
-  </p:timing>
-</p:sld>
-</file>
-
-<file path=ppt/slides/slide23.xml><?xml version="1.0" encoding="utf-8"?>
-<p:sld xmlns:a="http://schemas.openxmlformats.org/drawingml/2006/main" xmlns:r="http://schemas.openxmlformats.org/officeDocument/2006/relationships" xmlns:p="http://schemas.openxmlformats.org/presentationml/2006/main">
-  <p:cSld>
-    <p:spTree>
-      <p:nvGrpSpPr>
-        <p:cNvPr id="1" name=""/>
-        <p:cNvGrpSpPr/>
-        <p:nvPr/>
-      </p:nvGrpSpPr>
-      <p:grpSpPr>
-        <a:xfrm>
-          <a:off x="0" y="0"/>
-          <a:ext cx="0" cy="0"/>
-          <a:chOff x="0" y="0"/>
-          <a:chExt cx="0" cy="0"/>
-        </a:xfrm>
-      </p:grpSpPr>
-      <p:sp>
-        <p:nvSpPr>
-          <p:cNvPr id="5" name="Slide Number Placeholder 4"/>
-          <p:cNvSpPr>
-            <a:spLocks noGrp="1"/>
-          </p:cNvSpPr>
-          <p:nvPr>
-            <p:ph type="sldNum" sz="quarter" idx="12"/>
-          </p:nvPr>
-        </p:nvSpPr>
-        <p:spPr/>
-        <p:txBody>
-          <a:bodyPr/>
-          <a:lstStyle/>
-          <a:p>
-            <a:fld id="{8CFF1A1A-5B53-436D-9EFB-6B8EE7A50023}" type="slidenum">
-              <a:rPr lang="en-US" smtClean="0"/>
-              <a:t>23</a:t>
-            </a:fld>
-            <a:endParaRPr lang="en-US"/>
-          </a:p>
-        </p:txBody>
-      </p:sp>
-      <p:sp>
-        <p:nvSpPr>
-          <p:cNvPr id="3" name="Title 2"/>
-          <p:cNvSpPr>
-            <a:spLocks noGrp="1"/>
-          </p:cNvSpPr>
-          <p:nvPr>
-            <p:ph type="ctrTitle"/>
-          </p:nvPr>
-        </p:nvSpPr>
-        <p:spPr>
-          <a:xfrm>
-            <a:off x="685800" y="2895600"/>
-            <a:ext cx="7772400" cy="1470025"/>
-          </a:xfrm>
-        </p:spPr>
-        <p:txBody>
-          <a:bodyPr>
-            <a:normAutofit/>
-          </a:bodyPr>
-          <a:lstStyle/>
-          <a:p>
-            <a:r>
-              <a:rPr lang="en-US" sz="6600" b="1" dirty="0" smtClean="0">
-                <a:ln w="1905"/>
-                <a:gradFill>
-                  <a:gsLst>
-                    <a:gs pos="0">
-                      <a:schemeClr val="accent6">
-                        <a:shade val="20000"/>
-                        <a:satMod val="200000"/>
-                      </a:schemeClr>
-                    </a:gs>
-                    <a:gs pos="78000">
-                      <a:schemeClr val="accent6">
-                        <a:tint val="90000"/>
-                        <a:shade val="89000"/>
-                        <a:satMod val="220000"/>
-                      </a:schemeClr>
-                    </a:gs>
-                    <a:gs pos="100000">
-                      <a:schemeClr val="accent6">
-                        <a:tint val="12000"/>
-                        <a:satMod val="255000"/>
-                      </a:schemeClr>
-                    </a:gs>
-                  </a:gsLst>
-                  <a:lin ang="5400000"/>
-                </a:gradFill>
-                <a:effectLst>
-                  <a:innerShdw blurRad="69850" dist="43180" dir="5400000">
-                    <a:srgbClr val="000000">
-                      <a:alpha val="65000"/>
-                    </a:srgbClr>
-                  </a:innerShdw>
-                </a:effectLst>
-                <a:latin typeface="Times New Roman" pitchFamily="18" charset="0"/>
-                <a:cs typeface="Times New Roman" pitchFamily="18" charset="0"/>
-              </a:rPr>
-              <a:t>Q&amp;A</a:t>
-            </a:r>
-            <a:endParaRPr lang="en-US" sz="6600" dirty="0"/>
-          </a:p>
-        </p:txBody>
-      </p:sp>
-    </p:spTree>
-    <p:extLst>
-      <p:ext uri="{BB962C8B-B14F-4D97-AF65-F5344CB8AC3E}">
-        <p14:creationId xmlns:p14="http://schemas.microsoft.com/office/powerpoint/2010/main" val="1892860845"/>
-      </p:ext>
-    </p:extLst>
-  </p:cSld>
-  <p:clrMapOvr>
-    <a:masterClrMapping/>
-  </p:clrMapOvr>
-  <p:timing>
-    <p:tnLst>
-      <p:par>
-        <p:cTn id="1" dur="indefinite" restart="never" nodeType="tmRoot"/>
-      </p:par>
-    </p:tnLst>
-  </p:timing>
-</p:sld>
-</file>
-
-<file path=ppt/slides/slide3.xml><?xml version="1.0" encoding="utf-8"?>
+<file path=ppt/slides/slide4.xml><?xml version="1.0" encoding="utf-8"?>
 <p:sld xmlns:a="http://schemas.openxmlformats.org/drawingml/2006/main" xmlns:r="http://schemas.openxmlformats.org/officeDocument/2006/relationships" xmlns:p="http://schemas.openxmlformats.org/presentationml/2006/main">
   <p:cSld>
     <p:spTree>
@@ -25064,7 +23816,7 @@
         </p:nvSpPr>
         <p:spPr>
           <a:xfrm>
-            <a:off x="0" y="914400"/>
+            <a:off x="0" y="990600"/>
             <a:ext cx="9144000" cy="609600"/>
           </a:xfrm>
         </p:spPr>
@@ -25111,7 +23863,7 @@
                 <a:latin typeface="Times New Roman" pitchFamily="18" charset="0"/>
                 <a:cs typeface="Times New Roman" pitchFamily="18" charset="0"/>
               </a:rPr>
-              <a:t>Gian</a:t>
+              <a:t>Phụ</a:t>
             </a:r>
             <a:r>
               <a:rPr lang="en-US" b="1" dirty="0" smtClean="0">
@@ -25150,7 +23902,7 @@
                 <a:latin typeface="Times New Roman" pitchFamily="18" charset="0"/>
                 <a:cs typeface="Times New Roman" pitchFamily="18" charset="0"/>
               </a:rPr>
-              <a:t> nan </a:t>
+              <a:t> </a:t>
             </a:r>
             <a:r>
               <a:rPr lang="en-US" b="1" dirty="0" err="1" smtClean="0">
@@ -25189,7 +23941,7 @@
                 <a:latin typeface="Times New Roman" pitchFamily="18" charset="0"/>
                 <a:cs typeface="Times New Roman" pitchFamily="18" charset="0"/>
               </a:rPr>
-              <a:t>tới</a:t>
+              <a:t>huynh</a:t>
             </a:r>
             <a:r>
               <a:rPr lang="en-US" b="1" dirty="0" smtClean="0">
@@ -25267,7 +24019,319 @@
                 <a:latin typeface="Times New Roman" pitchFamily="18" charset="0"/>
                 <a:cs typeface="Times New Roman" pitchFamily="18" charset="0"/>
               </a:rPr>
-              <a:t>trường</a:t>
+              <a:t>và</a:t>
+            </a:r>
+            <a:r>
+              <a:rPr lang="en-US" b="1" dirty="0" smtClean="0">
+                <a:ln w="1905"/>
+                <a:gradFill>
+                  <a:gsLst>
+                    <a:gs pos="0">
+                      <a:schemeClr val="accent6">
+                        <a:shade val="20000"/>
+                        <a:satMod val="200000"/>
+                      </a:schemeClr>
+                    </a:gs>
+                    <a:gs pos="78000">
+                      <a:schemeClr val="accent6">
+                        <a:tint val="90000"/>
+                        <a:shade val="89000"/>
+                        <a:satMod val="220000"/>
+                      </a:schemeClr>
+                    </a:gs>
+                    <a:gs pos="100000">
+                      <a:schemeClr val="accent6">
+                        <a:tint val="12000"/>
+                        <a:satMod val="255000"/>
+                      </a:schemeClr>
+                    </a:gs>
+                  </a:gsLst>
+                  <a:lin ang="5400000"/>
+                </a:gradFill>
+                <a:effectLst>
+                  <a:innerShdw blurRad="69850" dist="43180" dir="5400000">
+                    <a:srgbClr val="000000">
+                      <a:alpha val="65000"/>
+                    </a:srgbClr>
+                  </a:innerShdw>
+                </a:effectLst>
+                <a:latin typeface="Times New Roman" pitchFamily="18" charset="0"/>
+                <a:cs typeface="Times New Roman" pitchFamily="18" charset="0"/>
+              </a:rPr>
+              <a:t> </a:t>
+            </a:r>
+            <a:r>
+              <a:rPr lang="en-US" b="1" dirty="0" err="1" smtClean="0">
+                <a:ln w="1905"/>
+                <a:gradFill>
+                  <a:gsLst>
+                    <a:gs pos="0">
+                      <a:schemeClr val="accent6">
+                        <a:shade val="20000"/>
+                        <a:satMod val="200000"/>
+                      </a:schemeClr>
+                    </a:gs>
+                    <a:gs pos="78000">
+                      <a:schemeClr val="accent6">
+                        <a:tint val="90000"/>
+                        <a:shade val="89000"/>
+                        <a:satMod val="220000"/>
+                      </a:schemeClr>
+                    </a:gs>
+                    <a:gs pos="100000">
+                      <a:schemeClr val="accent6">
+                        <a:tint val="12000"/>
+                        <a:satMod val="255000"/>
+                      </a:schemeClr>
+                    </a:gs>
+                  </a:gsLst>
+                  <a:lin ang="5400000"/>
+                </a:gradFill>
+                <a:effectLst>
+                  <a:innerShdw blurRad="69850" dist="43180" dir="5400000">
+                    <a:srgbClr val="000000">
+                      <a:alpha val="65000"/>
+                    </a:srgbClr>
+                  </a:innerShdw>
+                </a:effectLst>
+                <a:latin typeface="Times New Roman" pitchFamily="18" charset="0"/>
+                <a:cs typeface="Times New Roman" pitchFamily="18" charset="0"/>
+              </a:rPr>
+              <a:t>những</a:t>
+            </a:r>
+            <a:r>
+              <a:rPr lang="en-US" b="1" dirty="0" smtClean="0">
+                <a:ln w="1905"/>
+                <a:gradFill>
+                  <a:gsLst>
+                    <a:gs pos="0">
+                      <a:schemeClr val="accent6">
+                        <a:shade val="20000"/>
+                        <a:satMod val="200000"/>
+                      </a:schemeClr>
+                    </a:gs>
+                    <a:gs pos="78000">
+                      <a:schemeClr val="accent6">
+                        <a:tint val="90000"/>
+                        <a:shade val="89000"/>
+                        <a:satMod val="220000"/>
+                      </a:schemeClr>
+                    </a:gs>
+                    <a:gs pos="100000">
+                      <a:schemeClr val="accent6">
+                        <a:tint val="12000"/>
+                        <a:satMod val="255000"/>
+                      </a:schemeClr>
+                    </a:gs>
+                  </a:gsLst>
+                  <a:lin ang="5400000"/>
+                </a:gradFill>
+                <a:effectLst>
+                  <a:innerShdw blurRad="69850" dist="43180" dir="5400000">
+                    <a:srgbClr val="000000">
+                      <a:alpha val="65000"/>
+                    </a:srgbClr>
+                  </a:innerShdw>
+                </a:effectLst>
+                <a:latin typeface="Times New Roman" pitchFamily="18" charset="0"/>
+                <a:cs typeface="Times New Roman" pitchFamily="18" charset="0"/>
+              </a:rPr>
+              <a:t> </a:t>
+            </a:r>
+            <a:r>
+              <a:rPr lang="en-US" b="1" dirty="0" err="1" smtClean="0">
+                <a:ln w="1905"/>
+                <a:gradFill>
+                  <a:gsLst>
+                    <a:gs pos="0">
+                      <a:schemeClr val="accent6">
+                        <a:shade val="20000"/>
+                        <a:satMod val="200000"/>
+                      </a:schemeClr>
+                    </a:gs>
+                    <a:gs pos="78000">
+                      <a:schemeClr val="accent6">
+                        <a:tint val="90000"/>
+                        <a:shade val="89000"/>
+                        <a:satMod val="220000"/>
+                      </a:schemeClr>
+                    </a:gs>
+                    <a:gs pos="100000">
+                      <a:schemeClr val="accent6">
+                        <a:tint val="12000"/>
+                        <a:satMod val="255000"/>
+                      </a:schemeClr>
+                    </a:gs>
+                  </a:gsLst>
+                  <a:lin ang="5400000"/>
+                </a:gradFill>
+                <a:effectLst>
+                  <a:innerShdw blurRad="69850" dist="43180" dir="5400000">
+                    <a:srgbClr val="000000">
+                      <a:alpha val="65000"/>
+                    </a:srgbClr>
+                  </a:innerShdw>
+                </a:effectLst>
+                <a:latin typeface="Times New Roman" pitchFamily="18" charset="0"/>
+                <a:cs typeface="Times New Roman" pitchFamily="18" charset="0"/>
+              </a:rPr>
+              <a:t>điều</a:t>
+            </a:r>
+            <a:r>
+              <a:rPr lang="en-US" b="1" dirty="0" smtClean="0">
+                <a:ln w="1905"/>
+                <a:gradFill>
+                  <a:gsLst>
+                    <a:gs pos="0">
+                      <a:schemeClr val="accent6">
+                        <a:shade val="20000"/>
+                        <a:satMod val="200000"/>
+                      </a:schemeClr>
+                    </a:gs>
+                    <a:gs pos="78000">
+                      <a:schemeClr val="accent6">
+                        <a:tint val="90000"/>
+                        <a:shade val="89000"/>
+                        <a:satMod val="220000"/>
+                      </a:schemeClr>
+                    </a:gs>
+                    <a:gs pos="100000">
+                      <a:schemeClr val="accent6">
+                        <a:tint val="12000"/>
+                        <a:satMod val="255000"/>
+                      </a:schemeClr>
+                    </a:gs>
+                  </a:gsLst>
+                  <a:lin ang="5400000"/>
+                </a:gradFill>
+                <a:effectLst>
+                  <a:innerShdw blurRad="69850" dist="43180" dir="5400000">
+                    <a:srgbClr val="000000">
+                      <a:alpha val="65000"/>
+                    </a:srgbClr>
+                  </a:innerShdw>
+                </a:effectLst>
+                <a:latin typeface="Times New Roman" pitchFamily="18" charset="0"/>
+                <a:cs typeface="Times New Roman" pitchFamily="18" charset="0"/>
+              </a:rPr>
+              <a:t> </a:t>
+            </a:r>
+            <a:r>
+              <a:rPr lang="en-US" b="1" dirty="0" err="1" smtClean="0">
+                <a:ln w="1905"/>
+                <a:gradFill>
+                  <a:gsLst>
+                    <a:gs pos="0">
+                      <a:schemeClr val="accent6">
+                        <a:shade val="20000"/>
+                        <a:satMod val="200000"/>
+                      </a:schemeClr>
+                    </a:gs>
+                    <a:gs pos="78000">
+                      <a:schemeClr val="accent6">
+                        <a:tint val="90000"/>
+                        <a:shade val="89000"/>
+                        <a:satMod val="220000"/>
+                      </a:schemeClr>
+                    </a:gs>
+                    <a:gs pos="100000">
+                      <a:schemeClr val="accent6">
+                        <a:tint val="12000"/>
+                        <a:satMod val="255000"/>
+                      </a:schemeClr>
+                    </a:gs>
+                  </a:gsLst>
+                  <a:lin ang="5400000"/>
+                </a:gradFill>
+                <a:effectLst>
+                  <a:innerShdw blurRad="69850" dist="43180" dir="5400000">
+                    <a:srgbClr val="000000">
+                      <a:alpha val="65000"/>
+                    </a:srgbClr>
+                  </a:innerShdw>
+                </a:effectLst>
+                <a:latin typeface="Times New Roman" pitchFamily="18" charset="0"/>
+                <a:cs typeface="Times New Roman" pitchFamily="18" charset="0"/>
+              </a:rPr>
+              <a:t>trăn</a:t>
+            </a:r>
+            <a:r>
+              <a:rPr lang="en-US" b="1" dirty="0" smtClean="0">
+                <a:ln w="1905"/>
+                <a:gradFill>
+                  <a:gsLst>
+                    <a:gs pos="0">
+                      <a:schemeClr val="accent6">
+                        <a:shade val="20000"/>
+                        <a:satMod val="200000"/>
+                      </a:schemeClr>
+                    </a:gs>
+                    <a:gs pos="78000">
+                      <a:schemeClr val="accent6">
+                        <a:tint val="90000"/>
+                        <a:shade val="89000"/>
+                        <a:satMod val="220000"/>
+                      </a:schemeClr>
+                    </a:gs>
+                    <a:gs pos="100000">
+                      <a:schemeClr val="accent6">
+                        <a:tint val="12000"/>
+                        <a:satMod val="255000"/>
+                      </a:schemeClr>
+                    </a:gs>
+                  </a:gsLst>
+                  <a:lin ang="5400000"/>
+                </a:gradFill>
+                <a:effectLst>
+                  <a:innerShdw blurRad="69850" dist="43180" dir="5400000">
+                    <a:srgbClr val="000000">
+                      <a:alpha val="65000"/>
+                    </a:srgbClr>
+                  </a:innerShdw>
+                </a:effectLst>
+                <a:latin typeface="Times New Roman" pitchFamily="18" charset="0"/>
+                <a:cs typeface="Times New Roman" pitchFamily="18" charset="0"/>
+              </a:rPr>
+              <a:t> </a:t>
+            </a:r>
+            <a:r>
+              <a:rPr lang="en-US" b="1" dirty="0" err="1" smtClean="0">
+                <a:ln w="1905"/>
+                <a:gradFill>
+                  <a:gsLst>
+                    <a:gs pos="0">
+                      <a:schemeClr val="accent6">
+                        <a:shade val="20000"/>
+                        <a:satMod val="200000"/>
+                      </a:schemeClr>
+                    </a:gs>
+                    <a:gs pos="78000">
+                      <a:schemeClr val="accent6">
+                        <a:tint val="90000"/>
+                        <a:shade val="89000"/>
+                        <a:satMod val="220000"/>
+                      </a:schemeClr>
+                    </a:gs>
+                    <a:gs pos="100000">
+                      <a:schemeClr val="accent6">
+                        <a:tint val="12000"/>
+                        <a:satMod val="255000"/>
+                      </a:schemeClr>
+                    </a:gs>
+                  </a:gsLst>
+                  <a:lin ang="5400000"/>
+                </a:gradFill>
+                <a:effectLst>
+                  <a:innerShdw blurRad="69850" dist="43180" dir="5400000">
+                    <a:srgbClr val="000000">
+                      <a:alpha val="65000"/>
+                    </a:srgbClr>
+                  </a:innerShdw>
+                </a:effectLst>
+                <a:latin typeface="Times New Roman" pitchFamily="18" charset="0"/>
+                <a:cs typeface="Times New Roman" pitchFamily="18" charset="0"/>
+              </a:rPr>
+              <a:t>trở</a:t>
             </a:r>
             <a:endParaRPr lang="en-US" b="1" dirty="0">
               <a:ln w="10541" cmpd="sng">
@@ -25344,7 +24408,8 @@
           <a:p>
             <a:fld id="{8CFF1A1A-5B53-436D-9EFB-6B8EE7A50023}" type="slidenum">
               <a:rPr lang="en-US" smtClean="0"/>
-              <a:t>3</a:t>
+              <a:pPr/>
+              <a:t>4</a:t>
             </a:fld>
             <a:endParaRPr lang="en-US"/>
           </a:p>
@@ -25352,7 +24417,7 @@
       </p:sp>
       <p:pic>
         <p:nvPicPr>
-          <p:cNvPr id="2050" name="Picture 2" descr="C:\Users\LeNgocLuyen\Desktop\sachnang281010.jpg"/>
+          <p:cNvPr id="8" name="Picture 5" descr="1236582018_img"/>
           <p:cNvPicPr>
             <a:picLocks noChangeAspect="1" noChangeArrowheads="1"/>
           </p:cNvPicPr>
@@ -25362,7 +24427,7 @@
           <a:blip r:embed="rId2">
             <a:extLst>
               <a:ext uri="{28A0092B-C50C-407E-A947-70E740481C1C}">
-                <a14:useLocalDpi xmlns:a14="http://schemas.microsoft.com/office/drawing/2010/main" val="0"/>
+                <a14:useLocalDpi xmlns="" xmlns:a14="http://schemas.microsoft.com/office/drawing/2010/main" val="0"/>
               </a:ext>
             </a:extLst>
           </a:blip>
@@ -25373,8 +24438,8 @@
         </p:blipFill>
         <p:spPr bwMode="auto">
           <a:xfrm>
-            <a:off x="1295400" y="1752600"/>
-            <a:ext cx="3405187" cy="4460495"/>
+            <a:off x="609600" y="1828800"/>
+            <a:ext cx="4495801" cy="3371851"/>
           </a:xfrm>
           <a:prstGeom prst="rect">
             <a:avLst/>
@@ -25391,7 +24456,7 @@
           </a:effectLst>
           <a:extLst>
             <a:ext uri="{909E8E84-426E-40DD-AFC4-6F175D3DCCD1}">
-              <a14:hiddenFill xmlns:a14="http://schemas.microsoft.com/office/drawing/2010/main">
+              <a14:hiddenFill xmlns="" xmlns:a14="http://schemas.microsoft.com/office/drawing/2010/main">
                 <a:solidFill>
                   <a:srgbClr val="FFFFFF"/>
                 </a:solidFill>
@@ -25402,216 +24467,62 @@
       </p:pic>
       <p:sp>
         <p:nvSpPr>
-          <p:cNvPr id="3" name="Rectangle 2"/>
+          <p:cNvPr id="7" name="Chevron 6"/>
           <p:cNvSpPr/>
           <p:nvPr/>
         </p:nvSpPr>
         <p:spPr>
-          <a:xfrm>
-            <a:off x="5105400" y="1929348"/>
-            <a:ext cx="3657600" cy="3785652"/>
+          <a:xfrm flipH="1">
+            <a:off x="5181600" y="2590800"/>
+            <a:ext cx="3962400" cy="1981200"/>
           </a:xfrm>
-          <a:prstGeom prst="rect">
-            <a:avLst/>
+          <a:prstGeom prst="chevron">
+            <a:avLst>
+              <a:gd name="adj" fmla="val 26350"/>
+            </a:avLst>
           </a:prstGeom>
-          <a:effectLst>
-            <a:outerShdw blurRad="50800" dist="38100" dir="18900000" algn="bl" rotWithShape="0">
-              <a:prstClr val="black">
-                <a:alpha val="40000"/>
-              </a:prstClr>
-            </a:outerShdw>
-          </a:effectLst>
         </p:spPr>
+        <p:style>
+          <a:lnRef idx="1">
+            <a:schemeClr val="accent1"/>
+          </a:lnRef>
+          <a:fillRef idx="2">
+            <a:schemeClr val="accent1"/>
+          </a:fillRef>
+          <a:effectRef idx="1">
+            <a:schemeClr val="accent1"/>
+          </a:effectRef>
+          <a:fontRef idx="minor">
+            <a:schemeClr val="dk1"/>
+          </a:fontRef>
+        </p:style>
         <p:txBody>
-          <a:bodyPr wrap="square">
-            <a:spAutoFit/>
-          </a:bodyPr>
+          <a:bodyPr rtlCol="0" anchor="ctr"/>
           <a:lstStyle/>
           <a:p>
-            <a:pPr algn="just"/>
-            <a:r>
-              <a:rPr lang="en-US" sz="6000" b="1" dirty="0" err="1" smtClean="0">
-                <a:solidFill>
-                  <a:srgbClr val="009900"/>
-                </a:solidFill>
-                <a:latin typeface="Times New Roman" pitchFamily="18" charset="0"/>
-                <a:cs typeface="Times New Roman" pitchFamily="18" charset="0"/>
-              </a:rPr>
-              <a:t>Chúng</a:t>
-            </a:r>
-            <a:r>
-              <a:rPr lang="en-US" sz="6000" b="1" dirty="0" smtClean="0">
-                <a:solidFill>
-                  <a:srgbClr val="009900"/>
-                </a:solidFill>
-                <a:latin typeface="Times New Roman" pitchFamily="18" charset="0"/>
-                <a:cs typeface="Times New Roman" pitchFamily="18" charset="0"/>
-              </a:rPr>
-              <a:t> ta </a:t>
-            </a:r>
-            <a:r>
-              <a:rPr lang="en-US" sz="6000" b="1" dirty="0" err="1" smtClean="0">
-                <a:solidFill>
-                  <a:srgbClr val="009900"/>
-                </a:solidFill>
-                <a:latin typeface="Times New Roman" pitchFamily="18" charset="0"/>
-                <a:cs typeface="Times New Roman" pitchFamily="18" charset="0"/>
-              </a:rPr>
-              <a:t>đã</a:t>
-            </a:r>
-            <a:r>
-              <a:rPr lang="en-US" sz="6000" b="1" dirty="0" smtClean="0">
-                <a:solidFill>
-                  <a:srgbClr val="009900"/>
-                </a:solidFill>
-                <a:latin typeface="Times New Roman" pitchFamily="18" charset="0"/>
-                <a:cs typeface="Times New Roman" pitchFamily="18" charset="0"/>
-              </a:rPr>
-              <a:t> </a:t>
-            </a:r>
-            <a:r>
-              <a:rPr lang="en-US" sz="6000" b="1" dirty="0" err="1" smtClean="0">
-                <a:solidFill>
-                  <a:srgbClr val="009900"/>
-                </a:solidFill>
-                <a:latin typeface="Times New Roman" pitchFamily="18" charset="0"/>
-                <a:cs typeface="Times New Roman" pitchFamily="18" charset="0"/>
-              </a:rPr>
-              <a:t>làm</a:t>
-            </a:r>
-            <a:r>
-              <a:rPr lang="en-US" sz="6000" b="1" dirty="0" smtClean="0">
-                <a:solidFill>
-                  <a:srgbClr val="009900"/>
-                </a:solidFill>
-                <a:latin typeface="Times New Roman" pitchFamily="18" charset="0"/>
-                <a:cs typeface="Times New Roman" pitchFamily="18" charset="0"/>
-              </a:rPr>
-              <a:t> </a:t>
-            </a:r>
-            <a:r>
-              <a:rPr lang="en-US" sz="6000" b="1" dirty="0" err="1" smtClean="0">
-                <a:solidFill>
-                  <a:srgbClr val="009900"/>
-                </a:solidFill>
-                <a:latin typeface="Times New Roman" pitchFamily="18" charset="0"/>
-                <a:cs typeface="Times New Roman" pitchFamily="18" charset="0"/>
-              </a:rPr>
-              <a:t>gì</a:t>
-            </a:r>
-            <a:r>
-              <a:rPr lang="en-US" sz="6000" b="1" dirty="0" smtClean="0">
-                <a:solidFill>
-                  <a:srgbClr val="009900"/>
-                </a:solidFill>
-                <a:latin typeface="Times New Roman" pitchFamily="18" charset="0"/>
-                <a:cs typeface="Times New Roman" pitchFamily="18" charset="0"/>
-              </a:rPr>
-              <a:t> </a:t>
-            </a:r>
-            <a:r>
-              <a:rPr lang="en-US" sz="6000" b="1" dirty="0" err="1" smtClean="0">
-                <a:solidFill>
-                  <a:srgbClr val="009900"/>
-                </a:solidFill>
-                <a:latin typeface="Times New Roman" pitchFamily="18" charset="0"/>
-                <a:cs typeface="Times New Roman" pitchFamily="18" charset="0"/>
-              </a:rPr>
-              <a:t>để</a:t>
-            </a:r>
-            <a:r>
-              <a:rPr lang="en-US" sz="6000" b="1" dirty="0" smtClean="0">
-                <a:solidFill>
-                  <a:srgbClr val="009900"/>
-                </a:solidFill>
-                <a:latin typeface="Times New Roman" pitchFamily="18" charset="0"/>
-                <a:cs typeface="Times New Roman" pitchFamily="18" charset="0"/>
-              </a:rPr>
-              <a:t> </a:t>
-            </a:r>
-            <a:r>
-              <a:rPr lang="en-US" sz="6000" b="1" dirty="0" err="1" smtClean="0">
-                <a:solidFill>
-                  <a:srgbClr val="009900"/>
-                </a:solidFill>
-                <a:latin typeface="Times New Roman" pitchFamily="18" charset="0"/>
-                <a:cs typeface="Times New Roman" pitchFamily="18" charset="0"/>
-              </a:rPr>
-              <a:t>giúp</a:t>
-            </a:r>
-            <a:r>
-              <a:rPr lang="en-US" sz="6000" b="1" dirty="0" smtClean="0">
-                <a:solidFill>
-                  <a:srgbClr val="009900"/>
-                </a:solidFill>
-                <a:latin typeface="Times New Roman" pitchFamily="18" charset="0"/>
-                <a:cs typeface="Times New Roman" pitchFamily="18" charset="0"/>
-              </a:rPr>
-              <a:t> </a:t>
-            </a:r>
-            <a:r>
-              <a:rPr lang="en-US" sz="6000" b="1" dirty="0" err="1" smtClean="0">
-                <a:solidFill>
-                  <a:srgbClr val="009900"/>
-                </a:solidFill>
-                <a:latin typeface="Times New Roman" pitchFamily="18" charset="0"/>
-                <a:cs typeface="Times New Roman" pitchFamily="18" charset="0"/>
-              </a:rPr>
-              <a:t>đỡ</a:t>
-            </a:r>
-            <a:r>
-              <a:rPr lang="en-US" sz="6000" b="1" dirty="0" smtClean="0">
-                <a:solidFill>
-                  <a:srgbClr val="009900"/>
-                </a:solidFill>
-                <a:latin typeface="Times New Roman" pitchFamily="18" charset="0"/>
-                <a:cs typeface="Times New Roman" pitchFamily="18" charset="0"/>
-              </a:rPr>
-              <a:t> </a:t>
-            </a:r>
-            <a:r>
-              <a:rPr lang="en-US" sz="6000" b="1" dirty="0" err="1" smtClean="0">
-                <a:solidFill>
-                  <a:srgbClr val="009900"/>
-                </a:solidFill>
-                <a:latin typeface="Times New Roman" pitchFamily="18" charset="0"/>
-                <a:cs typeface="Times New Roman" pitchFamily="18" charset="0"/>
-              </a:rPr>
-              <a:t>các</a:t>
-            </a:r>
-            <a:r>
-              <a:rPr lang="en-US" sz="6000" b="1" dirty="0" smtClean="0">
-                <a:solidFill>
-                  <a:srgbClr val="009900"/>
-                </a:solidFill>
-                <a:latin typeface="Times New Roman" pitchFamily="18" charset="0"/>
-                <a:cs typeface="Times New Roman" pitchFamily="18" charset="0"/>
-              </a:rPr>
-              <a:t> </a:t>
-            </a:r>
-            <a:r>
-              <a:rPr lang="en-US" sz="6000" b="1" dirty="0" err="1" smtClean="0">
-                <a:solidFill>
-                  <a:srgbClr val="009900"/>
-                </a:solidFill>
-                <a:latin typeface="Times New Roman" pitchFamily="18" charset="0"/>
-                <a:cs typeface="Times New Roman" pitchFamily="18" charset="0"/>
-              </a:rPr>
-              <a:t>em</a:t>
-            </a:r>
-            <a:r>
-              <a:rPr lang="en-US" sz="6000" b="1" dirty="0" smtClean="0">
-                <a:solidFill>
-                  <a:srgbClr val="009900"/>
-                </a:solidFill>
-                <a:latin typeface="Times New Roman" pitchFamily="18" charset="0"/>
-                <a:cs typeface="Times New Roman" pitchFamily="18" charset="0"/>
-              </a:rPr>
-              <a:t>?</a:t>
-            </a:r>
-            <a:endParaRPr lang="en-US" sz="6000" b="1" dirty="0">
+            <a:r>
+              <a:rPr lang="en-US" sz="3600" b="1" smtClean="0">
+                <a:solidFill>
+                  <a:srgbClr val="C00000"/>
+                </a:solidFill>
+                <a:latin typeface="Times New Roman" pitchFamily="18" charset="0"/>
+                <a:cs typeface="Times New Roman" pitchFamily="18" charset="0"/>
+              </a:rPr>
+              <a:t>H</a:t>
+            </a:r>
+            <a:r>
+              <a:rPr lang="vi-VN" sz="3600" b="1" smtClean="0">
+                <a:solidFill>
+                  <a:srgbClr val="C00000"/>
+                </a:solidFill>
+                <a:latin typeface="Times New Roman" pitchFamily="18" charset="0"/>
+                <a:cs typeface="Times New Roman" pitchFamily="18" charset="0"/>
+              </a:rPr>
+              <a:t>ọ sẽ tìm những điều đó ở đâu?</a:t>
+            </a:r>
+            <a:endParaRPr lang="en-US" sz="3600" b="1" dirty="0">
               <a:solidFill>
-                <a:srgbClr val="009900"/>
+                <a:srgbClr val="C00000"/>
               </a:solidFill>
               <a:latin typeface="Times New Roman" pitchFamily="18" charset="0"/>
               <a:cs typeface="Times New Roman" pitchFamily="18" charset="0"/>
@@ -25622,7 +24533,7 @@
     </p:spTree>
     <p:extLst>
       <p:ext uri="{BB962C8B-B14F-4D97-AF65-F5344CB8AC3E}">
-        <p14:creationId xmlns:p14="http://schemas.microsoft.com/office/powerpoint/2010/main" val="3405957823"/>
+        <p14:creationId xmlns="" xmlns:p14="http://schemas.microsoft.com/office/powerpoint/2010/main" val="425800422"/>
       </p:ext>
     </p:extLst>
   </p:cSld>
@@ -25641,6 +24552,9 @@
                     <p:cTn id="3" fill="hold">
                       <p:stCondLst>
                         <p:cond delay="indefinite"/>
+                        <p:cond evt="onBegin" delay="0">
+                          <p:tn val="2"/>
+                        </p:cond>
                       </p:stCondLst>
                       <p:childTnLst>
                         <p:par>
@@ -25650,944 +24564,7 @@
                             </p:stCondLst>
                             <p:childTnLst>
                               <p:par>
-                                <p:cTn id="5" presetID="6" presetClass="entr" presetSubtype="16" fill="hold" nodeType="clickEffect">
-                                  <p:stCondLst>
-                                    <p:cond delay="0"/>
-                                  </p:stCondLst>
-                                  <p:childTnLst>
-                                    <p:set>
-                                      <p:cBhvr>
-                                        <p:cTn id="6" dur="1" fill="hold">
-                                          <p:stCondLst>
-                                            <p:cond delay="0"/>
-                                          </p:stCondLst>
-                                        </p:cTn>
-                                        <p:tgtEl>
-                                          <p:spTgt spid="2050"/>
-                                        </p:tgtEl>
-                                        <p:attrNameLst>
-                                          <p:attrName>style.visibility</p:attrName>
-                                        </p:attrNameLst>
-                                      </p:cBhvr>
-                                      <p:to>
-                                        <p:strVal val="visible"/>
-                                      </p:to>
-                                    </p:set>
-                                    <p:animEffect transition="in" filter="circle(in)">
-                                      <p:cBhvr>
-                                        <p:cTn id="7" dur="2000"/>
-                                        <p:tgtEl>
-                                          <p:spTgt spid="2050"/>
-                                        </p:tgtEl>
-                                      </p:cBhvr>
-                                    </p:animEffect>
-                                  </p:childTnLst>
-                                </p:cTn>
-                              </p:par>
-                            </p:childTnLst>
-                          </p:cTn>
-                        </p:par>
-                      </p:childTnLst>
-                    </p:cTn>
-                  </p:par>
-                  <p:par>
-                    <p:cTn id="8" fill="hold">
-                      <p:stCondLst>
-                        <p:cond delay="indefinite"/>
-                      </p:stCondLst>
-                      <p:childTnLst>
-                        <p:par>
-                          <p:cTn id="9" fill="hold">
-                            <p:stCondLst>
-                              <p:cond delay="0"/>
-                            </p:stCondLst>
-                            <p:childTnLst>
-                              <p:par>
-                                <p:cTn id="10" presetID="42" presetClass="entr" presetSubtype="0" fill="hold" grpId="0" nodeType="clickEffect">
-                                  <p:stCondLst>
-                                    <p:cond delay="0"/>
-                                  </p:stCondLst>
-                                  <p:childTnLst>
-                                    <p:set>
-                                      <p:cBhvr>
-                                        <p:cTn id="11" dur="1" fill="hold">
-                                          <p:stCondLst>
-                                            <p:cond delay="0"/>
-                                          </p:stCondLst>
-                                        </p:cTn>
-                                        <p:tgtEl>
-                                          <p:spTgt spid="3"/>
-                                        </p:tgtEl>
-                                        <p:attrNameLst>
-                                          <p:attrName>style.visibility</p:attrName>
-                                        </p:attrNameLst>
-                                      </p:cBhvr>
-                                      <p:to>
-                                        <p:strVal val="visible"/>
-                                      </p:to>
-                                    </p:set>
-                                    <p:animEffect transition="in" filter="fade">
-                                      <p:cBhvr>
-                                        <p:cTn id="12" dur="1000"/>
-                                        <p:tgtEl>
-                                          <p:spTgt spid="3"/>
-                                        </p:tgtEl>
-                                      </p:cBhvr>
-                                    </p:animEffect>
-                                    <p:anim calcmode="lin" valueType="num">
-                                      <p:cBhvr>
-                                        <p:cTn id="13" dur="1000" fill="hold"/>
-                                        <p:tgtEl>
-                                          <p:spTgt spid="3"/>
-                                        </p:tgtEl>
-                                        <p:attrNameLst>
-                                          <p:attrName>ppt_x</p:attrName>
-                                        </p:attrNameLst>
-                                      </p:cBhvr>
-                                      <p:tavLst>
-                                        <p:tav tm="0">
-                                          <p:val>
-                                            <p:strVal val="#ppt_x"/>
-                                          </p:val>
-                                        </p:tav>
-                                        <p:tav tm="100000">
-                                          <p:val>
-                                            <p:strVal val="#ppt_x"/>
-                                          </p:val>
-                                        </p:tav>
-                                      </p:tavLst>
-                                    </p:anim>
-                                    <p:anim calcmode="lin" valueType="num">
-                                      <p:cBhvr>
-                                        <p:cTn id="14" dur="1000" fill="hold"/>
-                                        <p:tgtEl>
-                                          <p:spTgt spid="3"/>
-                                        </p:tgtEl>
-                                        <p:attrNameLst>
-                                          <p:attrName>ppt_y</p:attrName>
-                                        </p:attrNameLst>
-                                      </p:cBhvr>
-                                      <p:tavLst>
-                                        <p:tav tm="0">
-                                          <p:val>
-                                            <p:strVal val="#ppt_y+.1"/>
-                                          </p:val>
-                                        </p:tav>
-                                        <p:tav tm="100000">
-                                          <p:val>
-                                            <p:strVal val="#ppt_y"/>
-                                          </p:val>
-                                        </p:tav>
-                                      </p:tavLst>
-                                    </p:anim>
-                                  </p:childTnLst>
-                                </p:cTn>
-                              </p:par>
-                            </p:childTnLst>
-                          </p:cTn>
-                        </p:par>
-                      </p:childTnLst>
-                    </p:cTn>
-                  </p:par>
-                </p:childTnLst>
-              </p:cTn>
-              <p:prevCondLst>
-                <p:cond evt="onPrev" delay="0">
-                  <p:tgtEl>
-                    <p:sldTgt/>
-                  </p:tgtEl>
-                </p:cond>
-              </p:prevCondLst>
-              <p:nextCondLst>
-                <p:cond evt="onNext" delay="0">
-                  <p:tgtEl>
-                    <p:sldTgt/>
-                  </p:tgtEl>
-                </p:cond>
-              </p:nextCondLst>
-            </p:seq>
-          </p:childTnLst>
-        </p:cTn>
-      </p:par>
-    </p:tnLst>
-    <p:bldLst>
-      <p:bldP spid="3" grpId="0"/>
-    </p:bldLst>
-  </p:timing>
-</p:sld>
-</file>
-
-<file path=ppt/slides/slide4.xml><?xml version="1.0" encoding="utf-8"?>
-<p:sld xmlns:a="http://schemas.openxmlformats.org/drawingml/2006/main" xmlns:r="http://schemas.openxmlformats.org/officeDocument/2006/relationships" xmlns:p="http://schemas.openxmlformats.org/presentationml/2006/main">
-  <p:cSld>
-    <p:spTree>
-      <p:nvGrpSpPr>
-        <p:cNvPr id="1" name=""/>
-        <p:cNvGrpSpPr/>
-        <p:nvPr/>
-      </p:nvGrpSpPr>
-      <p:grpSpPr>
-        <a:xfrm>
-          <a:off x="0" y="0"/>
-          <a:ext cx="0" cy="0"/>
-          <a:chOff x="0" y="0"/>
-          <a:chExt cx="0" cy="0"/>
-        </a:xfrm>
-      </p:grpSpPr>
-      <p:sp>
-        <p:nvSpPr>
-          <p:cNvPr id="2" name="Title 1"/>
-          <p:cNvSpPr>
-            <a:spLocks noGrp="1"/>
-          </p:cNvSpPr>
-          <p:nvPr>
-            <p:ph type="ctrTitle"/>
-          </p:nvPr>
-        </p:nvSpPr>
-        <p:spPr>
-          <a:xfrm>
-            <a:off x="0" y="990600"/>
-            <a:ext cx="9144000" cy="609600"/>
-          </a:xfrm>
-        </p:spPr>
-        <p:txBody>
-          <a:bodyPr>
-            <a:normAutofit fontScale="90000"/>
-          </a:bodyPr>
-          <a:lstStyle/>
-          <a:p>
-            <a:r>
-              <a:rPr lang="en-US" b="1" dirty="0" err="1" smtClean="0">
-                <a:ln w="1905"/>
-                <a:gradFill>
-                  <a:gsLst>
-                    <a:gs pos="0">
-                      <a:schemeClr val="accent6">
-                        <a:shade val="20000"/>
-                        <a:satMod val="200000"/>
-                      </a:schemeClr>
-                    </a:gs>
-                    <a:gs pos="78000">
-                      <a:schemeClr val="accent6">
-                        <a:tint val="90000"/>
-                        <a:shade val="89000"/>
-                        <a:satMod val="220000"/>
-                      </a:schemeClr>
-                    </a:gs>
-                    <a:gs pos="100000">
-                      <a:schemeClr val="accent6">
-                        <a:tint val="12000"/>
-                        <a:satMod val="255000"/>
-                      </a:schemeClr>
-                    </a:gs>
-                  </a:gsLst>
-                  <a:lin ang="5400000"/>
-                </a:gradFill>
-                <a:effectLst>
-                  <a:innerShdw blurRad="69850" dist="43180" dir="5400000">
-                    <a:srgbClr val="000000">
-                      <a:alpha val="65000"/>
-                    </a:srgbClr>
-                  </a:innerShdw>
-                </a:effectLst>
-                <a:latin typeface="Times New Roman" pitchFamily="18" charset="0"/>
-                <a:cs typeface="Times New Roman" pitchFamily="18" charset="0"/>
-              </a:rPr>
-              <a:t>Phụ</a:t>
-            </a:r>
-            <a:r>
-              <a:rPr lang="en-US" b="1" dirty="0" smtClean="0">
-                <a:ln w="1905"/>
-                <a:gradFill>
-                  <a:gsLst>
-                    <a:gs pos="0">
-                      <a:schemeClr val="accent6">
-                        <a:shade val="20000"/>
-                        <a:satMod val="200000"/>
-                      </a:schemeClr>
-                    </a:gs>
-                    <a:gs pos="78000">
-                      <a:schemeClr val="accent6">
-                        <a:tint val="90000"/>
-                        <a:shade val="89000"/>
-                        <a:satMod val="220000"/>
-                      </a:schemeClr>
-                    </a:gs>
-                    <a:gs pos="100000">
-                      <a:schemeClr val="accent6">
-                        <a:tint val="12000"/>
-                        <a:satMod val="255000"/>
-                      </a:schemeClr>
-                    </a:gs>
-                  </a:gsLst>
-                  <a:lin ang="5400000"/>
-                </a:gradFill>
-                <a:effectLst>
-                  <a:innerShdw blurRad="69850" dist="43180" dir="5400000">
-                    <a:srgbClr val="000000">
-                      <a:alpha val="65000"/>
-                    </a:srgbClr>
-                  </a:innerShdw>
-                </a:effectLst>
-                <a:latin typeface="Times New Roman" pitchFamily="18" charset="0"/>
-                <a:cs typeface="Times New Roman" pitchFamily="18" charset="0"/>
-              </a:rPr>
-              <a:t> </a:t>
-            </a:r>
-            <a:r>
-              <a:rPr lang="en-US" b="1" dirty="0" err="1" smtClean="0">
-                <a:ln w="1905"/>
-                <a:gradFill>
-                  <a:gsLst>
-                    <a:gs pos="0">
-                      <a:schemeClr val="accent6">
-                        <a:shade val="20000"/>
-                        <a:satMod val="200000"/>
-                      </a:schemeClr>
-                    </a:gs>
-                    <a:gs pos="78000">
-                      <a:schemeClr val="accent6">
-                        <a:tint val="90000"/>
-                        <a:shade val="89000"/>
-                        <a:satMod val="220000"/>
-                      </a:schemeClr>
-                    </a:gs>
-                    <a:gs pos="100000">
-                      <a:schemeClr val="accent6">
-                        <a:tint val="12000"/>
-                        <a:satMod val="255000"/>
-                      </a:schemeClr>
-                    </a:gs>
-                  </a:gsLst>
-                  <a:lin ang="5400000"/>
-                </a:gradFill>
-                <a:effectLst>
-                  <a:innerShdw blurRad="69850" dist="43180" dir="5400000">
-                    <a:srgbClr val="000000">
-                      <a:alpha val="65000"/>
-                    </a:srgbClr>
-                  </a:innerShdw>
-                </a:effectLst>
-                <a:latin typeface="Times New Roman" pitchFamily="18" charset="0"/>
-                <a:cs typeface="Times New Roman" pitchFamily="18" charset="0"/>
-              </a:rPr>
-              <a:t>huynh</a:t>
-            </a:r>
-            <a:r>
-              <a:rPr lang="en-US" b="1" dirty="0" smtClean="0">
-                <a:ln w="1905"/>
-                <a:gradFill>
-                  <a:gsLst>
-                    <a:gs pos="0">
-                      <a:schemeClr val="accent6">
-                        <a:shade val="20000"/>
-                        <a:satMod val="200000"/>
-                      </a:schemeClr>
-                    </a:gs>
-                    <a:gs pos="78000">
-                      <a:schemeClr val="accent6">
-                        <a:tint val="90000"/>
-                        <a:shade val="89000"/>
-                        <a:satMod val="220000"/>
-                      </a:schemeClr>
-                    </a:gs>
-                    <a:gs pos="100000">
-                      <a:schemeClr val="accent6">
-                        <a:tint val="12000"/>
-                        <a:satMod val="255000"/>
-                      </a:schemeClr>
-                    </a:gs>
-                  </a:gsLst>
-                  <a:lin ang="5400000"/>
-                </a:gradFill>
-                <a:effectLst>
-                  <a:innerShdw blurRad="69850" dist="43180" dir="5400000">
-                    <a:srgbClr val="000000">
-                      <a:alpha val="65000"/>
-                    </a:srgbClr>
-                  </a:innerShdw>
-                </a:effectLst>
-                <a:latin typeface="Times New Roman" pitchFamily="18" charset="0"/>
-                <a:cs typeface="Times New Roman" pitchFamily="18" charset="0"/>
-              </a:rPr>
-              <a:t> </a:t>
-            </a:r>
-            <a:r>
-              <a:rPr lang="en-US" b="1" dirty="0" err="1" smtClean="0">
-                <a:ln w="1905"/>
-                <a:gradFill>
-                  <a:gsLst>
-                    <a:gs pos="0">
-                      <a:schemeClr val="accent6">
-                        <a:shade val="20000"/>
-                        <a:satMod val="200000"/>
-                      </a:schemeClr>
-                    </a:gs>
-                    <a:gs pos="78000">
-                      <a:schemeClr val="accent6">
-                        <a:tint val="90000"/>
-                        <a:shade val="89000"/>
-                        <a:satMod val="220000"/>
-                      </a:schemeClr>
-                    </a:gs>
-                    <a:gs pos="100000">
-                      <a:schemeClr val="accent6">
-                        <a:tint val="12000"/>
-                        <a:satMod val="255000"/>
-                      </a:schemeClr>
-                    </a:gs>
-                  </a:gsLst>
-                  <a:lin ang="5400000"/>
-                </a:gradFill>
-                <a:effectLst>
-                  <a:innerShdw blurRad="69850" dist="43180" dir="5400000">
-                    <a:srgbClr val="000000">
-                      <a:alpha val="65000"/>
-                    </a:srgbClr>
-                  </a:innerShdw>
-                </a:effectLst>
-                <a:latin typeface="Times New Roman" pitchFamily="18" charset="0"/>
-                <a:cs typeface="Times New Roman" pitchFamily="18" charset="0"/>
-              </a:rPr>
-              <a:t>và</a:t>
-            </a:r>
-            <a:r>
-              <a:rPr lang="en-US" b="1" dirty="0" smtClean="0">
-                <a:ln w="1905"/>
-                <a:gradFill>
-                  <a:gsLst>
-                    <a:gs pos="0">
-                      <a:schemeClr val="accent6">
-                        <a:shade val="20000"/>
-                        <a:satMod val="200000"/>
-                      </a:schemeClr>
-                    </a:gs>
-                    <a:gs pos="78000">
-                      <a:schemeClr val="accent6">
-                        <a:tint val="90000"/>
-                        <a:shade val="89000"/>
-                        <a:satMod val="220000"/>
-                      </a:schemeClr>
-                    </a:gs>
-                    <a:gs pos="100000">
-                      <a:schemeClr val="accent6">
-                        <a:tint val="12000"/>
-                        <a:satMod val="255000"/>
-                      </a:schemeClr>
-                    </a:gs>
-                  </a:gsLst>
-                  <a:lin ang="5400000"/>
-                </a:gradFill>
-                <a:effectLst>
-                  <a:innerShdw blurRad="69850" dist="43180" dir="5400000">
-                    <a:srgbClr val="000000">
-                      <a:alpha val="65000"/>
-                    </a:srgbClr>
-                  </a:innerShdw>
-                </a:effectLst>
-                <a:latin typeface="Times New Roman" pitchFamily="18" charset="0"/>
-                <a:cs typeface="Times New Roman" pitchFamily="18" charset="0"/>
-              </a:rPr>
-              <a:t> </a:t>
-            </a:r>
-            <a:r>
-              <a:rPr lang="en-US" b="1" dirty="0" err="1" smtClean="0">
-                <a:ln w="1905"/>
-                <a:gradFill>
-                  <a:gsLst>
-                    <a:gs pos="0">
-                      <a:schemeClr val="accent6">
-                        <a:shade val="20000"/>
-                        <a:satMod val="200000"/>
-                      </a:schemeClr>
-                    </a:gs>
-                    <a:gs pos="78000">
-                      <a:schemeClr val="accent6">
-                        <a:tint val="90000"/>
-                        <a:shade val="89000"/>
-                        <a:satMod val="220000"/>
-                      </a:schemeClr>
-                    </a:gs>
-                    <a:gs pos="100000">
-                      <a:schemeClr val="accent6">
-                        <a:tint val="12000"/>
-                        <a:satMod val="255000"/>
-                      </a:schemeClr>
-                    </a:gs>
-                  </a:gsLst>
-                  <a:lin ang="5400000"/>
-                </a:gradFill>
-                <a:effectLst>
-                  <a:innerShdw blurRad="69850" dist="43180" dir="5400000">
-                    <a:srgbClr val="000000">
-                      <a:alpha val="65000"/>
-                    </a:srgbClr>
-                  </a:innerShdw>
-                </a:effectLst>
-                <a:latin typeface="Times New Roman" pitchFamily="18" charset="0"/>
-                <a:cs typeface="Times New Roman" pitchFamily="18" charset="0"/>
-              </a:rPr>
-              <a:t>những</a:t>
-            </a:r>
-            <a:r>
-              <a:rPr lang="en-US" b="1" dirty="0" smtClean="0">
-                <a:ln w="1905"/>
-                <a:gradFill>
-                  <a:gsLst>
-                    <a:gs pos="0">
-                      <a:schemeClr val="accent6">
-                        <a:shade val="20000"/>
-                        <a:satMod val="200000"/>
-                      </a:schemeClr>
-                    </a:gs>
-                    <a:gs pos="78000">
-                      <a:schemeClr val="accent6">
-                        <a:tint val="90000"/>
-                        <a:shade val="89000"/>
-                        <a:satMod val="220000"/>
-                      </a:schemeClr>
-                    </a:gs>
-                    <a:gs pos="100000">
-                      <a:schemeClr val="accent6">
-                        <a:tint val="12000"/>
-                        <a:satMod val="255000"/>
-                      </a:schemeClr>
-                    </a:gs>
-                  </a:gsLst>
-                  <a:lin ang="5400000"/>
-                </a:gradFill>
-                <a:effectLst>
-                  <a:innerShdw blurRad="69850" dist="43180" dir="5400000">
-                    <a:srgbClr val="000000">
-                      <a:alpha val="65000"/>
-                    </a:srgbClr>
-                  </a:innerShdw>
-                </a:effectLst>
-                <a:latin typeface="Times New Roman" pitchFamily="18" charset="0"/>
-                <a:cs typeface="Times New Roman" pitchFamily="18" charset="0"/>
-              </a:rPr>
-              <a:t> </a:t>
-            </a:r>
-            <a:r>
-              <a:rPr lang="en-US" b="1" dirty="0" err="1" smtClean="0">
-                <a:ln w="1905"/>
-                <a:gradFill>
-                  <a:gsLst>
-                    <a:gs pos="0">
-                      <a:schemeClr val="accent6">
-                        <a:shade val="20000"/>
-                        <a:satMod val="200000"/>
-                      </a:schemeClr>
-                    </a:gs>
-                    <a:gs pos="78000">
-                      <a:schemeClr val="accent6">
-                        <a:tint val="90000"/>
-                        <a:shade val="89000"/>
-                        <a:satMod val="220000"/>
-                      </a:schemeClr>
-                    </a:gs>
-                    <a:gs pos="100000">
-                      <a:schemeClr val="accent6">
-                        <a:tint val="12000"/>
-                        <a:satMod val="255000"/>
-                      </a:schemeClr>
-                    </a:gs>
-                  </a:gsLst>
-                  <a:lin ang="5400000"/>
-                </a:gradFill>
-                <a:effectLst>
-                  <a:innerShdw blurRad="69850" dist="43180" dir="5400000">
-                    <a:srgbClr val="000000">
-                      <a:alpha val="65000"/>
-                    </a:srgbClr>
-                  </a:innerShdw>
-                </a:effectLst>
-                <a:latin typeface="Times New Roman" pitchFamily="18" charset="0"/>
-                <a:cs typeface="Times New Roman" pitchFamily="18" charset="0"/>
-              </a:rPr>
-              <a:t>điều</a:t>
-            </a:r>
-            <a:r>
-              <a:rPr lang="en-US" b="1" dirty="0" smtClean="0">
-                <a:ln w="1905"/>
-                <a:gradFill>
-                  <a:gsLst>
-                    <a:gs pos="0">
-                      <a:schemeClr val="accent6">
-                        <a:shade val="20000"/>
-                        <a:satMod val="200000"/>
-                      </a:schemeClr>
-                    </a:gs>
-                    <a:gs pos="78000">
-                      <a:schemeClr val="accent6">
-                        <a:tint val="90000"/>
-                        <a:shade val="89000"/>
-                        <a:satMod val="220000"/>
-                      </a:schemeClr>
-                    </a:gs>
-                    <a:gs pos="100000">
-                      <a:schemeClr val="accent6">
-                        <a:tint val="12000"/>
-                        <a:satMod val="255000"/>
-                      </a:schemeClr>
-                    </a:gs>
-                  </a:gsLst>
-                  <a:lin ang="5400000"/>
-                </a:gradFill>
-                <a:effectLst>
-                  <a:innerShdw blurRad="69850" dist="43180" dir="5400000">
-                    <a:srgbClr val="000000">
-                      <a:alpha val="65000"/>
-                    </a:srgbClr>
-                  </a:innerShdw>
-                </a:effectLst>
-                <a:latin typeface="Times New Roman" pitchFamily="18" charset="0"/>
-                <a:cs typeface="Times New Roman" pitchFamily="18" charset="0"/>
-              </a:rPr>
-              <a:t> </a:t>
-            </a:r>
-            <a:r>
-              <a:rPr lang="en-US" b="1" dirty="0" err="1" smtClean="0">
-                <a:ln w="1905"/>
-                <a:gradFill>
-                  <a:gsLst>
-                    <a:gs pos="0">
-                      <a:schemeClr val="accent6">
-                        <a:shade val="20000"/>
-                        <a:satMod val="200000"/>
-                      </a:schemeClr>
-                    </a:gs>
-                    <a:gs pos="78000">
-                      <a:schemeClr val="accent6">
-                        <a:tint val="90000"/>
-                        <a:shade val="89000"/>
-                        <a:satMod val="220000"/>
-                      </a:schemeClr>
-                    </a:gs>
-                    <a:gs pos="100000">
-                      <a:schemeClr val="accent6">
-                        <a:tint val="12000"/>
-                        <a:satMod val="255000"/>
-                      </a:schemeClr>
-                    </a:gs>
-                  </a:gsLst>
-                  <a:lin ang="5400000"/>
-                </a:gradFill>
-                <a:effectLst>
-                  <a:innerShdw blurRad="69850" dist="43180" dir="5400000">
-                    <a:srgbClr val="000000">
-                      <a:alpha val="65000"/>
-                    </a:srgbClr>
-                  </a:innerShdw>
-                </a:effectLst>
-                <a:latin typeface="Times New Roman" pitchFamily="18" charset="0"/>
-                <a:cs typeface="Times New Roman" pitchFamily="18" charset="0"/>
-              </a:rPr>
-              <a:t>trăn</a:t>
-            </a:r>
-            <a:r>
-              <a:rPr lang="en-US" b="1" dirty="0" smtClean="0">
-                <a:ln w="1905"/>
-                <a:gradFill>
-                  <a:gsLst>
-                    <a:gs pos="0">
-                      <a:schemeClr val="accent6">
-                        <a:shade val="20000"/>
-                        <a:satMod val="200000"/>
-                      </a:schemeClr>
-                    </a:gs>
-                    <a:gs pos="78000">
-                      <a:schemeClr val="accent6">
-                        <a:tint val="90000"/>
-                        <a:shade val="89000"/>
-                        <a:satMod val="220000"/>
-                      </a:schemeClr>
-                    </a:gs>
-                    <a:gs pos="100000">
-                      <a:schemeClr val="accent6">
-                        <a:tint val="12000"/>
-                        <a:satMod val="255000"/>
-                      </a:schemeClr>
-                    </a:gs>
-                  </a:gsLst>
-                  <a:lin ang="5400000"/>
-                </a:gradFill>
-                <a:effectLst>
-                  <a:innerShdw blurRad="69850" dist="43180" dir="5400000">
-                    <a:srgbClr val="000000">
-                      <a:alpha val="65000"/>
-                    </a:srgbClr>
-                  </a:innerShdw>
-                </a:effectLst>
-                <a:latin typeface="Times New Roman" pitchFamily="18" charset="0"/>
-                <a:cs typeface="Times New Roman" pitchFamily="18" charset="0"/>
-              </a:rPr>
-              <a:t> </a:t>
-            </a:r>
-            <a:r>
-              <a:rPr lang="en-US" b="1" dirty="0" err="1" smtClean="0">
-                <a:ln w="1905"/>
-                <a:gradFill>
-                  <a:gsLst>
-                    <a:gs pos="0">
-                      <a:schemeClr val="accent6">
-                        <a:shade val="20000"/>
-                        <a:satMod val="200000"/>
-                      </a:schemeClr>
-                    </a:gs>
-                    <a:gs pos="78000">
-                      <a:schemeClr val="accent6">
-                        <a:tint val="90000"/>
-                        <a:shade val="89000"/>
-                        <a:satMod val="220000"/>
-                      </a:schemeClr>
-                    </a:gs>
-                    <a:gs pos="100000">
-                      <a:schemeClr val="accent6">
-                        <a:tint val="12000"/>
-                        <a:satMod val="255000"/>
-                      </a:schemeClr>
-                    </a:gs>
-                  </a:gsLst>
-                  <a:lin ang="5400000"/>
-                </a:gradFill>
-                <a:effectLst>
-                  <a:innerShdw blurRad="69850" dist="43180" dir="5400000">
-                    <a:srgbClr val="000000">
-                      <a:alpha val="65000"/>
-                    </a:srgbClr>
-                  </a:innerShdw>
-                </a:effectLst>
-                <a:latin typeface="Times New Roman" pitchFamily="18" charset="0"/>
-                <a:cs typeface="Times New Roman" pitchFamily="18" charset="0"/>
-              </a:rPr>
-              <a:t>trở</a:t>
-            </a:r>
-            <a:endParaRPr lang="en-US" b="1" dirty="0">
-              <a:ln w="10541" cmpd="sng">
-                <a:solidFill>
-                  <a:schemeClr val="accent1">
-                    <a:shade val="88000"/>
-                    <a:satMod val="110000"/>
-                  </a:schemeClr>
-                </a:solidFill>
-                <a:prstDash val="solid"/>
-              </a:ln>
-              <a:gradFill>
-                <a:gsLst>
-                  <a:gs pos="0">
-                    <a:schemeClr val="accent1">
-                      <a:tint val="40000"/>
-                      <a:satMod val="250000"/>
-                    </a:schemeClr>
-                  </a:gs>
-                  <a:gs pos="9000">
-                    <a:schemeClr val="accent1">
-                      <a:tint val="52000"/>
-                      <a:satMod val="300000"/>
-                    </a:schemeClr>
-                  </a:gs>
-                  <a:gs pos="50000">
-                    <a:schemeClr val="accent1">
-                      <a:shade val="20000"/>
-                      <a:satMod val="300000"/>
-                    </a:schemeClr>
-                  </a:gs>
-                  <a:gs pos="79000">
-                    <a:schemeClr val="accent1">
-                      <a:tint val="52000"/>
-                      <a:satMod val="300000"/>
-                    </a:schemeClr>
-                  </a:gs>
-                  <a:gs pos="100000">
-                    <a:schemeClr val="accent1">
-                      <a:tint val="40000"/>
-                      <a:satMod val="250000"/>
-                    </a:schemeClr>
-                  </a:gs>
-                </a:gsLst>
-                <a:lin ang="5400000"/>
-              </a:gradFill>
-              <a:effectLst>
-                <a:outerShdw blurRad="50800" dist="38100" algn="l" rotWithShape="0">
-                  <a:prstClr val="black">
-                    <a:alpha val="40000"/>
-                  </a:prstClr>
-                </a:outerShdw>
-              </a:effectLst>
-              <a:latin typeface="Times New Roman" pitchFamily="18" charset="0"/>
-              <a:cs typeface="Times New Roman" pitchFamily="18" charset="0"/>
-            </a:endParaRPr>
-          </a:p>
-        </p:txBody>
-      </p:sp>
-      <p:sp>
-        <p:nvSpPr>
-          <p:cNvPr id="5" name="Slide Number Placeholder 4"/>
-          <p:cNvSpPr>
-            <a:spLocks noGrp="1"/>
-          </p:cNvSpPr>
-          <p:nvPr>
-            <p:ph type="sldNum" sz="quarter" idx="12"/>
-          </p:nvPr>
-        </p:nvSpPr>
-        <p:spPr/>
-        <p:txBody>
-          <a:bodyPr/>
-          <a:lstStyle/>
-          <a:p>
-            <a:fld id="{8CFF1A1A-5B53-436D-9EFB-6B8EE7A50023}" type="slidenum">
-              <a:rPr lang="en-US" smtClean="0"/>
-              <a:t>4</a:t>
-            </a:fld>
-            <a:endParaRPr lang="en-US"/>
-          </a:p>
-        </p:txBody>
-      </p:sp>
-      <p:pic>
-        <p:nvPicPr>
-          <p:cNvPr id="8" name="Picture 5" descr="1236582018_img"/>
-          <p:cNvPicPr>
-            <a:picLocks noChangeAspect="1" noChangeArrowheads="1"/>
-          </p:cNvPicPr>
-          <p:nvPr/>
-        </p:nvPicPr>
-        <p:blipFill>
-          <a:blip r:embed="rId2">
-            <a:extLst>
-              <a:ext uri="{28A0092B-C50C-407E-A947-70E740481C1C}">
-                <a14:useLocalDpi xmlns:a14="http://schemas.microsoft.com/office/drawing/2010/main" val="0"/>
-              </a:ext>
-            </a:extLst>
-          </a:blip>
-          <a:srcRect/>
-          <a:stretch>
-            <a:fillRect/>
-          </a:stretch>
-        </p:blipFill>
-        <p:spPr bwMode="auto">
-          <a:xfrm>
-            <a:off x="1714500" y="1809749"/>
-            <a:ext cx="5981700" cy="4486275"/>
-          </a:xfrm>
-          <a:prstGeom prst="rect">
-            <a:avLst/>
-          </a:prstGeom>
-          <a:ln>
-            <a:noFill/>
-          </a:ln>
-          <a:effectLst>
-            <a:outerShdw blurRad="190500" algn="tl" rotWithShape="0">
-              <a:srgbClr val="000000">
-                <a:alpha val="70000"/>
-              </a:srgbClr>
-            </a:outerShdw>
-          </a:effectLst>
-          <a:extLst>
-            <a:ext uri="{909E8E84-426E-40DD-AFC4-6F175D3DCCD1}">
-              <a14:hiddenFill xmlns:a14="http://schemas.microsoft.com/office/drawing/2010/main">
-                <a:solidFill>
-                  <a:srgbClr val="FFFFFF"/>
-                </a:solidFill>
-              </a14:hiddenFill>
-            </a:ext>
-          </a:extLst>
-        </p:spPr>
-      </p:pic>
-      <p:sp>
-        <p:nvSpPr>
-          <p:cNvPr id="3" name="Rectangle 2"/>
-          <p:cNvSpPr/>
-          <p:nvPr/>
-        </p:nvSpPr>
-        <p:spPr>
-          <a:xfrm>
-            <a:off x="1905000" y="2003272"/>
-            <a:ext cx="5638800" cy="3139321"/>
-          </a:xfrm>
-          <a:prstGeom prst="rect">
-            <a:avLst/>
-          </a:prstGeom>
-        </p:spPr>
-        <p:txBody>
-          <a:bodyPr wrap="square">
-            <a:spAutoFit/>
-          </a:bodyPr>
-          <a:lstStyle/>
-          <a:p>
-            <a:pPr algn="just"/>
-            <a:r>
-              <a:rPr lang="en-US" sz="6600" b="1" dirty="0" smtClean="0">
-                <a:solidFill>
-                  <a:srgbClr val="009900"/>
-                </a:solidFill>
-                <a:latin typeface="Times New Roman" pitchFamily="18" charset="0"/>
-                <a:cs typeface="Times New Roman" pitchFamily="18" charset="0"/>
-              </a:rPr>
-              <a:t>H</a:t>
-            </a:r>
-            <a:r>
-              <a:rPr lang="vi-VN" sz="6600" b="1" dirty="0" smtClean="0">
-                <a:solidFill>
-                  <a:srgbClr val="009900"/>
-                </a:solidFill>
-                <a:latin typeface="Times New Roman" pitchFamily="18" charset="0"/>
-                <a:cs typeface="Times New Roman" pitchFamily="18" charset="0"/>
-              </a:rPr>
-              <a:t>ọ </a:t>
-            </a:r>
-            <a:r>
-              <a:rPr lang="vi-VN" sz="6600" b="1" dirty="0">
-                <a:solidFill>
-                  <a:srgbClr val="009900"/>
-                </a:solidFill>
-                <a:latin typeface="Times New Roman" pitchFamily="18" charset="0"/>
-                <a:cs typeface="Times New Roman" pitchFamily="18" charset="0"/>
-              </a:rPr>
-              <a:t>sẽ tìm những điều đó ở đâu?</a:t>
-            </a:r>
-            <a:endParaRPr lang="en-US" sz="6600" b="1" dirty="0">
-              <a:solidFill>
-                <a:srgbClr val="009900"/>
-              </a:solidFill>
-              <a:latin typeface="Times New Roman" pitchFamily="18" charset="0"/>
-              <a:cs typeface="Times New Roman" pitchFamily="18" charset="0"/>
-            </a:endParaRPr>
-          </a:p>
-        </p:txBody>
-      </p:sp>
-    </p:spTree>
-    <p:extLst>
-      <p:ext uri="{BB962C8B-B14F-4D97-AF65-F5344CB8AC3E}">
-        <p14:creationId xmlns:p14="http://schemas.microsoft.com/office/powerpoint/2010/main" val="425800422"/>
-      </p:ext>
-    </p:extLst>
-  </p:cSld>
-  <p:clrMapOvr>
-    <a:masterClrMapping/>
-  </p:clrMapOvr>
-  <p:timing>
-    <p:tnLst>
-      <p:par>
-        <p:cTn id="1" dur="indefinite" restart="never" nodeType="tmRoot">
-          <p:childTnLst>
-            <p:seq concurrent="1" nextAc="seek">
-              <p:cTn id="2" dur="indefinite" nodeType="mainSeq">
-                <p:childTnLst>
-                  <p:par>
-                    <p:cTn id="3" fill="hold">
-                      <p:stCondLst>
-                        <p:cond delay="indefinite"/>
-                      </p:stCondLst>
-                      <p:childTnLst>
-                        <p:par>
-                          <p:cTn id="4" fill="hold">
-                            <p:stCondLst>
-                              <p:cond delay="0"/>
-                            </p:stCondLst>
-                            <p:childTnLst>
-                              <p:par>
-                                <p:cTn id="5" presetID="10" presetClass="entr" presetSubtype="0" fill="hold" nodeType="clickEffect">
+                                <p:cTn id="5" presetID="10" presetClass="entr" presetSubtype="0" fill="hold" nodeType="withEffect">
                                   <p:stCondLst>
                                     <p:cond delay="0"/>
                                   </p:stCondLst>
@@ -26640,7 +24617,7 @@
                             </p:stCondLst>
                             <p:childTnLst>
                               <p:par>
-                                <p:cTn id="10" presetID="53" presetClass="entr" presetSubtype="16" fill="hold" grpId="0" nodeType="clickEffect">
+                                <p:cTn id="10" presetID="3" presetClass="entr" presetSubtype="10" fill="hold" grpId="0" nodeType="clickEffect">
                                   <p:stCondLst>
                                     <p:cond delay="0"/>
                                   </p:stCondLst>
@@ -26653,7 +24630,7 @@
                                           </p:stCondLst>
                                         </p:cTn>
                                         <p:tgtEl>
-                                          <p:spTgt spid="3"/>
+                                          <p:spTgt spid="7"/>
                                         </p:tgtEl>
                                         <p:attrNameLst>
                                           <p:attrName>style.visibility</p:attrName>
@@ -26663,57 +24640,11 @@
                                         <p:strVal val="visible"/>
                                       </p:to>
                                     </p:set>
-                                    <p:anim calcmode="lin" valueType="num">
+                                    <p:animEffect transition="in" filter="blinds(horizontal)">
                                       <p:cBhvr>
-                                        <p:cTn id="12" dur="500" fill="hold"/>
+                                        <p:cTn id="12" dur="500"/>
                                         <p:tgtEl>
-                                          <p:spTgt spid="3"/>
-                                        </p:tgtEl>
-                                        <p:attrNameLst>
-                                          <p:attrName>ppt_w</p:attrName>
-                                        </p:attrNameLst>
-                                      </p:cBhvr>
-                                      <p:tavLst>
-                                        <p:tav tm="0">
-                                          <p:val>
-                                            <p:fltVal val="0"/>
-                                          </p:val>
-                                        </p:tav>
-                                        <p:tav tm="100000">
-                                          <p:val>
-                                            <p:strVal val="#ppt_w"/>
-                                          </p:val>
-                                        </p:tav>
-                                      </p:tavLst>
-                                    </p:anim>
-                                    <p:anim calcmode="lin" valueType="num">
-                                      <p:cBhvr>
-                                        <p:cTn id="13" dur="500" fill="hold"/>
-                                        <p:tgtEl>
-                                          <p:spTgt spid="3"/>
-                                        </p:tgtEl>
-                                        <p:attrNameLst>
-                                          <p:attrName>ppt_h</p:attrName>
-                                        </p:attrNameLst>
-                                      </p:cBhvr>
-                                      <p:tavLst>
-                                        <p:tav tm="0">
-                                          <p:val>
-                                            <p:fltVal val="0"/>
-                                          </p:val>
-                                        </p:tav>
-                                        <p:tav tm="100000">
-                                          <p:val>
-                                            <p:strVal val="#ppt_h"/>
-                                          </p:val>
-                                        </p:tav>
-                                      </p:tavLst>
-                                    </p:anim>
-                                    <p:animEffect transition="in" filter="fade">
-                                      <p:cBhvr>
-                                        <p:cTn id="14" dur="500"/>
-                                        <p:tgtEl>
-                                          <p:spTgt spid="3"/>
+                                          <p:spTgt spid="7"/>
                                         </p:tgtEl>
                                       </p:cBhvr>
                                     </p:animEffect>
@@ -26748,7 +24679,7 @@
       </p:par>
     </p:tnLst>
     <p:bldLst>
-      <p:bldP spid="3" grpId="0"/>
+      <p:bldP spid="7" grpId="0" animBg="1"/>
     </p:bldLst>
   </p:timing>
 </p:sld>
@@ -27146,6 +25077,7 @@
           <a:p>
             <a:fld id="{8CFF1A1A-5B53-436D-9EFB-6B8EE7A50023}" type="slidenum">
               <a:rPr lang="en-US" smtClean="0"/>
+              <a:pPr/>
               <a:t>5</a:t>
             </a:fld>
             <a:endParaRPr lang="en-US" dirty="0"/>
@@ -27712,7 +25644,7 @@
               <a:t> </a:t>
             </a:r>
             <a:r>
-              <a:rPr lang="en-US" sz="2800" dirty="0" err="1">
+              <a:rPr lang="en-US" sz="2800" err="1">
                 <a:solidFill>
                   <a:schemeClr val="accent3">
                     <a:lumMod val="50000"/>
@@ -27724,17 +25656,38 @@
               <a:t>về</a:t>
             </a:r>
             <a:r>
-              <a:rPr lang="en-US" sz="2800" dirty="0">
-                <a:solidFill>
-                  <a:schemeClr val="accent3">
-                    <a:lumMod val="50000"/>
-                  </a:schemeClr>
-                </a:solidFill>
-                <a:latin typeface="Times New Roman" pitchFamily="18" charset="0"/>
-                <a:cs typeface="Times New Roman" pitchFamily="18" charset="0"/>
-              </a:rPr>
-              <a:t> con</a:t>
-            </a:r>
+              <a:rPr lang="en-US" sz="2800">
+                <a:solidFill>
+                  <a:schemeClr val="accent3">
+                    <a:lumMod val="50000"/>
+                  </a:schemeClr>
+                </a:solidFill>
+                <a:latin typeface="Times New Roman" pitchFamily="18" charset="0"/>
+                <a:cs typeface="Times New Roman" pitchFamily="18" charset="0"/>
+              </a:rPr>
+              <a:t> </a:t>
+            </a:r>
+            <a:r>
+              <a:rPr lang="en-US" sz="2800" smtClean="0">
+                <a:solidFill>
+                  <a:schemeClr val="accent3">
+                    <a:lumMod val="50000"/>
+                  </a:schemeClr>
+                </a:solidFill>
+                <a:latin typeface="Times New Roman" pitchFamily="18" charset="0"/>
+                <a:cs typeface="Times New Roman" pitchFamily="18" charset="0"/>
+              </a:rPr>
+              <a:t>con cái họ</a:t>
+            </a:r>
+            <a:endParaRPr lang="en-US" sz="2800" dirty="0">
+              <a:solidFill>
+                <a:schemeClr val="accent3">
+                  <a:lumMod val="50000"/>
+                </a:schemeClr>
+              </a:solidFill>
+              <a:latin typeface="Times New Roman" pitchFamily="18" charset="0"/>
+              <a:cs typeface="Times New Roman" pitchFamily="18" charset="0"/>
+            </a:endParaRPr>
           </a:p>
           <a:p>
             <a:pPr marL="1371600" lvl="2" indent="-457200" algn="l">
@@ -28313,7 +26266,7 @@
     </p:spTree>
     <p:extLst>
       <p:ext uri="{BB962C8B-B14F-4D97-AF65-F5344CB8AC3E}">
-        <p14:creationId xmlns:p14="http://schemas.microsoft.com/office/powerpoint/2010/main" val="2023236263"/>
+        <p14:creationId xmlns="" xmlns:p14="http://schemas.microsoft.com/office/powerpoint/2010/main" val="2023236263"/>
       </p:ext>
     </p:extLst>
   </p:cSld>
@@ -28943,6 +26896,7 @@
           <a:p>
             <a:fld id="{8CFF1A1A-5B53-436D-9EFB-6B8EE7A50023}" type="slidenum">
               <a:rPr lang="en-US" smtClean="0"/>
+              <a:pPr/>
               <a:t>6</a:t>
             </a:fld>
             <a:endParaRPr lang="en-US"/>
@@ -29356,6 +27310,7 @@
           <a:p>
             <a:fld id="{8CFF1A1A-5B53-436D-9EFB-6B8EE7A50023}" type="slidenum">
               <a:rPr lang="en-US" smtClean="0"/>
+              <a:pPr/>
               <a:t>7</a:t>
             </a:fld>
             <a:endParaRPr lang="en-US" dirty="0"/>
@@ -29548,30 +27503,111 @@
       </p:sp>
       <p:sp>
         <p:nvSpPr>
-          <p:cNvPr id="15" name="Subtitle 2"/>
-          <p:cNvSpPr>
-            <a:spLocks noGrp="1"/>
-          </p:cNvSpPr>
-          <p:nvPr>
-            <p:ph type="subTitle" idx="1"/>
-          </p:nvPr>
+          <p:cNvPr id="7" name="Rounded Rectangle 6"/>
+          <p:cNvSpPr/>
+          <p:nvPr/>
         </p:nvSpPr>
         <p:spPr>
           <a:xfrm>
-            <a:off x="1143000" y="1905000"/>
-            <a:ext cx="7543800" cy="4724400"/>
+            <a:off x="5715000" y="4267200"/>
+            <a:ext cx="3048000" cy="533400"/>
           </a:xfrm>
+          <a:prstGeom prst="roundRect">
+            <a:avLst/>
+          </a:prstGeom>
         </p:spPr>
+        <p:style>
+          <a:lnRef idx="1">
+            <a:schemeClr val="accent3"/>
+          </a:lnRef>
+          <a:fillRef idx="2">
+            <a:schemeClr val="accent3"/>
+          </a:fillRef>
+          <a:effectRef idx="1">
+            <a:schemeClr val="accent3"/>
+          </a:effectRef>
+          <a:fontRef idx="minor">
+            <a:schemeClr val="dk1"/>
+          </a:fontRef>
+        </p:style>
         <p:txBody>
-          <a:bodyPr/>
+          <a:bodyPr rtlCol="0" anchor="ctr"/>
           <a:lstStyle/>
           <a:p>
-            <a:pPr algn="l"/>
-            <a:endParaRPr lang="en-US" dirty="0" smtClean="0">
+            <a:pPr algn="ctr"/>
+            <a:r>
+              <a:rPr lang="en-US" sz="2800" b="1" dirty="0" err="1" smtClean="0">
+                <a:solidFill>
+                  <a:srgbClr val="C00000"/>
+                </a:solidFill>
+                <a:latin typeface="Times New Roman" pitchFamily="18" charset="0"/>
+                <a:cs typeface="Times New Roman" pitchFamily="18" charset="0"/>
+              </a:rPr>
+              <a:t>Khu</a:t>
+            </a:r>
+            <a:r>
+              <a:rPr lang="en-US" sz="2800" b="1" dirty="0" smtClean="0">
+                <a:solidFill>
+                  <a:srgbClr val="C00000"/>
+                </a:solidFill>
+                <a:latin typeface="Times New Roman" pitchFamily="18" charset="0"/>
+                <a:cs typeface="Times New Roman" pitchFamily="18" charset="0"/>
+              </a:rPr>
+              <a:t> </a:t>
+            </a:r>
+            <a:r>
+              <a:rPr lang="en-US" sz="2800" b="1" dirty="0" err="1" smtClean="0">
+                <a:solidFill>
+                  <a:srgbClr val="C00000"/>
+                </a:solidFill>
+                <a:latin typeface="Times New Roman" pitchFamily="18" charset="0"/>
+                <a:cs typeface="Times New Roman" pitchFamily="18" charset="0"/>
+              </a:rPr>
+              <a:t>vực</a:t>
+            </a:r>
+            <a:r>
+              <a:rPr lang="en-US" sz="2800" b="1" dirty="0" smtClean="0">
+                <a:solidFill>
+                  <a:srgbClr val="C00000"/>
+                </a:solidFill>
+                <a:latin typeface="Times New Roman" pitchFamily="18" charset="0"/>
+                <a:cs typeface="Times New Roman" pitchFamily="18" charset="0"/>
+              </a:rPr>
+              <a:t> </a:t>
+            </a:r>
+            <a:r>
+              <a:rPr lang="en-US" sz="2800" b="1" dirty="0" err="1" smtClean="0">
+                <a:solidFill>
+                  <a:srgbClr val="C00000"/>
+                </a:solidFill>
+                <a:latin typeface="Times New Roman" pitchFamily="18" charset="0"/>
+                <a:cs typeface="Times New Roman" pitchFamily="18" charset="0"/>
+              </a:rPr>
+              <a:t>vui</a:t>
+            </a:r>
+            <a:r>
+              <a:rPr lang="en-US" sz="2800" b="1" dirty="0" smtClean="0">
+                <a:solidFill>
+                  <a:srgbClr val="C00000"/>
+                </a:solidFill>
+                <a:latin typeface="Times New Roman" pitchFamily="18" charset="0"/>
+                <a:cs typeface="Times New Roman" pitchFamily="18" charset="0"/>
+              </a:rPr>
+              <a:t> </a:t>
+            </a:r>
+            <a:r>
+              <a:rPr lang="en-US" sz="2800" b="1" dirty="0" err="1" smtClean="0">
+                <a:solidFill>
+                  <a:srgbClr val="C00000"/>
+                </a:solidFill>
+                <a:latin typeface="Times New Roman" pitchFamily="18" charset="0"/>
+                <a:cs typeface="Times New Roman" pitchFamily="18" charset="0"/>
+              </a:rPr>
+              <a:t>chơi</a:t>
+            </a:r>
+            <a:endParaRPr lang="en-US" sz="2800" b="1" dirty="0">
               <a:solidFill>
-                <a:schemeClr val="accent3">
-                  <a:lumMod val="50000"/>
-                </a:schemeClr>
+                <a:srgbClr val="C00000"/>
               </a:solidFill>
               <a:latin typeface="Times New Roman" pitchFamily="18" charset="0"/>
               <a:cs typeface="Times New Roman" pitchFamily="18" charset="0"/>
@@ -29581,26 +27617,132 @@
       </p:sp>
       <p:sp>
         <p:nvSpPr>
-          <p:cNvPr id="7" name="Rounded Rectangle 6"/>
+          <p:cNvPr id="11" name="Rounded Rectangle 10"/>
           <p:cNvSpPr/>
           <p:nvPr/>
         </p:nvSpPr>
         <p:spPr>
           <a:xfrm>
-            <a:off x="1337511" y="4648200"/>
-            <a:ext cx="2514600" cy="914400"/>
+            <a:off x="228600" y="4191000"/>
+            <a:ext cx="2971800" cy="609600"/>
           </a:xfrm>
           <a:prstGeom prst="roundRect">
             <a:avLst/>
           </a:prstGeom>
-          <a:effectLst>
-            <a:outerShdw blurRad="50800" dist="38100" dir="18900000" algn="bl" rotWithShape="0">
-              <a:prstClr val="black">
-                <a:alpha val="40000"/>
-              </a:prstClr>
-            </a:outerShdw>
-            <a:reflection blurRad="6350" stA="52000" endA="300" endPos="35000" dir="5400000" sy="-100000" algn="bl" rotWithShape="0"/>
-          </a:effectLst>
+        </p:spPr>
+        <p:style>
+          <a:lnRef idx="1">
+            <a:schemeClr val="accent3"/>
+          </a:lnRef>
+          <a:fillRef idx="2">
+            <a:schemeClr val="accent3"/>
+          </a:fillRef>
+          <a:effectRef idx="1">
+            <a:schemeClr val="accent3"/>
+          </a:effectRef>
+          <a:fontRef idx="minor">
+            <a:schemeClr val="dk1"/>
+          </a:fontRef>
+        </p:style>
+        <p:txBody>
+          <a:bodyPr rtlCol="0" anchor="ctr"/>
+          <a:lstStyle/>
+          <a:p>
+            <a:pPr algn="ctr"/>
+            <a:r>
+              <a:rPr lang="en-US" sz="2800" b="1" dirty="0" err="1" smtClean="0">
+                <a:solidFill>
+                  <a:srgbClr val="C00000"/>
+                </a:solidFill>
+                <a:latin typeface="Times New Roman" pitchFamily="18" charset="0"/>
+                <a:cs typeface="Times New Roman" pitchFamily="18" charset="0"/>
+              </a:rPr>
+              <a:t>Khu</a:t>
+            </a:r>
+            <a:r>
+              <a:rPr lang="en-US" sz="2800" b="1" dirty="0" smtClean="0">
+                <a:solidFill>
+                  <a:srgbClr val="C00000"/>
+                </a:solidFill>
+                <a:latin typeface="Times New Roman" pitchFamily="18" charset="0"/>
+                <a:cs typeface="Times New Roman" pitchFamily="18" charset="0"/>
+              </a:rPr>
+              <a:t> </a:t>
+            </a:r>
+            <a:r>
+              <a:rPr lang="en-US" sz="2800" b="1" dirty="0" err="1" smtClean="0">
+                <a:solidFill>
+                  <a:srgbClr val="C00000"/>
+                </a:solidFill>
+                <a:latin typeface="Times New Roman" pitchFamily="18" charset="0"/>
+                <a:cs typeface="Times New Roman" pitchFamily="18" charset="0"/>
+              </a:rPr>
+              <a:t>vực</a:t>
+            </a:r>
+            <a:r>
+              <a:rPr lang="en-US" sz="2800" b="1" dirty="0" smtClean="0">
+                <a:solidFill>
+                  <a:srgbClr val="C00000"/>
+                </a:solidFill>
+                <a:latin typeface="Times New Roman" pitchFamily="18" charset="0"/>
+                <a:cs typeface="Times New Roman" pitchFamily="18" charset="0"/>
+              </a:rPr>
+              <a:t> </a:t>
+            </a:r>
+            <a:r>
+              <a:rPr lang="en-US" sz="2800" b="1" dirty="0" err="1" smtClean="0">
+                <a:solidFill>
+                  <a:srgbClr val="C00000"/>
+                </a:solidFill>
+                <a:latin typeface="Times New Roman" pitchFamily="18" charset="0"/>
+                <a:cs typeface="Times New Roman" pitchFamily="18" charset="0"/>
+              </a:rPr>
+              <a:t>học</a:t>
+            </a:r>
+            <a:r>
+              <a:rPr lang="en-US" sz="2800" b="1" dirty="0" smtClean="0">
+                <a:solidFill>
+                  <a:srgbClr val="C00000"/>
+                </a:solidFill>
+                <a:latin typeface="Times New Roman" pitchFamily="18" charset="0"/>
+                <a:cs typeface="Times New Roman" pitchFamily="18" charset="0"/>
+              </a:rPr>
+              <a:t> </a:t>
+            </a:r>
+            <a:r>
+              <a:rPr lang="en-US" sz="2800" b="1" dirty="0" err="1" smtClean="0">
+                <a:solidFill>
+                  <a:srgbClr val="C00000"/>
+                </a:solidFill>
+                <a:latin typeface="Times New Roman" pitchFamily="18" charset="0"/>
+                <a:cs typeface="Times New Roman" pitchFamily="18" charset="0"/>
+              </a:rPr>
+              <a:t>tập</a:t>
+            </a:r>
+            <a:endParaRPr lang="en-US" sz="2800" b="1" dirty="0">
+              <a:solidFill>
+                <a:srgbClr val="C00000"/>
+              </a:solidFill>
+              <a:latin typeface="Times New Roman" pitchFamily="18" charset="0"/>
+              <a:cs typeface="Times New Roman" pitchFamily="18" charset="0"/>
+            </a:endParaRPr>
+          </a:p>
+        </p:txBody>
+      </p:sp>
+      <p:sp>
+        <p:nvSpPr>
+          <p:cNvPr id="8" name="Left-Right Arrow 7"/>
+          <p:cNvSpPr/>
+          <p:nvPr/>
+        </p:nvSpPr>
+        <p:spPr>
+          <a:xfrm>
+            <a:off x="3810000" y="2971800"/>
+            <a:ext cx="1676400" cy="609600"/>
+          </a:xfrm>
+          <a:prstGeom prst="leftRightArrow">
+            <a:avLst/>
+          </a:prstGeom>
         </p:spPr>
         <p:style>
           <a:lnRef idx="0">
@@ -29621,164 +27763,111 @@
           <a:lstStyle/>
           <a:p>
             <a:pPr algn="ctr"/>
-            <a:r>
-              <a:rPr lang="en-US" sz="2400" dirty="0" err="1" smtClean="0">
-                <a:latin typeface="Times New Roman" pitchFamily="18" charset="0"/>
-                <a:cs typeface="Times New Roman" pitchFamily="18" charset="0"/>
-              </a:rPr>
-              <a:t>Khu</a:t>
-            </a:r>
-            <a:r>
-              <a:rPr lang="en-US" sz="2400" dirty="0" smtClean="0">
-                <a:latin typeface="Times New Roman" pitchFamily="18" charset="0"/>
-                <a:cs typeface="Times New Roman" pitchFamily="18" charset="0"/>
-              </a:rPr>
-              <a:t> </a:t>
-            </a:r>
-            <a:r>
-              <a:rPr lang="en-US" sz="2400" dirty="0" err="1" smtClean="0">
-                <a:latin typeface="Times New Roman" pitchFamily="18" charset="0"/>
-                <a:cs typeface="Times New Roman" pitchFamily="18" charset="0"/>
-              </a:rPr>
-              <a:t>vực</a:t>
-            </a:r>
-            <a:r>
-              <a:rPr lang="en-US" sz="2400" dirty="0" smtClean="0">
-                <a:latin typeface="Times New Roman" pitchFamily="18" charset="0"/>
-                <a:cs typeface="Times New Roman" pitchFamily="18" charset="0"/>
-              </a:rPr>
-              <a:t> </a:t>
-            </a:r>
-            <a:r>
-              <a:rPr lang="en-US" sz="2400" dirty="0" err="1" smtClean="0">
-                <a:latin typeface="Times New Roman" pitchFamily="18" charset="0"/>
-                <a:cs typeface="Times New Roman" pitchFamily="18" charset="0"/>
-              </a:rPr>
-              <a:t>vui</a:t>
-            </a:r>
-            <a:r>
-              <a:rPr lang="en-US" sz="2400" dirty="0" smtClean="0">
-                <a:latin typeface="Times New Roman" pitchFamily="18" charset="0"/>
-                <a:cs typeface="Times New Roman" pitchFamily="18" charset="0"/>
-              </a:rPr>
-              <a:t> </a:t>
-            </a:r>
-            <a:r>
-              <a:rPr lang="en-US" sz="2400" dirty="0" err="1" smtClean="0">
-                <a:latin typeface="Times New Roman" pitchFamily="18" charset="0"/>
-                <a:cs typeface="Times New Roman" pitchFamily="18" charset="0"/>
-              </a:rPr>
-              <a:t>chơi</a:t>
-            </a:r>
-            <a:endParaRPr lang="en-US" sz="2400" dirty="0">
-              <a:latin typeface="Times New Roman" pitchFamily="18" charset="0"/>
-              <a:cs typeface="Times New Roman" pitchFamily="18" charset="0"/>
+            <a:endParaRPr lang="en-US" b="1">
+              <a:ln w="10541" cmpd="sng">
+                <a:solidFill>
+                  <a:schemeClr val="accent1">
+                    <a:shade val="88000"/>
+                    <a:satMod val="110000"/>
+                  </a:schemeClr>
+                </a:solidFill>
+                <a:prstDash val="solid"/>
+              </a:ln>
+              <a:gradFill>
+                <a:gsLst>
+                  <a:gs pos="0">
+                    <a:schemeClr val="accent1">
+                      <a:tint val="40000"/>
+                      <a:satMod val="250000"/>
+                    </a:schemeClr>
+                  </a:gs>
+                  <a:gs pos="9000">
+                    <a:schemeClr val="accent1">
+                      <a:tint val="52000"/>
+                      <a:satMod val="300000"/>
+                    </a:schemeClr>
+                  </a:gs>
+                  <a:gs pos="50000">
+                    <a:schemeClr val="accent1">
+                      <a:shade val="20000"/>
+                      <a:satMod val="300000"/>
+                    </a:schemeClr>
+                  </a:gs>
+                  <a:gs pos="79000">
+                    <a:schemeClr val="accent1">
+                      <a:tint val="52000"/>
+                      <a:satMod val="300000"/>
+                    </a:schemeClr>
+                  </a:gs>
+                  <a:gs pos="100000">
+                    <a:schemeClr val="accent1">
+                      <a:tint val="40000"/>
+                      <a:satMod val="250000"/>
+                    </a:schemeClr>
+                  </a:gs>
+                </a:gsLst>
+                <a:lin ang="5400000"/>
+              </a:gradFill>
             </a:endParaRPr>
           </a:p>
         </p:txBody>
       </p:sp>
-      <p:sp>
-        <p:nvSpPr>
-          <p:cNvPr id="11" name="Rounded Rectangle 10"/>
-          <p:cNvSpPr/>
+      <p:pic>
+        <p:nvPicPr>
+          <p:cNvPr id="1028" name="Picture 4" descr="E:\LAM VIEC\NTDV\Pes\Uom mam tre tho\Source Code\PesBanner\Images\Shool.png"/>
+          <p:cNvPicPr>
+            <a:picLocks noChangeAspect="1" noChangeArrowheads="1"/>
+          </p:cNvPicPr>
           <p:nvPr/>
-        </p:nvSpPr>
-        <p:spPr>
+        </p:nvPicPr>
+        <p:blipFill>
+          <a:blip r:embed="rId3"/>
+          <a:srcRect/>
+          <a:stretch>
+            <a:fillRect/>
+          </a:stretch>
+        </p:blipFill>
+        <p:spPr bwMode="auto">
           <a:xfrm>
-            <a:off x="1337511" y="2286000"/>
-            <a:ext cx="2514600" cy="914400"/>
+            <a:off x="609600" y="2438400"/>
+            <a:ext cx="2456645" cy="1600200"/>
           </a:xfrm>
-          <a:prstGeom prst="roundRect">
+          <a:prstGeom prst="rect">
             <a:avLst/>
           </a:prstGeom>
-          <a:effectLst>
-            <a:outerShdw blurRad="50800" dist="38100" dir="18900000" algn="bl" rotWithShape="0">
-              <a:prstClr val="black">
-                <a:alpha val="40000"/>
-              </a:prstClr>
-            </a:outerShdw>
-            <a:reflection blurRad="6350" stA="52000" endA="300" endPos="35000" dir="5400000" sy="-100000" algn="bl" rotWithShape="0"/>
-          </a:effectLst>
+          <a:noFill/>
         </p:spPr>
-        <p:style>
-          <a:lnRef idx="0">
-            <a:schemeClr val="accent3"/>
-          </a:lnRef>
-          <a:fillRef idx="3">
-            <a:schemeClr val="accent3"/>
-          </a:fillRef>
-          <a:effectRef idx="3">
-            <a:schemeClr val="accent3"/>
-          </a:effectRef>
-          <a:fontRef idx="minor">
-            <a:schemeClr val="lt1"/>
-          </a:fontRef>
-        </p:style>
-        <p:txBody>
-          <a:bodyPr rtlCol="0" anchor="ctr"/>
-          <a:lstStyle/>
-          <a:p>
-            <a:pPr algn="ctr"/>
-            <a:r>
-              <a:rPr lang="en-US" sz="2400" dirty="0" err="1" smtClean="0">
-                <a:latin typeface="Times New Roman" pitchFamily="18" charset="0"/>
-                <a:cs typeface="Times New Roman" pitchFamily="18" charset="0"/>
-              </a:rPr>
-              <a:t>Khu</a:t>
-            </a:r>
-            <a:r>
-              <a:rPr lang="en-US" sz="2400" dirty="0" smtClean="0">
-                <a:latin typeface="Times New Roman" pitchFamily="18" charset="0"/>
-                <a:cs typeface="Times New Roman" pitchFamily="18" charset="0"/>
-              </a:rPr>
-              <a:t> </a:t>
-            </a:r>
-            <a:r>
-              <a:rPr lang="en-US" sz="2400" dirty="0" err="1" smtClean="0">
-                <a:latin typeface="Times New Roman" pitchFamily="18" charset="0"/>
-                <a:cs typeface="Times New Roman" pitchFamily="18" charset="0"/>
-              </a:rPr>
-              <a:t>vực</a:t>
-            </a:r>
-            <a:r>
-              <a:rPr lang="en-US" sz="2400" dirty="0" smtClean="0">
-                <a:latin typeface="Times New Roman" pitchFamily="18" charset="0"/>
-                <a:cs typeface="Times New Roman" pitchFamily="18" charset="0"/>
-              </a:rPr>
-              <a:t> </a:t>
-            </a:r>
-            <a:r>
-              <a:rPr lang="en-US" sz="2400" dirty="0" err="1" smtClean="0">
-                <a:latin typeface="Times New Roman" pitchFamily="18" charset="0"/>
-                <a:cs typeface="Times New Roman" pitchFamily="18" charset="0"/>
-              </a:rPr>
-              <a:t>học</a:t>
-            </a:r>
-            <a:r>
-              <a:rPr lang="en-US" sz="2400" dirty="0" smtClean="0">
-                <a:latin typeface="Times New Roman" pitchFamily="18" charset="0"/>
-                <a:cs typeface="Times New Roman" pitchFamily="18" charset="0"/>
-              </a:rPr>
-              <a:t> </a:t>
-            </a:r>
-            <a:r>
-              <a:rPr lang="en-US" sz="2400" dirty="0" err="1" smtClean="0">
-                <a:latin typeface="Times New Roman" pitchFamily="18" charset="0"/>
-                <a:cs typeface="Times New Roman" pitchFamily="18" charset="0"/>
-              </a:rPr>
-              <a:t>tập</a:t>
-            </a:r>
-            <a:endParaRPr lang="en-US" sz="2400" dirty="0">
-              <a:latin typeface="Times New Roman" pitchFamily="18" charset="0"/>
-              <a:cs typeface="Times New Roman" pitchFamily="18" charset="0"/>
-            </a:endParaRPr>
-          </a:p>
-        </p:txBody>
-      </p:sp>
+      </p:pic>
+      <p:pic>
+        <p:nvPicPr>
+          <p:cNvPr id="1029" name="Picture 5" descr="E:\LAM VIEC\NTDV\Pes\Uom mam tre tho\Source Code\PesBanner\Images\Park.png"/>
+          <p:cNvPicPr>
+            <a:picLocks noChangeAspect="1" noChangeArrowheads="1"/>
+          </p:cNvPicPr>
+          <p:nvPr/>
+        </p:nvPicPr>
+        <p:blipFill>
+          <a:blip r:embed="rId4"/>
+          <a:srcRect/>
+          <a:stretch>
+            <a:fillRect/>
+          </a:stretch>
+        </p:blipFill>
+        <p:spPr bwMode="auto">
+          <a:xfrm>
+            <a:off x="5943600" y="2286000"/>
+            <a:ext cx="2606431" cy="1752600"/>
+          </a:xfrm>
+          <a:prstGeom prst="rect">
+            <a:avLst/>
+          </a:prstGeom>
+          <a:noFill/>
+        </p:spPr>
+      </p:pic>
     </p:spTree>
     <p:extLst>
       <p:ext uri="{BB962C8B-B14F-4D97-AF65-F5344CB8AC3E}">
-        <p14:creationId xmlns:p14="http://schemas.microsoft.com/office/powerpoint/2010/main" val="929894420"/>
+        <p14:creationId xmlns="" xmlns:p14="http://schemas.microsoft.com/office/powerpoint/2010/main" val="929894420"/>
       </p:ext>
     </p:extLst>
   </p:cSld>
@@ -29796,6 +27885,675 @@
 </file>
 
 <file path=ppt/slides/slide8.xml><?xml version="1.0" encoding="utf-8"?>
+<p:sld xmlns:a="http://schemas.openxmlformats.org/drawingml/2006/main" xmlns:r="http://schemas.openxmlformats.org/officeDocument/2006/relationships" xmlns:p="http://schemas.openxmlformats.org/presentationml/2006/main">
+  <p:cSld>
+    <p:spTree>
+      <p:nvGrpSpPr>
+        <p:cNvPr id="1" name=""/>
+        <p:cNvGrpSpPr/>
+        <p:nvPr/>
+      </p:nvGrpSpPr>
+      <p:grpSpPr>
+        <a:xfrm>
+          <a:off x="0" y="0"/>
+          <a:ext cx="0" cy="0"/>
+          <a:chOff x="0" y="0"/>
+          <a:chExt cx="0" cy="0"/>
+        </a:xfrm>
+      </p:grpSpPr>
+      <p:sp>
+        <p:nvSpPr>
+          <p:cNvPr id="2" name="Title 1"/>
+          <p:cNvSpPr>
+            <a:spLocks noGrp="1"/>
+          </p:cNvSpPr>
+          <p:nvPr>
+            <p:ph type="title"/>
+          </p:nvPr>
+        </p:nvSpPr>
+        <p:spPr/>
+        <p:txBody>
+          <a:bodyPr/>
+          <a:lstStyle/>
+          <a:p>
+            <a:endParaRPr lang="en-US"/>
+          </a:p>
+        </p:txBody>
+      </p:sp>
+      <p:sp>
+        <p:nvSpPr>
+          <p:cNvPr id="3" name="Content Placeholder 2"/>
+          <p:cNvSpPr>
+            <a:spLocks noGrp="1"/>
+          </p:cNvSpPr>
+          <p:nvPr>
+            <p:ph idx="1"/>
+          </p:nvPr>
+        </p:nvSpPr>
+        <p:spPr/>
+        <p:txBody>
+          <a:bodyPr/>
+          <a:lstStyle/>
+          <a:p>
+            <a:endParaRPr lang="en-US"/>
+          </a:p>
+        </p:txBody>
+      </p:sp>
+      <p:sp>
+        <p:nvSpPr>
+          <p:cNvPr id="4" name="Slide Number Placeholder 3"/>
+          <p:cNvSpPr>
+            <a:spLocks noGrp="1"/>
+          </p:cNvSpPr>
+          <p:nvPr>
+            <p:ph type="sldNum" sz="quarter" idx="12"/>
+          </p:nvPr>
+        </p:nvSpPr>
+        <p:spPr/>
+        <p:txBody>
+          <a:bodyPr/>
+          <a:lstStyle/>
+          <a:p>
+            <a:fld id="{8CFF1A1A-5B53-436D-9EFB-6B8EE7A50023}" type="slidenum">
+              <a:rPr lang="en-US" smtClean="0"/>
+              <a:pPr/>
+              <a:t>8</a:t>
+            </a:fld>
+            <a:endParaRPr lang="en-US"/>
+          </a:p>
+        </p:txBody>
+      </p:sp>
+      <p:pic>
+        <p:nvPicPr>
+          <p:cNvPr id="5" name="Picture 2" descr="C:\Users\Nguyen\AppData\Local\Temp\Rar$DR02.382\Home\ImgsSil\Box_GioiThieu\ITBus.jpg"/>
+          <p:cNvPicPr>
+            <a:picLocks noChangeAspect="1" noChangeArrowheads="1"/>
+          </p:cNvPicPr>
+          <p:nvPr/>
+        </p:nvPicPr>
+        <p:blipFill>
+          <a:blip r:embed="rId3"/>
+          <a:srcRect/>
+          <a:stretch>
+            <a:fillRect/>
+          </a:stretch>
+        </p:blipFill>
+        <p:spPr bwMode="auto">
+          <a:xfrm>
+            <a:off x="762000" y="1295400"/>
+            <a:ext cx="1524000" cy="2220359"/>
+          </a:xfrm>
+          <a:prstGeom prst="rect">
+            <a:avLst/>
+          </a:prstGeom>
+          <a:noFill/>
+        </p:spPr>
+      </p:pic>
+      <p:pic>
+        <p:nvPicPr>
+          <p:cNvPr id="6" name="Picture 3" descr="E:\LAM VIEC\IMAGINE\Team video\IMG_1098.JPG"/>
+          <p:cNvPicPr>
+            <a:picLocks noChangeAspect="1" noChangeArrowheads="1"/>
+          </p:cNvPicPr>
+          <p:nvPr/>
+        </p:nvPicPr>
+        <p:blipFill>
+          <a:blip r:embed="rId4" cstate="print"/>
+          <a:srcRect/>
+          <a:stretch>
+            <a:fillRect/>
+          </a:stretch>
+        </p:blipFill>
+        <p:spPr bwMode="auto">
+          <a:xfrm>
+            <a:off x="1371600" y="4114800"/>
+            <a:ext cx="2362200" cy="1771549"/>
+          </a:xfrm>
+          <a:prstGeom prst="rect">
+            <a:avLst/>
+          </a:prstGeom>
+          <a:ln w="228600" cap="sq" cmpd="thickThin">
+            <a:solidFill>
+              <a:srgbClr val="000000"/>
+            </a:solidFill>
+            <a:prstDash val="solid"/>
+            <a:miter lim="800000"/>
+          </a:ln>
+          <a:effectLst>
+            <a:innerShdw blurRad="76200">
+              <a:srgbClr val="000000"/>
+            </a:innerShdw>
+          </a:effectLst>
+        </p:spPr>
+      </p:pic>
+      <p:sp>
+        <p:nvSpPr>
+          <p:cNvPr id="7" name="Subtitle 2"/>
+          <p:cNvSpPr txBox="1">
+            <a:spLocks/>
+          </p:cNvSpPr>
+          <p:nvPr/>
+        </p:nvSpPr>
+        <p:spPr>
+          <a:xfrm>
+            <a:off x="1676400" y="3581400"/>
+            <a:ext cx="1981200" cy="381000"/>
+          </a:xfrm>
+          <a:prstGeom prst="rect">
+            <a:avLst/>
+          </a:prstGeom>
+        </p:spPr>
+        <p:txBody>
+          <a:bodyPr vert="horz" lIns="91440" tIns="45720" rIns="91440" bIns="45720" rtlCol="0">
+            <a:normAutofit fontScale="70000" lnSpcReduction="20000"/>
+          </a:bodyPr>
+          <a:lstStyle/>
+          <a:p>
+            <a:pPr marL="342900" marR="0" lvl="0" indent="-342900" algn="l" defTabSz="914400" rtl="0" eaLnBrk="1" fontAlgn="auto" latinLnBrk="0" hangingPunct="1">
+              <a:lnSpc>
+                <a:spcPct val="100000"/>
+              </a:lnSpc>
+              <a:spcBef>
+                <a:spcPct val="20000"/>
+              </a:spcBef>
+              <a:spcAft>
+                <a:spcPts val="0"/>
+              </a:spcAft>
+              <a:buClrTx/>
+              <a:buSzTx/>
+              <a:tabLst/>
+              <a:defRPr/>
+            </a:pPr>
+            <a:r>
+              <a:rPr kumimoji="0" lang="en-US" sz="3200" b="1" i="0" u="none" strike="noStrike" kern="1200" cap="all" spc="0" normalizeH="0" baseline="0" noProof="0" smtClean="0">
+                <a:ln w="9000" cmpd="sng">
+                  <a:solidFill>
+                    <a:schemeClr val="accent4">
+                      <a:shade val="50000"/>
+                      <a:satMod val="120000"/>
+                    </a:schemeClr>
+                  </a:solidFill>
+                  <a:prstDash val="solid"/>
+                </a:ln>
+                <a:gradFill>
+                  <a:gsLst>
+                    <a:gs pos="0">
+                      <a:schemeClr val="accent4">
+                        <a:shade val="20000"/>
+                        <a:satMod val="245000"/>
+                      </a:schemeClr>
+                    </a:gs>
+                    <a:gs pos="43000">
+                      <a:schemeClr val="accent4">
+                        <a:satMod val="255000"/>
+                      </a:schemeClr>
+                    </a:gs>
+                    <a:gs pos="48000">
+                      <a:schemeClr val="accent4">
+                        <a:shade val="85000"/>
+                        <a:satMod val="255000"/>
+                      </a:schemeClr>
+                    </a:gs>
+                    <a:gs pos="100000">
+                      <a:schemeClr val="accent4">
+                        <a:shade val="20000"/>
+                        <a:satMod val="245000"/>
+                      </a:schemeClr>
+                    </a:gs>
+                  </a:gsLst>
+                  <a:lin ang="5400000"/>
+                </a:gradFill>
+                <a:effectLst>
+                  <a:reflection blurRad="12700" stA="28000" endPos="45000" dist="1000" dir="5400000" sy="-100000" algn="bl" rotWithShape="0"/>
+                </a:effectLst>
+                <a:uLnTx/>
+                <a:uFillTx/>
+                <a:latin typeface="Times New Roman" pitchFamily="18" charset="0"/>
+                <a:ea typeface="+mn-ea"/>
+                <a:cs typeface="Times New Roman" pitchFamily="18" charset="0"/>
+              </a:rPr>
+              <a:t>Flychips</a:t>
+            </a:r>
+            <a:endParaRPr kumimoji="0" lang="en-US" sz="3200" b="1" i="0" u="none" strike="noStrike" kern="1200" cap="all" spc="0" normalizeH="0" baseline="0" noProof="0" dirty="0" smtClean="0">
+              <a:ln w="9000" cmpd="sng">
+                <a:solidFill>
+                  <a:schemeClr val="accent4">
+                    <a:shade val="50000"/>
+                    <a:satMod val="120000"/>
+                  </a:schemeClr>
+                </a:solidFill>
+                <a:prstDash val="solid"/>
+              </a:ln>
+              <a:gradFill>
+                <a:gsLst>
+                  <a:gs pos="0">
+                    <a:schemeClr val="accent4">
+                      <a:shade val="20000"/>
+                      <a:satMod val="245000"/>
+                    </a:schemeClr>
+                  </a:gs>
+                  <a:gs pos="43000">
+                    <a:schemeClr val="accent4">
+                      <a:satMod val="255000"/>
+                    </a:schemeClr>
+                  </a:gs>
+                  <a:gs pos="48000">
+                    <a:schemeClr val="accent4">
+                      <a:shade val="85000"/>
+                      <a:satMod val="255000"/>
+                    </a:schemeClr>
+                  </a:gs>
+                  <a:gs pos="100000">
+                    <a:schemeClr val="accent4">
+                      <a:shade val="20000"/>
+                      <a:satMod val="245000"/>
+                    </a:schemeClr>
+                  </a:gs>
+                </a:gsLst>
+                <a:lin ang="5400000"/>
+              </a:gradFill>
+              <a:effectLst>
+                <a:reflection blurRad="12700" stA="28000" endPos="45000" dist="1000" dir="5400000" sy="-100000" algn="bl" rotWithShape="0"/>
+              </a:effectLst>
+              <a:uLnTx/>
+              <a:uFillTx/>
+              <a:latin typeface="Times New Roman" pitchFamily="18" charset="0"/>
+              <a:ea typeface="+mn-ea"/>
+              <a:cs typeface="Times New Roman" pitchFamily="18" charset="0"/>
+            </a:endParaRPr>
+          </a:p>
+        </p:txBody>
+      </p:sp>
+      <p:sp>
+        <p:nvSpPr>
+          <p:cNvPr id="8" name="Chevron 7"/>
+          <p:cNvSpPr/>
+          <p:nvPr/>
+        </p:nvSpPr>
+        <p:spPr>
+          <a:xfrm>
+            <a:off x="2743200" y="1524000"/>
+            <a:ext cx="5638800" cy="457200"/>
+          </a:xfrm>
+          <a:prstGeom prst="chevron">
+            <a:avLst/>
+          </a:prstGeom>
+        </p:spPr>
+        <p:style>
+          <a:lnRef idx="1">
+            <a:schemeClr val="accent1"/>
+          </a:lnRef>
+          <a:fillRef idx="2">
+            <a:schemeClr val="accent1"/>
+          </a:fillRef>
+          <a:effectRef idx="1">
+            <a:schemeClr val="accent1"/>
+          </a:effectRef>
+          <a:fontRef idx="minor">
+            <a:schemeClr val="dk1"/>
+          </a:fontRef>
+        </p:style>
+        <p:txBody>
+          <a:bodyPr rtlCol="0" anchor="ctr"/>
+          <a:lstStyle/>
+          <a:p>
+            <a:r>
+              <a:rPr lang="en-US" sz="2400" b="1" smtClean="0">
+                <a:solidFill>
+                  <a:schemeClr val="tx1"/>
+                </a:solidFill>
+                <a:latin typeface="Times New Roman" pitchFamily="18" charset="0"/>
+                <a:cs typeface="Times New Roman" pitchFamily="18" charset="0"/>
+              </a:rPr>
+              <a:t>Định hình hệ thống</a:t>
+            </a:r>
+            <a:endParaRPr lang="en-US" sz="2400" b="1">
+              <a:solidFill>
+                <a:schemeClr val="tx1"/>
+              </a:solidFill>
+              <a:latin typeface="Times New Roman" pitchFamily="18" charset="0"/>
+              <a:cs typeface="Times New Roman" pitchFamily="18" charset="0"/>
+            </a:endParaRPr>
+          </a:p>
+        </p:txBody>
+      </p:sp>
+      <p:sp>
+        <p:nvSpPr>
+          <p:cNvPr id="9" name="Chevron 8"/>
+          <p:cNvSpPr/>
+          <p:nvPr/>
+        </p:nvSpPr>
+        <p:spPr>
+          <a:xfrm>
+            <a:off x="4114800" y="3733800"/>
+            <a:ext cx="5029200" cy="533400"/>
+          </a:xfrm>
+          <a:prstGeom prst="chevron">
+            <a:avLst/>
+          </a:prstGeom>
+        </p:spPr>
+        <p:style>
+          <a:lnRef idx="1">
+            <a:schemeClr val="accent3"/>
+          </a:lnRef>
+          <a:fillRef idx="2">
+            <a:schemeClr val="accent3"/>
+          </a:fillRef>
+          <a:effectRef idx="1">
+            <a:schemeClr val="accent3"/>
+          </a:effectRef>
+          <a:fontRef idx="minor">
+            <a:schemeClr val="dk1"/>
+          </a:fontRef>
+        </p:style>
+        <p:txBody>
+          <a:bodyPr rtlCol="0" anchor="ctr"/>
+          <a:lstStyle/>
+          <a:p>
+            <a:r>
+              <a:rPr lang="en-US" sz="2400" b="1" smtClean="0">
+                <a:solidFill>
+                  <a:schemeClr val="tx1"/>
+                </a:solidFill>
+                <a:latin typeface="Times New Roman" pitchFamily="18" charset="0"/>
+                <a:cs typeface="Times New Roman" pitchFamily="18" charset="0"/>
+              </a:rPr>
+              <a:t>Kế thừa từ ITBus</a:t>
+            </a:r>
+            <a:endParaRPr lang="en-US" sz="2400" b="1">
+              <a:solidFill>
+                <a:schemeClr val="tx1"/>
+              </a:solidFill>
+              <a:latin typeface="Times New Roman" pitchFamily="18" charset="0"/>
+              <a:cs typeface="Times New Roman" pitchFamily="18" charset="0"/>
+            </a:endParaRPr>
+          </a:p>
+        </p:txBody>
+      </p:sp>
+      <p:sp>
+        <p:nvSpPr>
+          <p:cNvPr id="10" name="Chevron 9"/>
+          <p:cNvSpPr/>
+          <p:nvPr/>
+        </p:nvSpPr>
+        <p:spPr>
+          <a:xfrm>
+            <a:off x="2743200" y="2895600"/>
+            <a:ext cx="5638800" cy="457200"/>
+          </a:xfrm>
+          <a:prstGeom prst="chevron">
+            <a:avLst/>
+          </a:prstGeom>
+        </p:spPr>
+        <p:style>
+          <a:lnRef idx="1">
+            <a:schemeClr val="accent1"/>
+          </a:lnRef>
+          <a:fillRef idx="2">
+            <a:schemeClr val="accent1"/>
+          </a:fillRef>
+          <a:effectRef idx="1">
+            <a:schemeClr val="accent1"/>
+          </a:effectRef>
+          <a:fontRef idx="minor">
+            <a:schemeClr val="dk1"/>
+          </a:fontRef>
+        </p:style>
+        <p:txBody>
+          <a:bodyPr rtlCol="0" anchor="ctr"/>
+          <a:lstStyle/>
+          <a:p>
+            <a:r>
+              <a:rPr lang="en-US" sz="2400" b="1" smtClean="0">
+                <a:solidFill>
+                  <a:schemeClr val="tx1"/>
+                </a:solidFill>
+                <a:latin typeface="Times New Roman" pitchFamily="18" charset="0"/>
+                <a:cs typeface="Times New Roman" pitchFamily="18" charset="0"/>
+              </a:rPr>
+              <a:t>Phát triển nền tảng khu vui chơi</a:t>
+            </a:r>
+            <a:endParaRPr lang="en-US" sz="2400" b="1">
+              <a:solidFill>
+                <a:schemeClr val="tx1"/>
+              </a:solidFill>
+              <a:latin typeface="Times New Roman" pitchFamily="18" charset="0"/>
+              <a:cs typeface="Times New Roman" pitchFamily="18" charset="0"/>
+            </a:endParaRPr>
+          </a:p>
+        </p:txBody>
+      </p:sp>
+      <p:sp>
+        <p:nvSpPr>
+          <p:cNvPr id="11" name="Chevron 10"/>
+          <p:cNvSpPr/>
+          <p:nvPr/>
+        </p:nvSpPr>
+        <p:spPr>
+          <a:xfrm>
+            <a:off x="2743200" y="2209800"/>
+            <a:ext cx="5638800" cy="457200"/>
+          </a:xfrm>
+          <a:prstGeom prst="chevron">
+            <a:avLst/>
+          </a:prstGeom>
+        </p:spPr>
+        <p:style>
+          <a:lnRef idx="1">
+            <a:schemeClr val="accent1"/>
+          </a:lnRef>
+          <a:fillRef idx="2">
+            <a:schemeClr val="accent1"/>
+          </a:fillRef>
+          <a:effectRef idx="1">
+            <a:schemeClr val="accent1"/>
+          </a:effectRef>
+          <a:fontRef idx="minor">
+            <a:schemeClr val="dk1"/>
+          </a:fontRef>
+        </p:style>
+        <p:txBody>
+          <a:bodyPr rtlCol="0" anchor="ctr"/>
+          <a:lstStyle/>
+          <a:p>
+            <a:r>
+              <a:rPr lang="en-US" sz="2400" b="1" smtClean="0">
+                <a:solidFill>
+                  <a:schemeClr val="tx1"/>
+                </a:solidFill>
+                <a:latin typeface="Times New Roman" pitchFamily="18" charset="0"/>
+                <a:cs typeface="Times New Roman" pitchFamily="18" charset="0"/>
+              </a:rPr>
+              <a:t>Xây dựng hệ thống học Tiếng Việt</a:t>
+            </a:r>
+            <a:endParaRPr lang="en-US" sz="2400" b="1">
+              <a:solidFill>
+                <a:schemeClr val="tx1"/>
+              </a:solidFill>
+              <a:latin typeface="Times New Roman" pitchFamily="18" charset="0"/>
+              <a:cs typeface="Times New Roman" pitchFamily="18" charset="0"/>
+            </a:endParaRPr>
+          </a:p>
+        </p:txBody>
+      </p:sp>
+      <p:sp>
+        <p:nvSpPr>
+          <p:cNvPr id="12" name="Chevron 11"/>
+          <p:cNvSpPr/>
+          <p:nvPr/>
+        </p:nvSpPr>
+        <p:spPr>
+          <a:xfrm>
+            <a:off x="4114800" y="5791200"/>
+            <a:ext cx="5029200" cy="609600"/>
+          </a:xfrm>
+          <a:prstGeom prst="chevron">
+            <a:avLst/>
+          </a:prstGeom>
+        </p:spPr>
+        <p:style>
+          <a:lnRef idx="1">
+            <a:schemeClr val="accent3"/>
+          </a:lnRef>
+          <a:fillRef idx="2">
+            <a:schemeClr val="accent3"/>
+          </a:fillRef>
+          <a:effectRef idx="1">
+            <a:schemeClr val="accent3"/>
+          </a:effectRef>
+          <a:fontRef idx="minor">
+            <a:schemeClr val="dk1"/>
+          </a:fontRef>
+        </p:style>
+        <p:txBody>
+          <a:bodyPr rtlCol="0" anchor="ctr"/>
+          <a:lstStyle/>
+          <a:p>
+            <a:r>
+              <a:rPr lang="en-US" sz="2000" b="1" smtClean="0">
+                <a:solidFill>
+                  <a:schemeClr val="tx1"/>
+                </a:solidFill>
+                <a:latin typeface="Times New Roman" pitchFamily="18" charset="0"/>
+                <a:cs typeface="Times New Roman" pitchFamily="18" charset="0"/>
+              </a:rPr>
+              <a:t>Phát triển thành hệ thống giáo dục tiểu học</a:t>
+            </a:r>
+            <a:endParaRPr lang="en-US" sz="2000" b="1">
+              <a:solidFill>
+                <a:schemeClr val="tx1"/>
+              </a:solidFill>
+              <a:latin typeface="Times New Roman" pitchFamily="18" charset="0"/>
+              <a:cs typeface="Times New Roman" pitchFamily="18" charset="0"/>
+            </a:endParaRPr>
+          </a:p>
+        </p:txBody>
+      </p:sp>
+      <p:sp>
+        <p:nvSpPr>
+          <p:cNvPr id="13" name="Chevron 12"/>
+          <p:cNvSpPr/>
+          <p:nvPr/>
+        </p:nvSpPr>
+        <p:spPr>
+          <a:xfrm>
+            <a:off x="4114800" y="4419600"/>
+            <a:ext cx="5029200" cy="533400"/>
+          </a:xfrm>
+          <a:prstGeom prst="chevron">
+            <a:avLst/>
+          </a:prstGeom>
+        </p:spPr>
+        <p:style>
+          <a:lnRef idx="1">
+            <a:schemeClr val="accent3"/>
+          </a:lnRef>
+          <a:fillRef idx="2">
+            <a:schemeClr val="accent3"/>
+          </a:fillRef>
+          <a:effectRef idx="1">
+            <a:schemeClr val="accent3"/>
+          </a:effectRef>
+          <a:fontRef idx="minor">
+            <a:schemeClr val="dk1"/>
+          </a:fontRef>
+        </p:style>
+        <p:txBody>
+          <a:bodyPr rtlCol="0" anchor="ctr"/>
+          <a:lstStyle/>
+          <a:p>
+            <a:r>
+              <a:rPr lang="en-US" sz="2400" b="1" smtClean="0">
+                <a:solidFill>
+                  <a:schemeClr val="tx1"/>
+                </a:solidFill>
+                <a:latin typeface="Times New Roman" pitchFamily="18" charset="0"/>
+                <a:cs typeface="Times New Roman" pitchFamily="18" charset="0"/>
+              </a:rPr>
+              <a:t>Xây dựng nội dung học Toán </a:t>
+            </a:r>
+            <a:endParaRPr lang="en-US" sz="2400" b="1">
+              <a:solidFill>
+                <a:schemeClr val="tx1"/>
+              </a:solidFill>
+              <a:latin typeface="Times New Roman" pitchFamily="18" charset="0"/>
+              <a:cs typeface="Times New Roman" pitchFamily="18" charset="0"/>
+            </a:endParaRPr>
+          </a:p>
+        </p:txBody>
+      </p:sp>
+      <p:sp>
+        <p:nvSpPr>
+          <p:cNvPr id="14" name="Chevron 13"/>
+          <p:cNvSpPr/>
+          <p:nvPr/>
+        </p:nvSpPr>
+        <p:spPr>
+          <a:xfrm>
+            <a:off x="4114800" y="5105400"/>
+            <a:ext cx="5029200" cy="533400"/>
+          </a:xfrm>
+          <a:prstGeom prst="chevron">
+            <a:avLst/>
+          </a:prstGeom>
+        </p:spPr>
+        <p:style>
+          <a:lnRef idx="1">
+            <a:schemeClr val="accent3"/>
+          </a:lnRef>
+          <a:fillRef idx="2">
+            <a:schemeClr val="accent3"/>
+          </a:fillRef>
+          <a:effectRef idx="1">
+            <a:schemeClr val="accent3"/>
+          </a:effectRef>
+          <a:fontRef idx="minor">
+            <a:schemeClr val="dk1"/>
+          </a:fontRef>
+        </p:style>
+        <p:txBody>
+          <a:bodyPr rtlCol="0" anchor="ctr"/>
+          <a:lstStyle/>
+          <a:p>
+            <a:r>
+              <a:rPr lang="en-US" sz="2400" b="1" smtClean="0">
+                <a:solidFill>
+                  <a:schemeClr val="tx1"/>
+                </a:solidFill>
+                <a:latin typeface="Times New Roman" pitchFamily="18" charset="0"/>
+                <a:cs typeface="Times New Roman" pitchFamily="18" charset="0"/>
+              </a:rPr>
+              <a:t>Định hình mạng gia đình ảo</a:t>
+            </a:r>
+            <a:endParaRPr lang="en-US" sz="2400" b="1">
+              <a:solidFill>
+                <a:schemeClr val="tx1"/>
+              </a:solidFill>
+              <a:latin typeface="Times New Roman" pitchFamily="18" charset="0"/>
+              <a:cs typeface="Times New Roman" pitchFamily="18" charset="0"/>
+            </a:endParaRPr>
+          </a:p>
+        </p:txBody>
+      </p:sp>
+    </p:spTree>
+  </p:cSld>
+  <p:clrMapOvr>
+    <a:masterClrMapping/>
+  </p:clrMapOvr>
+  <p:transition>
+    <p:wedge/>
+  </p:transition>
+  <p:timing>
+    <p:tnLst>
+      <p:par>
+        <p:cTn id="1" dur="indefinite" restart="never" nodeType="tmRoot"/>
+      </p:par>
+    </p:tnLst>
+  </p:timing>
+</p:sld>
+</file>
+
+<file path=ppt/slides/slide9.xml><?xml version="1.0" encoding="utf-8"?>
 <p:sld xmlns:a="http://schemas.openxmlformats.org/drawingml/2006/main" xmlns:r="http://schemas.openxmlformats.org/officeDocument/2006/relationships" xmlns:p="http://schemas.openxmlformats.org/presentationml/2006/main">
   <p:cSld>
     <p:spTree>
@@ -30187,7 +28945,8 @@
           <a:p>
             <a:fld id="{8CFF1A1A-5B53-436D-9EFB-6B8EE7A50023}" type="slidenum">
               <a:rPr lang="en-US" smtClean="0"/>
-              <a:t>8</a:t>
+              <a:pPr/>
+              <a:t>9</a:t>
             </a:fld>
             <a:endParaRPr lang="en-US" dirty="0"/>
           </a:p>
@@ -31555,13 +30314,16 @@
     </p:spTree>
     <p:extLst>
       <p:ext uri="{BB962C8B-B14F-4D97-AF65-F5344CB8AC3E}">
-        <p14:creationId xmlns:p14="http://schemas.microsoft.com/office/powerpoint/2010/main" val="1559285518"/>
+        <p14:creationId xmlns="" xmlns:p14="http://schemas.microsoft.com/office/powerpoint/2010/main" val="1559285518"/>
       </p:ext>
     </p:extLst>
   </p:cSld>
   <p:clrMapOvr>
     <a:masterClrMapping/>
   </p:clrMapOvr>
+  <p:transition>
+    <p:fade thruBlk="1"/>
+  </p:transition>
   <p:timing>
     <p:tnLst>
       <p:par>
@@ -32207,631 +30969,6 @@
 </p:sld>
 </file>
 
-<file path=ppt/slides/slide9.xml><?xml version="1.0" encoding="utf-8"?>
-<p:sld xmlns:a="http://schemas.openxmlformats.org/drawingml/2006/main" xmlns:r="http://schemas.openxmlformats.org/officeDocument/2006/relationships" xmlns:p="http://schemas.openxmlformats.org/presentationml/2006/main">
-  <p:cSld>
-    <p:spTree>
-      <p:nvGrpSpPr>
-        <p:cNvPr id="1" name=""/>
-        <p:cNvGrpSpPr/>
-        <p:nvPr/>
-      </p:nvGrpSpPr>
-      <p:grpSpPr>
-        <a:xfrm>
-          <a:off x="0" y="0"/>
-          <a:ext cx="0" cy="0"/>
-          <a:chOff x="0" y="0"/>
-          <a:chExt cx="0" cy="0"/>
-        </a:xfrm>
-      </p:grpSpPr>
-      <p:sp>
-        <p:nvSpPr>
-          <p:cNvPr id="2" name="Title 1"/>
-          <p:cNvSpPr>
-            <a:spLocks noGrp="1"/>
-          </p:cNvSpPr>
-          <p:nvPr>
-            <p:ph type="ctrTitle"/>
-          </p:nvPr>
-        </p:nvSpPr>
-        <p:spPr>
-          <a:xfrm>
-            <a:off x="0" y="914400"/>
-            <a:ext cx="9144000" cy="685800"/>
-          </a:xfrm>
-        </p:spPr>
-        <p:txBody>
-          <a:bodyPr>
-            <a:normAutofit fontScale="90000"/>
-          </a:bodyPr>
-          <a:lstStyle/>
-          <a:p>
-            <a:r>
-              <a:rPr lang="en-US" b="1" dirty="0" err="1" smtClean="0">
-                <a:ln w="1905"/>
-                <a:gradFill>
-                  <a:gsLst>
-                    <a:gs pos="0">
-                      <a:schemeClr val="accent6">
-                        <a:shade val="20000"/>
-                        <a:satMod val="200000"/>
-                      </a:schemeClr>
-                    </a:gs>
-                    <a:gs pos="78000">
-                      <a:schemeClr val="accent6">
-                        <a:tint val="90000"/>
-                        <a:shade val="89000"/>
-                        <a:satMod val="220000"/>
-                      </a:schemeClr>
-                    </a:gs>
-                    <a:gs pos="100000">
-                      <a:schemeClr val="accent6">
-                        <a:tint val="12000"/>
-                        <a:satMod val="255000"/>
-                      </a:schemeClr>
-                    </a:gs>
-                  </a:gsLst>
-                  <a:lin ang="5400000"/>
-                </a:gradFill>
-                <a:effectLst>
-                  <a:innerShdw blurRad="69850" dist="43180" dir="5400000">
-                    <a:srgbClr val="000000">
-                      <a:alpha val="65000"/>
-                    </a:srgbClr>
-                  </a:innerShdw>
-                </a:effectLst>
-                <a:latin typeface="Times New Roman" pitchFamily="18" charset="0"/>
-                <a:cs typeface="Times New Roman" pitchFamily="18" charset="0"/>
-              </a:rPr>
-              <a:t>Mạng</a:t>
-            </a:r>
-            <a:r>
-              <a:rPr lang="en-US" b="1" dirty="0" smtClean="0">
-                <a:ln w="1905"/>
-                <a:gradFill>
-                  <a:gsLst>
-                    <a:gs pos="0">
-                      <a:schemeClr val="accent6">
-                        <a:shade val="20000"/>
-                        <a:satMod val="200000"/>
-                      </a:schemeClr>
-                    </a:gs>
-                    <a:gs pos="78000">
-                      <a:schemeClr val="accent6">
-                        <a:tint val="90000"/>
-                        <a:shade val="89000"/>
-                        <a:satMod val="220000"/>
-                      </a:schemeClr>
-                    </a:gs>
-                    <a:gs pos="100000">
-                      <a:schemeClr val="accent6">
-                        <a:tint val="12000"/>
-                        <a:satMod val="255000"/>
-                      </a:schemeClr>
-                    </a:gs>
-                  </a:gsLst>
-                  <a:lin ang="5400000"/>
-                </a:gradFill>
-                <a:effectLst>
-                  <a:innerShdw blurRad="69850" dist="43180" dir="5400000">
-                    <a:srgbClr val="000000">
-                      <a:alpha val="65000"/>
-                    </a:srgbClr>
-                  </a:innerShdw>
-                </a:effectLst>
-                <a:latin typeface="Times New Roman" pitchFamily="18" charset="0"/>
-                <a:cs typeface="Times New Roman" pitchFamily="18" charset="0"/>
-              </a:rPr>
-              <a:t> </a:t>
-            </a:r>
-            <a:r>
-              <a:rPr lang="en-US" b="1" dirty="0" err="1" smtClean="0">
-                <a:ln w="1905"/>
-                <a:gradFill>
-                  <a:gsLst>
-                    <a:gs pos="0">
-                      <a:schemeClr val="accent6">
-                        <a:shade val="20000"/>
-                        <a:satMod val="200000"/>
-                      </a:schemeClr>
-                    </a:gs>
-                    <a:gs pos="78000">
-                      <a:schemeClr val="accent6">
-                        <a:tint val="90000"/>
-                        <a:shade val="89000"/>
-                        <a:satMod val="220000"/>
-                      </a:schemeClr>
-                    </a:gs>
-                    <a:gs pos="100000">
-                      <a:schemeClr val="accent6">
-                        <a:tint val="12000"/>
-                        <a:satMod val="255000"/>
-                      </a:schemeClr>
-                    </a:gs>
-                  </a:gsLst>
-                  <a:lin ang="5400000"/>
-                </a:gradFill>
-                <a:effectLst>
-                  <a:innerShdw blurRad="69850" dist="43180" dir="5400000">
-                    <a:srgbClr val="000000">
-                      <a:alpha val="65000"/>
-                    </a:srgbClr>
-                  </a:innerShdw>
-                </a:effectLst>
-                <a:latin typeface="Times New Roman" pitchFamily="18" charset="0"/>
-                <a:cs typeface="Times New Roman" pitchFamily="18" charset="0"/>
-              </a:rPr>
-              <a:t>xã</a:t>
-            </a:r>
-            <a:r>
-              <a:rPr lang="en-US" b="1" dirty="0" smtClean="0">
-                <a:ln w="1905"/>
-                <a:gradFill>
-                  <a:gsLst>
-                    <a:gs pos="0">
-                      <a:schemeClr val="accent6">
-                        <a:shade val="20000"/>
-                        <a:satMod val="200000"/>
-                      </a:schemeClr>
-                    </a:gs>
-                    <a:gs pos="78000">
-                      <a:schemeClr val="accent6">
-                        <a:tint val="90000"/>
-                        <a:shade val="89000"/>
-                        <a:satMod val="220000"/>
-                      </a:schemeClr>
-                    </a:gs>
-                    <a:gs pos="100000">
-                      <a:schemeClr val="accent6">
-                        <a:tint val="12000"/>
-                        <a:satMod val="255000"/>
-                      </a:schemeClr>
-                    </a:gs>
-                  </a:gsLst>
-                  <a:lin ang="5400000"/>
-                </a:gradFill>
-                <a:effectLst>
-                  <a:innerShdw blurRad="69850" dist="43180" dir="5400000">
-                    <a:srgbClr val="000000">
-                      <a:alpha val="65000"/>
-                    </a:srgbClr>
-                  </a:innerShdw>
-                </a:effectLst>
-                <a:latin typeface="Times New Roman" pitchFamily="18" charset="0"/>
-                <a:cs typeface="Times New Roman" pitchFamily="18" charset="0"/>
-              </a:rPr>
-              <a:t> </a:t>
-            </a:r>
-            <a:r>
-              <a:rPr lang="en-US" b="1" dirty="0" err="1" smtClean="0">
-                <a:ln w="1905"/>
-                <a:gradFill>
-                  <a:gsLst>
-                    <a:gs pos="0">
-                      <a:schemeClr val="accent6">
-                        <a:shade val="20000"/>
-                        <a:satMod val="200000"/>
-                      </a:schemeClr>
-                    </a:gs>
-                    <a:gs pos="78000">
-                      <a:schemeClr val="accent6">
-                        <a:tint val="90000"/>
-                        <a:shade val="89000"/>
-                        <a:satMod val="220000"/>
-                      </a:schemeClr>
-                    </a:gs>
-                    <a:gs pos="100000">
-                      <a:schemeClr val="accent6">
-                        <a:tint val="12000"/>
-                        <a:satMod val="255000"/>
-                      </a:schemeClr>
-                    </a:gs>
-                  </a:gsLst>
-                  <a:lin ang="5400000"/>
-                </a:gradFill>
-                <a:effectLst>
-                  <a:innerShdw blurRad="69850" dist="43180" dir="5400000">
-                    <a:srgbClr val="000000">
-                      <a:alpha val="65000"/>
-                    </a:srgbClr>
-                  </a:innerShdw>
-                </a:effectLst>
-                <a:latin typeface="Times New Roman" pitchFamily="18" charset="0"/>
-                <a:cs typeface="Times New Roman" pitchFamily="18" charset="0"/>
-              </a:rPr>
-              <a:t>hội</a:t>
-            </a:r>
-            <a:endParaRPr lang="en-US" b="1" dirty="0">
-              <a:ln w="10541" cmpd="sng">
-                <a:solidFill>
-                  <a:schemeClr val="accent1">
-                    <a:shade val="88000"/>
-                    <a:satMod val="110000"/>
-                  </a:schemeClr>
-                </a:solidFill>
-                <a:prstDash val="solid"/>
-              </a:ln>
-              <a:gradFill>
-                <a:gsLst>
-                  <a:gs pos="0">
-                    <a:schemeClr val="accent1">
-                      <a:tint val="40000"/>
-                      <a:satMod val="250000"/>
-                    </a:schemeClr>
-                  </a:gs>
-                  <a:gs pos="9000">
-                    <a:schemeClr val="accent1">
-                      <a:tint val="52000"/>
-                      <a:satMod val="300000"/>
-                    </a:schemeClr>
-                  </a:gs>
-                  <a:gs pos="50000">
-                    <a:schemeClr val="accent1">
-                      <a:shade val="20000"/>
-                      <a:satMod val="300000"/>
-                    </a:schemeClr>
-                  </a:gs>
-                  <a:gs pos="79000">
-                    <a:schemeClr val="accent1">
-                      <a:tint val="52000"/>
-                      <a:satMod val="300000"/>
-                    </a:schemeClr>
-                  </a:gs>
-                  <a:gs pos="100000">
-                    <a:schemeClr val="accent1">
-                      <a:tint val="40000"/>
-                      <a:satMod val="250000"/>
-                    </a:schemeClr>
-                  </a:gs>
-                </a:gsLst>
-                <a:lin ang="5400000"/>
-              </a:gradFill>
-              <a:effectLst>
-                <a:outerShdw blurRad="50800" dist="38100" algn="l" rotWithShape="0">
-                  <a:prstClr val="black">
-                    <a:alpha val="40000"/>
-                  </a:prstClr>
-                </a:outerShdw>
-              </a:effectLst>
-              <a:latin typeface="Times New Roman" pitchFamily="18" charset="0"/>
-              <a:cs typeface="Times New Roman" pitchFamily="18" charset="0"/>
-            </a:endParaRPr>
-          </a:p>
-        </p:txBody>
-      </p:sp>
-      <p:sp>
-        <p:nvSpPr>
-          <p:cNvPr id="5" name="Slide Number Placeholder 4"/>
-          <p:cNvSpPr>
-            <a:spLocks noGrp="1"/>
-          </p:cNvSpPr>
-          <p:nvPr>
-            <p:ph type="sldNum" sz="quarter" idx="12"/>
-          </p:nvPr>
-        </p:nvSpPr>
-        <p:spPr/>
-        <p:txBody>
-          <a:bodyPr/>
-          <a:lstStyle/>
-          <a:p>
-            <a:fld id="{8CFF1A1A-5B53-436D-9EFB-6B8EE7A50023}" type="slidenum">
-              <a:rPr lang="en-US" smtClean="0"/>
-              <a:t>9</a:t>
-            </a:fld>
-            <a:endParaRPr lang="en-US"/>
-          </a:p>
-        </p:txBody>
-      </p:sp>
-      <p:sp>
-        <p:nvSpPr>
-          <p:cNvPr id="9" name="Content Placeholder 2"/>
-          <p:cNvSpPr txBox="1">
-            <a:spLocks/>
-          </p:cNvSpPr>
-          <p:nvPr/>
-        </p:nvSpPr>
-        <p:spPr>
-          <a:xfrm>
-            <a:off x="457200" y="1935480"/>
-            <a:ext cx="8229600" cy="4389120"/>
-          </a:xfrm>
-          <a:prstGeom prst="rect">
-            <a:avLst/>
-          </a:prstGeom>
-        </p:spPr>
-        <p:txBody>
-          <a:bodyPr vert="horz" lIns="91440" tIns="45720" rIns="91440" bIns="45720" rtlCol="0">
-            <a:normAutofit/>
-          </a:bodyPr>
-          <a:lstStyle>
-            <a:lvl1pPr marL="0" indent="0" algn="ctr" defTabSz="914400" rtl="0" eaLnBrk="1" latinLnBrk="0" hangingPunct="1">
-              <a:spcBef>
-                <a:spcPct val="20000"/>
-              </a:spcBef>
-              <a:buFont typeface="Arial" pitchFamily="34" charset="0"/>
-              <a:buNone/>
-              <a:defRPr sz="3200" kern="1200">
-                <a:solidFill>
-                  <a:schemeClr val="tx1">
-                    <a:tint val="75000"/>
-                  </a:schemeClr>
-                </a:solidFill>
-                <a:latin typeface="+mn-lt"/>
-                <a:ea typeface="+mn-ea"/>
-                <a:cs typeface="+mn-cs"/>
-              </a:defRPr>
-            </a:lvl1pPr>
-            <a:lvl2pPr marL="457200" indent="0" algn="ctr" defTabSz="914400" rtl="0" eaLnBrk="1" latinLnBrk="0" hangingPunct="1">
-              <a:spcBef>
-                <a:spcPct val="20000"/>
-              </a:spcBef>
-              <a:buFont typeface="Arial" pitchFamily="34" charset="0"/>
-              <a:buNone/>
-              <a:defRPr sz="2800" kern="1200">
-                <a:solidFill>
-                  <a:schemeClr val="tx1">
-                    <a:tint val="75000"/>
-                  </a:schemeClr>
-                </a:solidFill>
-                <a:latin typeface="+mn-lt"/>
-                <a:ea typeface="+mn-ea"/>
-                <a:cs typeface="+mn-cs"/>
-              </a:defRPr>
-            </a:lvl2pPr>
-            <a:lvl3pPr marL="914400" indent="0" algn="ctr" defTabSz="914400" rtl="0" eaLnBrk="1" latinLnBrk="0" hangingPunct="1">
-              <a:spcBef>
-                <a:spcPct val="20000"/>
-              </a:spcBef>
-              <a:buFont typeface="Arial" pitchFamily="34" charset="0"/>
-              <a:buNone/>
-              <a:defRPr sz="2400" kern="1200">
-                <a:solidFill>
-                  <a:schemeClr val="tx1">
-                    <a:tint val="75000"/>
-                  </a:schemeClr>
-                </a:solidFill>
-                <a:latin typeface="+mn-lt"/>
-                <a:ea typeface="+mn-ea"/>
-                <a:cs typeface="+mn-cs"/>
-              </a:defRPr>
-            </a:lvl3pPr>
-            <a:lvl4pPr marL="1371600" indent="0" algn="ctr" defTabSz="914400" rtl="0" eaLnBrk="1" latinLnBrk="0" hangingPunct="1">
-              <a:spcBef>
-                <a:spcPct val="20000"/>
-              </a:spcBef>
-              <a:buFont typeface="Arial" pitchFamily="34" charset="0"/>
-              <a:buNone/>
-              <a:defRPr sz="2000" kern="1200">
-                <a:solidFill>
-                  <a:schemeClr val="tx1">
-                    <a:tint val="75000"/>
-                  </a:schemeClr>
-                </a:solidFill>
-                <a:latin typeface="+mn-lt"/>
-                <a:ea typeface="+mn-ea"/>
-                <a:cs typeface="+mn-cs"/>
-              </a:defRPr>
-            </a:lvl4pPr>
-            <a:lvl5pPr marL="1828800" indent="0" algn="ctr" defTabSz="914400" rtl="0" eaLnBrk="1" latinLnBrk="0" hangingPunct="1">
-              <a:spcBef>
-                <a:spcPct val="20000"/>
-              </a:spcBef>
-              <a:buFont typeface="Arial" pitchFamily="34" charset="0"/>
-              <a:buNone/>
-              <a:defRPr sz="2000" kern="1200">
-                <a:solidFill>
-                  <a:schemeClr val="tx1">
-                    <a:tint val="75000"/>
-                  </a:schemeClr>
-                </a:solidFill>
-                <a:latin typeface="+mn-lt"/>
-                <a:ea typeface="+mn-ea"/>
-                <a:cs typeface="+mn-cs"/>
-              </a:defRPr>
-            </a:lvl5pPr>
-            <a:lvl6pPr marL="2286000" indent="0" algn="ctr" defTabSz="914400" rtl="0" eaLnBrk="1" latinLnBrk="0" hangingPunct="1">
-              <a:spcBef>
-                <a:spcPct val="20000"/>
-              </a:spcBef>
-              <a:buFont typeface="Arial" pitchFamily="34" charset="0"/>
-              <a:buNone/>
-              <a:defRPr sz="2000" kern="1200">
-                <a:solidFill>
-                  <a:schemeClr val="tx1">
-                    <a:tint val="75000"/>
-                  </a:schemeClr>
-                </a:solidFill>
-                <a:latin typeface="+mn-lt"/>
-                <a:ea typeface="+mn-ea"/>
-                <a:cs typeface="+mn-cs"/>
-              </a:defRPr>
-            </a:lvl6pPr>
-            <a:lvl7pPr marL="2743200" indent="0" algn="ctr" defTabSz="914400" rtl="0" eaLnBrk="1" latinLnBrk="0" hangingPunct="1">
-              <a:spcBef>
-                <a:spcPct val="20000"/>
-              </a:spcBef>
-              <a:buFont typeface="Arial" pitchFamily="34" charset="0"/>
-              <a:buNone/>
-              <a:defRPr sz="2000" kern="1200">
-                <a:solidFill>
-                  <a:schemeClr val="tx1">
-                    <a:tint val="75000"/>
-                  </a:schemeClr>
-                </a:solidFill>
-                <a:latin typeface="+mn-lt"/>
-                <a:ea typeface="+mn-ea"/>
-                <a:cs typeface="+mn-cs"/>
-              </a:defRPr>
-            </a:lvl7pPr>
-            <a:lvl8pPr marL="3200400" indent="0" algn="ctr" defTabSz="914400" rtl="0" eaLnBrk="1" latinLnBrk="0" hangingPunct="1">
-              <a:spcBef>
-                <a:spcPct val="20000"/>
-              </a:spcBef>
-              <a:buFont typeface="Arial" pitchFamily="34" charset="0"/>
-              <a:buNone/>
-              <a:defRPr sz="2000" kern="1200">
-                <a:solidFill>
-                  <a:schemeClr val="tx1">
-                    <a:tint val="75000"/>
-                  </a:schemeClr>
-                </a:solidFill>
-                <a:latin typeface="+mn-lt"/>
-                <a:ea typeface="+mn-ea"/>
-                <a:cs typeface="+mn-cs"/>
-              </a:defRPr>
-            </a:lvl8pPr>
-            <a:lvl9pPr marL="3657600" indent="0" algn="ctr" defTabSz="914400" rtl="0" eaLnBrk="1" latinLnBrk="0" hangingPunct="1">
-              <a:spcBef>
-                <a:spcPct val="20000"/>
-              </a:spcBef>
-              <a:buFont typeface="Arial" pitchFamily="34" charset="0"/>
-              <a:buNone/>
-              <a:defRPr sz="2000" kern="1200">
-                <a:solidFill>
-                  <a:schemeClr val="tx1">
-                    <a:tint val="75000"/>
-                  </a:schemeClr>
-                </a:solidFill>
-                <a:latin typeface="+mn-lt"/>
-                <a:ea typeface="+mn-ea"/>
-                <a:cs typeface="+mn-cs"/>
-              </a:defRPr>
-            </a:lvl9pPr>
-          </a:lstStyle>
-          <a:p>
-            <a:endParaRPr lang="en-US" dirty="0" smtClean="0">
-              <a:latin typeface="Times New Roman" pitchFamily="18" charset="0"/>
-              <a:cs typeface="Times New Roman" pitchFamily="18" charset="0"/>
-            </a:endParaRPr>
-          </a:p>
-        </p:txBody>
-      </p:sp>
-      <p:pic>
-        <p:nvPicPr>
-          <p:cNvPr id="7" name="Picture 3"/>
-          <p:cNvPicPr>
-            <a:picLocks noChangeAspect="1" noChangeArrowheads="1"/>
-          </p:cNvPicPr>
-          <p:nvPr/>
-        </p:nvPicPr>
-        <p:blipFill>
-          <a:blip r:embed="rId3">
-            <a:extLst>
-              <a:ext uri="{28A0092B-C50C-407E-A947-70E740481C1C}">
-                <a14:useLocalDpi xmlns:a14="http://schemas.microsoft.com/office/drawing/2010/main" val="0"/>
-              </a:ext>
-            </a:extLst>
-          </a:blip>
-          <a:stretch>
-            <a:fillRect/>
-          </a:stretch>
-        </p:blipFill>
-        <p:spPr bwMode="auto">
-          <a:xfrm>
-            <a:off x="2971800" y="2822652"/>
-            <a:ext cx="3429000" cy="2282748"/>
-          </a:xfrm>
-          <a:prstGeom prst="rect">
-            <a:avLst/>
-          </a:prstGeom>
-          <a:noFill/>
-          <a:ln>
-            <a:noFill/>
-          </a:ln>
-          <a:effectLst/>
-          <a:extLst>
-            <a:ext uri="{909E8E84-426E-40DD-AFC4-6F175D3DCCD1}">
-              <a14:hiddenFill xmlns:a14="http://schemas.microsoft.com/office/drawing/2010/main">
-                <a:solidFill>
-                  <a:schemeClr val="accent1"/>
-                </a:solidFill>
-              </a14:hiddenFill>
-            </a:ext>
-            <a:ext uri="{91240B29-F687-4F45-9708-019B960494DF}">
-              <a14:hiddenLine xmlns:a14="http://schemas.microsoft.com/office/drawing/2010/main" w="9525">
-                <a:solidFill>
-                  <a:schemeClr val="tx1"/>
-                </a:solidFill>
-                <a:miter lim="800000"/>
-                <a:headEnd/>
-                <a:tailEnd/>
-              </a14:hiddenLine>
-            </a:ext>
-            <a:ext uri="{AF507438-7753-43E0-B8FC-AC1667EBCBE1}">
-              <a14:hiddenEffects xmlns:a14="http://schemas.microsoft.com/office/drawing/2010/main">
-                <a:effectLst>
-                  <a:outerShdw dist="35921" dir="2700000" algn="ctr" rotWithShape="0">
-                    <a:schemeClr val="bg2"/>
-                  </a:outerShdw>
-                </a:effectLst>
-              </a14:hiddenEffects>
-            </a:ext>
-          </a:extLst>
-        </p:spPr>
-      </p:pic>
-      <p:sp>
-        <p:nvSpPr>
-          <p:cNvPr id="3" name="Oval Callout 2"/>
-          <p:cNvSpPr/>
-          <p:nvPr/>
-        </p:nvSpPr>
-        <p:spPr>
-          <a:xfrm>
-            <a:off x="5943600" y="914400"/>
-            <a:ext cx="2895600" cy="2286000"/>
-          </a:xfrm>
-          <a:prstGeom prst="wedgeEllipseCallout">
-            <a:avLst>
-              <a:gd name="adj1" fmla="val -55736"/>
-              <a:gd name="adj2" fmla="val 71623"/>
-            </a:avLst>
-          </a:prstGeom>
-        </p:spPr>
-        <p:style>
-          <a:lnRef idx="2">
-            <a:schemeClr val="accent1">
-              <a:shade val="50000"/>
-            </a:schemeClr>
-          </a:lnRef>
-          <a:fillRef idx="1">
-            <a:schemeClr val="accent1"/>
-          </a:fillRef>
-          <a:effectRef idx="0">
-            <a:schemeClr val="accent1"/>
-          </a:effectRef>
-          <a:fontRef idx="minor">
-            <a:schemeClr val="lt1"/>
-          </a:fontRef>
-        </p:style>
-        <p:txBody>
-          <a:bodyPr rtlCol="0" anchor="ctr"/>
-          <a:lstStyle/>
-          <a:p>
-            <a:pPr algn="ctr"/>
-            <a:endParaRPr lang="en-US"/>
-          </a:p>
-        </p:txBody>
-      </p:sp>
-    </p:spTree>
-    <p:extLst>
-      <p:ext uri="{BB962C8B-B14F-4D97-AF65-F5344CB8AC3E}">
-        <p14:creationId xmlns:p14="http://schemas.microsoft.com/office/powerpoint/2010/main" val="417150848"/>
-      </p:ext>
-    </p:extLst>
-  </p:cSld>
-  <p:clrMapOvr>
-    <a:masterClrMapping/>
-  </p:clrMapOvr>
-  <p:timing>
-    <p:tnLst>
-      <p:par>
-        <p:cTn id="1" dur="indefinite" restart="never" nodeType="tmRoot"/>
-      </p:par>
-    </p:tnLst>
-  </p:timing>
-</p:sld>
-</file>
-
 <file path=ppt/theme/theme1.xml><?xml version="1.0" encoding="utf-8"?>
 <a:theme xmlns:a="http://schemas.openxmlformats.org/drawingml/2006/main" name="thesis">
   <a:themeElements>
